--- a/1082_results/project_overview/專題期末2020年7月9號.pptx
+++ b/1082_results/project_overview/專題期末2020年7月9號.pptx
@@ -5,7 +5,7 @@
     <p:sldMasterId id="2147483648" r:id="rId1"/>
   </p:sldMasterIdLst>
   <p:notesMasterIdLst>
-    <p:notesMasterId r:id="rId32"/>
+    <p:notesMasterId r:id="rId33"/>
   </p:notesMasterIdLst>
   <p:sldIdLst>
     <p:sldId id="325" r:id="rId2"/>
@@ -17,32 +17,33 @@
     <p:sldId id="332" r:id="rId8"/>
     <p:sldId id="349" r:id="rId9"/>
     <p:sldId id="350" r:id="rId10"/>
-    <p:sldId id="351" r:id="rId11"/>
-    <p:sldId id="335" r:id="rId12"/>
-    <p:sldId id="352" r:id="rId13"/>
-    <p:sldId id="353" r:id="rId14"/>
-    <p:sldId id="354" r:id="rId15"/>
-    <p:sldId id="355" r:id="rId16"/>
-    <p:sldId id="295" r:id="rId17"/>
-    <p:sldId id="333" r:id="rId18"/>
-    <p:sldId id="318" r:id="rId19"/>
-    <p:sldId id="334" r:id="rId20"/>
-    <p:sldId id="336" r:id="rId21"/>
-    <p:sldId id="337" r:id="rId22"/>
-    <p:sldId id="339" r:id="rId23"/>
-    <p:sldId id="340" r:id="rId24"/>
-    <p:sldId id="341" r:id="rId25"/>
-    <p:sldId id="343" r:id="rId26"/>
-    <p:sldId id="344" r:id="rId27"/>
-    <p:sldId id="298" r:id="rId28"/>
-    <p:sldId id="345" r:id="rId29"/>
-    <p:sldId id="323" r:id="rId30"/>
-    <p:sldId id="330" r:id="rId31"/>
+    <p:sldId id="356" r:id="rId11"/>
+    <p:sldId id="351" r:id="rId12"/>
+    <p:sldId id="335" r:id="rId13"/>
+    <p:sldId id="352" r:id="rId14"/>
+    <p:sldId id="353" r:id="rId15"/>
+    <p:sldId id="354" r:id="rId16"/>
+    <p:sldId id="355" r:id="rId17"/>
+    <p:sldId id="295" r:id="rId18"/>
+    <p:sldId id="333" r:id="rId19"/>
+    <p:sldId id="318" r:id="rId20"/>
+    <p:sldId id="334" r:id="rId21"/>
+    <p:sldId id="336" r:id="rId22"/>
+    <p:sldId id="337" r:id="rId23"/>
+    <p:sldId id="339" r:id="rId24"/>
+    <p:sldId id="340" r:id="rId25"/>
+    <p:sldId id="341" r:id="rId26"/>
+    <p:sldId id="343" r:id="rId27"/>
+    <p:sldId id="344" r:id="rId28"/>
+    <p:sldId id="298" r:id="rId29"/>
+    <p:sldId id="345" r:id="rId30"/>
+    <p:sldId id="323" r:id="rId31"/>
+    <p:sldId id="330" r:id="rId32"/>
   </p:sldIdLst>
   <p:sldSz cx="12192000" cy="6858000"/>
   <p:notesSz cx="6858000" cy="9144000"/>
   <p:custDataLst>
-    <p:tags r:id="rId33"/>
+    <p:tags r:id="rId34"/>
   </p:custDataLst>
   <p:defaultTextStyle>
     <a:defPPr>
@@ -631,7 +632,7 @@
     </p:spTree>
     <p:extLst>
       <p:ext uri="{BB962C8B-B14F-4D97-AF65-F5344CB8AC3E}">
-        <p14:creationId xmlns:p14="http://schemas.microsoft.com/office/powerpoint/2010/main" val="3047225054"/>
+        <p14:creationId xmlns:p14="http://schemas.microsoft.com/office/powerpoint/2010/main" val="937970954"/>
       </p:ext>
     </p:extLst>
   </p:cSld>
@@ -715,7 +716,7 @@
     </p:spTree>
     <p:extLst>
       <p:ext uri="{BB962C8B-B14F-4D97-AF65-F5344CB8AC3E}">
-        <p14:creationId xmlns:p14="http://schemas.microsoft.com/office/powerpoint/2010/main" val="1374333029"/>
+        <p14:creationId xmlns:p14="http://schemas.microsoft.com/office/powerpoint/2010/main" val="3047225054"/>
       </p:ext>
     </p:extLst>
   </p:cSld>
@@ -799,7 +800,7 @@
     </p:spTree>
     <p:extLst>
       <p:ext uri="{BB962C8B-B14F-4D97-AF65-F5344CB8AC3E}">
-        <p14:creationId xmlns:p14="http://schemas.microsoft.com/office/powerpoint/2010/main" val="275841798"/>
+        <p14:creationId xmlns:p14="http://schemas.microsoft.com/office/powerpoint/2010/main" val="1374333029"/>
       </p:ext>
     </p:extLst>
   </p:cSld>
@@ -883,7 +884,7 @@
     </p:spTree>
     <p:extLst>
       <p:ext uri="{BB962C8B-B14F-4D97-AF65-F5344CB8AC3E}">
-        <p14:creationId xmlns:p14="http://schemas.microsoft.com/office/powerpoint/2010/main" val="355787103"/>
+        <p14:creationId xmlns:p14="http://schemas.microsoft.com/office/powerpoint/2010/main" val="275841798"/>
       </p:ext>
     </p:extLst>
   </p:cSld>
@@ -967,7 +968,7 @@
     </p:spTree>
     <p:extLst>
       <p:ext uri="{BB962C8B-B14F-4D97-AF65-F5344CB8AC3E}">
-        <p14:creationId xmlns:p14="http://schemas.microsoft.com/office/powerpoint/2010/main" val="1067791055"/>
+        <p14:creationId xmlns:p14="http://schemas.microsoft.com/office/powerpoint/2010/main" val="355787103"/>
       </p:ext>
     </p:extLst>
   </p:cSld>
@@ -1051,7 +1052,7 @@
     </p:spTree>
     <p:extLst>
       <p:ext uri="{BB962C8B-B14F-4D97-AF65-F5344CB8AC3E}">
-        <p14:creationId xmlns:p14="http://schemas.microsoft.com/office/powerpoint/2010/main" val="320666025"/>
+        <p14:creationId xmlns:p14="http://schemas.microsoft.com/office/powerpoint/2010/main" val="1067791055"/>
       </p:ext>
     </p:extLst>
   </p:cSld>
@@ -1135,7 +1136,7 @@
     </p:spTree>
     <p:extLst>
       <p:ext uri="{BB962C8B-B14F-4D97-AF65-F5344CB8AC3E}">
-        <p14:creationId xmlns:p14="http://schemas.microsoft.com/office/powerpoint/2010/main" val="3663432279"/>
+        <p14:creationId xmlns:p14="http://schemas.microsoft.com/office/powerpoint/2010/main" val="320666025"/>
       </p:ext>
     </p:extLst>
   </p:cSld>
@@ -1219,7 +1220,7 @@
     </p:spTree>
     <p:extLst>
       <p:ext uri="{BB962C8B-B14F-4D97-AF65-F5344CB8AC3E}">
-        <p14:creationId xmlns:p14="http://schemas.microsoft.com/office/powerpoint/2010/main" val="1375211815"/>
+        <p14:creationId xmlns:p14="http://schemas.microsoft.com/office/powerpoint/2010/main" val="3663432279"/>
       </p:ext>
     </p:extLst>
   </p:cSld>
@@ -1303,7 +1304,7 @@
     </p:spTree>
     <p:extLst>
       <p:ext uri="{BB962C8B-B14F-4D97-AF65-F5344CB8AC3E}">
-        <p14:creationId xmlns:p14="http://schemas.microsoft.com/office/powerpoint/2010/main" val="1091477998"/>
+        <p14:creationId xmlns:p14="http://schemas.microsoft.com/office/powerpoint/2010/main" val="1375211815"/>
       </p:ext>
     </p:extLst>
   </p:cSld>
@@ -1387,7 +1388,7 @@
     </p:spTree>
     <p:extLst>
       <p:ext uri="{BB962C8B-B14F-4D97-AF65-F5344CB8AC3E}">
-        <p14:creationId xmlns:p14="http://schemas.microsoft.com/office/powerpoint/2010/main" val="1464977499"/>
+        <p14:creationId xmlns:p14="http://schemas.microsoft.com/office/powerpoint/2010/main" val="1091477998"/>
       </p:ext>
     </p:extLst>
   </p:cSld>
@@ -1532,7 +1533,7 @@
     </p:spTree>
     <p:extLst>
       <p:ext uri="{BB962C8B-B14F-4D97-AF65-F5344CB8AC3E}">
-        <p14:creationId xmlns:p14="http://schemas.microsoft.com/office/powerpoint/2010/main" val="227568475"/>
+        <p14:creationId xmlns:p14="http://schemas.microsoft.com/office/powerpoint/2010/main" val="1464977499"/>
       </p:ext>
     </p:extLst>
   </p:cSld>
@@ -1616,7 +1617,7 @@
     </p:spTree>
     <p:extLst>
       <p:ext uri="{BB962C8B-B14F-4D97-AF65-F5344CB8AC3E}">
-        <p14:creationId xmlns:p14="http://schemas.microsoft.com/office/powerpoint/2010/main" val="3536537524"/>
+        <p14:creationId xmlns:p14="http://schemas.microsoft.com/office/powerpoint/2010/main" val="227568475"/>
       </p:ext>
     </p:extLst>
   </p:cSld>
@@ -1700,7 +1701,7 @@
     </p:spTree>
     <p:extLst>
       <p:ext uri="{BB962C8B-B14F-4D97-AF65-F5344CB8AC3E}">
-        <p14:creationId xmlns:p14="http://schemas.microsoft.com/office/powerpoint/2010/main" val="2403208242"/>
+        <p14:creationId xmlns:p14="http://schemas.microsoft.com/office/powerpoint/2010/main" val="3536537524"/>
       </p:ext>
     </p:extLst>
   </p:cSld>
@@ -1784,7 +1785,7 @@
     </p:spTree>
     <p:extLst>
       <p:ext uri="{BB962C8B-B14F-4D97-AF65-F5344CB8AC3E}">
-        <p14:creationId xmlns:p14="http://schemas.microsoft.com/office/powerpoint/2010/main" val="1186900848"/>
+        <p14:creationId xmlns:p14="http://schemas.microsoft.com/office/powerpoint/2010/main" val="2403208242"/>
       </p:ext>
     </p:extLst>
   </p:cSld>
@@ -1868,7 +1869,7 @@
     </p:spTree>
     <p:extLst>
       <p:ext uri="{BB962C8B-B14F-4D97-AF65-F5344CB8AC3E}">
-        <p14:creationId xmlns:p14="http://schemas.microsoft.com/office/powerpoint/2010/main" val="112261704"/>
+        <p14:creationId xmlns:p14="http://schemas.microsoft.com/office/powerpoint/2010/main" val="1186900848"/>
       </p:ext>
     </p:extLst>
   </p:cSld>
@@ -1952,7 +1953,7 @@
     </p:spTree>
     <p:extLst>
       <p:ext uri="{BB962C8B-B14F-4D97-AF65-F5344CB8AC3E}">
-        <p14:creationId xmlns:p14="http://schemas.microsoft.com/office/powerpoint/2010/main" val="3286261574"/>
+        <p14:creationId xmlns:p14="http://schemas.microsoft.com/office/powerpoint/2010/main" val="112261704"/>
       </p:ext>
     </p:extLst>
   </p:cSld>
@@ -2036,7 +2037,7 @@
     </p:spTree>
     <p:extLst>
       <p:ext uri="{BB962C8B-B14F-4D97-AF65-F5344CB8AC3E}">
-        <p14:creationId xmlns:p14="http://schemas.microsoft.com/office/powerpoint/2010/main" val="117918187"/>
+        <p14:creationId xmlns:p14="http://schemas.microsoft.com/office/powerpoint/2010/main" val="3286261574"/>
       </p:ext>
     </p:extLst>
   </p:cSld>
@@ -2120,7 +2121,7 @@
     </p:spTree>
     <p:extLst>
       <p:ext uri="{BB962C8B-B14F-4D97-AF65-F5344CB8AC3E}">
-        <p14:creationId xmlns:p14="http://schemas.microsoft.com/office/powerpoint/2010/main" val="561740869"/>
+        <p14:creationId xmlns:p14="http://schemas.microsoft.com/office/powerpoint/2010/main" val="117918187"/>
       </p:ext>
     </p:extLst>
   </p:cSld>
@@ -2204,7 +2205,7 @@
     </p:spTree>
     <p:extLst>
       <p:ext uri="{BB962C8B-B14F-4D97-AF65-F5344CB8AC3E}">
-        <p14:creationId xmlns:p14="http://schemas.microsoft.com/office/powerpoint/2010/main" val="2276039539"/>
+        <p14:creationId xmlns:p14="http://schemas.microsoft.com/office/powerpoint/2010/main" val="561740869"/>
       </p:ext>
     </p:extLst>
   </p:cSld>
@@ -2288,7 +2289,7 @@
     </p:spTree>
     <p:extLst>
       <p:ext uri="{BB962C8B-B14F-4D97-AF65-F5344CB8AC3E}">
-        <p14:creationId xmlns:p14="http://schemas.microsoft.com/office/powerpoint/2010/main" val="2160687782"/>
+        <p14:creationId xmlns:p14="http://schemas.microsoft.com/office/powerpoint/2010/main" val="2276039539"/>
       </p:ext>
     </p:extLst>
   </p:cSld>
@@ -2383,6 +2384,90 @@
 </file>
 
 <file path=ppt/notesSlides/notesSlide30.xml><?xml version="1.0" encoding="utf-8"?>
+<p:notes xmlns:a="http://schemas.openxmlformats.org/drawingml/2006/main" xmlns:r="http://schemas.openxmlformats.org/officeDocument/2006/relationships" xmlns:p="http://schemas.openxmlformats.org/presentationml/2006/main">
+  <p:cSld>
+    <p:spTree>
+      <p:nvGrpSpPr>
+        <p:cNvPr id="1" name=""/>
+        <p:cNvGrpSpPr/>
+        <p:nvPr/>
+      </p:nvGrpSpPr>
+      <p:grpSpPr>
+        <a:xfrm>
+          <a:off x="0" y="0"/>
+          <a:ext cx="0" cy="0"/>
+          <a:chOff x="0" y="0"/>
+          <a:chExt cx="0" cy="0"/>
+        </a:xfrm>
+      </p:grpSpPr>
+      <p:sp>
+        <p:nvSpPr>
+          <p:cNvPr id="2" name="幻灯片图像占位符 1"/>
+          <p:cNvSpPr>
+            <a:spLocks noGrp="1" noRot="1" noChangeAspect="1"/>
+          </p:cNvSpPr>
+          <p:nvPr>
+            <p:ph type="sldImg"/>
+          </p:nvPr>
+        </p:nvSpPr>
+        <p:spPr/>
+      </p:sp>
+      <p:sp>
+        <p:nvSpPr>
+          <p:cNvPr id="3" name="备注占位符 2"/>
+          <p:cNvSpPr>
+            <a:spLocks noGrp="1"/>
+          </p:cNvSpPr>
+          <p:nvPr>
+            <p:ph type="body" idx="1"/>
+          </p:nvPr>
+        </p:nvSpPr>
+        <p:spPr/>
+        <p:txBody>
+          <a:bodyPr/>
+          <a:lstStyle/>
+          <a:p>
+            <a:endParaRPr lang="zh-CN" altLang="en-US"/>
+          </a:p>
+        </p:txBody>
+      </p:sp>
+      <p:sp>
+        <p:nvSpPr>
+          <p:cNvPr id="4" name="灯片编号占位符 3"/>
+          <p:cNvSpPr>
+            <a:spLocks noGrp="1"/>
+          </p:cNvSpPr>
+          <p:nvPr>
+            <p:ph type="sldNum" sz="quarter" idx="10"/>
+          </p:nvPr>
+        </p:nvSpPr>
+        <p:spPr/>
+        <p:txBody>
+          <a:bodyPr/>
+          <a:lstStyle/>
+          <a:p>
+            <a:fld id="{629A0958-8093-4677-B24F-6148C87027A6}" type="slidenum">
+              <a:rPr lang="zh-CN" altLang="en-US" smtClean="0"/>
+              <a:t>30</a:t>
+            </a:fld>
+            <a:endParaRPr lang="zh-CN" altLang="en-US"/>
+          </a:p>
+        </p:txBody>
+      </p:sp>
+    </p:spTree>
+    <p:extLst>
+      <p:ext uri="{BB962C8B-B14F-4D97-AF65-F5344CB8AC3E}">
+        <p14:creationId xmlns:p14="http://schemas.microsoft.com/office/powerpoint/2010/main" val="2160687782"/>
+      </p:ext>
+    </p:extLst>
+  </p:cSld>
+  <p:clrMapOvr>
+    <a:masterClrMapping/>
+  </p:clrMapOvr>
+</p:notes>
+</file>
+
+<file path=ppt/notesSlides/notesSlide31.xml><?xml version="1.0" encoding="utf-8"?>
 <p:notes xmlns:a="http://schemas.openxmlformats.org/drawingml/2006/main" xmlns:r="http://schemas.openxmlformats.org/officeDocument/2006/relationships" xmlns:p="http://schemas.openxmlformats.org/presentationml/2006/main">
   <p:cSld>
     <p:spTree>
@@ -6538,6 +6623,588 @@
                   <a:ea typeface="標楷體" panose="03000509000000000000" pitchFamily="65" charset="-120"/>
                   <a:sym typeface="Century Gothic" panose="020B0502020202020204" pitchFamily="34" charset="0"/>
                 </a:rPr>
+                <a:t>模組</a:t>
+              </a:r>
+              <a:endParaRPr lang="en-US" altLang="zh-CN" sz="2800" dirty="0">
+                <a:solidFill>
+                  <a:schemeClr val="tx1">
+                    <a:lumMod val="75000"/>
+                    <a:lumOff val="25000"/>
+                  </a:schemeClr>
+                </a:solidFill>
+                <a:latin typeface="標楷體" panose="03000509000000000000" pitchFamily="65" charset="-120"/>
+                <a:ea typeface="標楷體" panose="03000509000000000000" pitchFamily="65" charset="-120"/>
+                <a:sym typeface="Century Gothic" panose="020B0502020202020204" pitchFamily="34" charset="0"/>
+              </a:endParaRPr>
+            </a:p>
+          </p:txBody>
+        </p:sp>
+      </p:grpSp>
+      <p:pic>
+        <p:nvPicPr>
+          <p:cNvPr id="17" name="图片 16">
+            <a:extLst>
+              <a:ext uri="{FF2B5EF4-FFF2-40B4-BE49-F238E27FC236}">
+                <a16:creationId xmlns:a16="http://schemas.microsoft.com/office/drawing/2014/main" id="{0DD44254-3930-4384-9D24-35A83F1976F3}"/>
+              </a:ext>
+            </a:extLst>
+          </p:cNvPr>
+          <p:cNvPicPr>
+            <a:picLocks noChangeAspect="1"/>
+          </p:cNvPicPr>
+          <p:nvPr/>
+        </p:nvPicPr>
+        <p:blipFill>
+          <a:blip r:embed="rId4" cstate="print">
+            <a:extLst>
+              <a:ext uri="{28A0092B-C50C-407E-A947-70E740481C1C}">
+                <a14:useLocalDpi xmlns:a14="http://schemas.microsoft.com/office/drawing/2010/main" val="0"/>
+              </a:ext>
+            </a:extLst>
+          </a:blip>
+          <a:stretch>
+            <a:fillRect/>
+          </a:stretch>
+        </p:blipFill>
+        <p:spPr>
+          <a:xfrm rot="5400000" flipV="1">
+            <a:off x="464938" y="603791"/>
+            <a:ext cx="1302701" cy="584930"/>
+          </a:xfrm>
+          <a:prstGeom prst="rect">
+            <a:avLst/>
+          </a:prstGeom>
+        </p:spPr>
+      </p:pic>
+      <p:sp>
+        <p:nvSpPr>
+          <p:cNvPr id="5" name="文字方塊 4">
+            <a:extLst>
+              <a:ext uri="{FF2B5EF4-FFF2-40B4-BE49-F238E27FC236}">
+                <a16:creationId xmlns:a16="http://schemas.microsoft.com/office/drawing/2014/main" id="{75C016B7-232F-A24A-B3FD-5CEAB6AB9C7F}"/>
+              </a:ext>
+            </a:extLst>
+          </p:cNvPr>
+          <p:cNvSpPr txBox="1"/>
+          <p:nvPr/>
+        </p:nvSpPr>
+        <p:spPr>
+          <a:xfrm>
+            <a:off x="823823" y="1547607"/>
+            <a:ext cx="10699423" cy="4420890"/>
+          </a:xfrm>
+          <a:prstGeom prst="rect">
+            <a:avLst/>
+          </a:prstGeom>
+          <a:noFill/>
+        </p:spPr>
+        <p:txBody>
+          <a:bodyPr wrap="square" rtlCol="0">
+            <a:spAutoFit/>
+          </a:bodyPr>
+          <a:lstStyle/>
+          <a:p>
+            <a:pPr marL="342900" indent="-342900">
+              <a:lnSpc>
+                <a:spcPct val="200000"/>
+              </a:lnSpc>
+              <a:buFont typeface="Arial" panose="020B0604020202020204" pitchFamily="34" charset="0"/>
+              <a:buChar char="•"/>
+            </a:pPr>
+            <a:r>
+              <a:rPr kumimoji="1" lang="en-US" altLang="zh-TW" sz="2400" dirty="0" err="1">
+                <a:ea typeface="HanziPen SC" panose="03000300000000000000" pitchFamily="66" charset="-122"/>
+              </a:rPr>
+              <a:t>LineBot</a:t>
+            </a:r>
+            <a:r>
+              <a:rPr kumimoji="1" lang="en-US" altLang="zh-TW" sz="2400" dirty="0">
+                <a:ea typeface="HanziPen SC" panose="03000300000000000000" pitchFamily="66" charset="-122"/>
+              </a:rPr>
+              <a:t> Server : </a:t>
+            </a:r>
+            <a:r>
+              <a:rPr kumimoji="1" lang="zh-TW" altLang="en-US" sz="2400" dirty="0">
+                <a:latin typeface="標楷體" panose="03000509000000000000" pitchFamily="65" charset="-120"/>
+                <a:ea typeface="標楷體" panose="03000509000000000000" pitchFamily="65" charset="-120"/>
+              </a:rPr>
+              <a:t>屬於</a:t>
+            </a:r>
+            <a:r>
+              <a:rPr kumimoji="1" lang="en-US" altLang="zh-TW" sz="2400" dirty="0" err="1">
+                <a:ea typeface="HanziPen SC" panose="03000300000000000000" pitchFamily="66" charset="-122"/>
+              </a:rPr>
+              <a:t>BackEnd</a:t>
+            </a:r>
+            <a:r>
+              <a:rPr kumimoji="1" lang="zh-TW" altLang="en-US" sz="2400" dirty="0">
+                <a:ea typeface="標楷體" panose="03000509000000000000" pitchFamily="65" charset="-120"/>
+              </a:rPr>
+              <a:t>架構，為整個系統的核心，連接著所有其他功能。</a:t>
+            </a:r>
+            <a:endParaRPr kumimoji="1" lang="en-US" altLang="zh-TW" sz="2400" dirty="0">
+              <a:ea typeface="HanziPen SC" panose="03000300000000000000" pitchFamily="66" charset="-122"/>
+            </a:endParaRPr>
+          </a:p>
+          <a:p>
+            <a:pPr marL="342900" indent="-342900">
+              <a:lnSpc>
+                <a:spcPct val="200000"/>
+              </a:lnSpc>
+              <a:buFont typeface="Arial" panose="020B0604020202020204" pitchFamily="34" charset="0"/>
+              <a:buChar char="•"/>
+            </a:pPr>
+            <a:r>
+              <a:rPr kumimoji="1" lang="en-US" altLang="zh-TW" sz="2400" dirty="0">
+                <a:ea typeface="HanziPen SC" panose="03000300000000000000" pitchFamily="66" charset="-122"/>
+              </a:rPr>
+              <a:t>Heroku : </a:t>
+            </a:r>
+            <a:r>
+              <a:rPr kumimoji="1" lang="en-US" altLang="zh-TW" sz="2400" dirty="0" err="1">
+                <a:ea typeface="HanziPen SC" panose="03000300000000000000" pitchFamily="66" charset="-122"/>
+              </a:rPr>
+              <a:t>Paas</a:t>
+            </a:r>
+            <a:r>
+              <a:rPr kumimoji="1" lang="zh-TW" altLang="en-US" sz="2400" dirty="0">
+                <a:ea typeface="標楷體" panose="03000509000000000000" pitchFamily="65" charset="-120"/>
+              </a:rPr>
+              <a:t>平台，用於放置且運作</a:t>
+            </a:r>
+            <a:r>
+              <a:rPr kumimoji="1" lang="en-US" altLang="zh-TW" sz="2400" dirty="0" err="1">
+                <a:ea typeface="HanziPen SC" panose="03000300000000000000" pitchFamily="66" charset="-122"/>
+              </a:rPr>
+              <a:t>LineBot</a:t>
+            </a:r>
+            <a:r>
+              <a:rPr kumimoji="1" lang="en-US" altLang="zh-TW" sz="2400" dirty="0">
+                <a:ea typeface="HanziPen SC" panose="03000300000000000000" pitchFamily="66" charset="-122"/>
+              </a:rPr>
+              <a:t> Server </a:t>
+            </a:r>
+            <a:r>
+              <a:rPr kumimoji="1" lang="zh-TW" altLang="en-US" sz="2400" dirty="0">
+                <a:ea typeface="標楷體" panose="03000509000000000000" pitchFamily="65" charset="-120"/>
+              </a:rPr>
+              <a:t>。</a:t>
+            </a:r>
+            <a:endParaRPr kumimoji="1" lang="en-US" altLang="zh-TW" sz="2400" dirty="0">
+              <a:ea typeface="HanziPen SC" panose="03000300000000000000" pitchFamily="66" charset="-122"/>
+            </a:endParaRPr>
+          </a:p>
+          <a:p>
+            <a:pPr marL="342900" indent="-342900">
+              <a:lnSpc>
+                <a:spcPct val="200000"/>
+              </a:lnSpc>
+              <a:buFont typeface="Arial" panose="020B0604020202020204" pitchFamily="34" charset="0"/>
+              <a:buChar char="•"/>
+            </a:pPr>
+            <a:r>
+              <a:rPr kumimoji="1" lang="en-US" altLang="zh-TW" sz="2400" dirty="0">
+                <a:ea typeface="HanziPen SC" panose="03000300000000000000" pitchFamily="66" charset="-122"/>
+              </a:rPr>
+              <a:t>Python : </a:t>
+            </a:r>
+            <a:r>
+              <a:rPr kumimoji="1" lang="zh-TW" altLang="en-US" sz="2400" dirty="0">
+                <a:ea typeface="標楷體" panose="03000509000000000000" pitchFamily="65" charset="-120"/>
+              </a:rPr>
+              <a:t>實作</a:t>
+            </a:r>
+            <a:r>
+              <a:rPr kumimoji="1" lang="en-US" altLang="zh-TW" sz="2400" dirty="0" err="1">
+                <a:ea typeface="HanziPen SC" panose="03000300000000000000" pitchFamily="66" charset="-122"/>
+              </a:rPr>
+              <a:t>LineBot</a:t>
+            </a:r>
+            <a:r>
+              <a:rPr kumimoji="1" lang="en-US" altLang="zh-TW" sz="2400" dirty="0">
+                <a:ea typeface="HanziPen SC" panose="03000300000000000000" pitchFamily="66" charset="-122"/>
+              </a:rPr>
+              <a:t> Server </a:t>
+            </a:r>
+            <a:r>
+              <a:rPr kumimoji="1" lang="zh-TW" altLang="en-US" sz="2400" dirty="0">
+                <a:ea typeface="標楷體" panose="03000509000000000000" pitchFamily="65" charset="-120"/>
+              </a:rPr>
+              <a:t>且另外實作許多</a:t>
+            </a:r>
+            <a:r>
+              <a:rPr kumimoji="1" lang="en-US" altLang="zh-TW" sz="2400" dirty="0">
+                <a:ea typeface="HanziPen SC" panose="03000300000000000000" pitchFamily="66" charset="-122"/>
+              </a:rPr>
+              <a:t>Function</a:t>
+            </a:r>
+            <a:r>
+              <a:rPr kumimoji="1" lang="zh-TW" altLang="en-US" sz="2400" dirty="0">
+                <a:ea typeface="標楷體" panose="03000509000000000000" pitchFamily="65" charset="-120"/>
+              </a:rPr>
+              <a:t>，串連其它工具。</a:t>
+            </a:r>
+            <a:endParaRPr kumimoji="1" lang="en-US" altLang="zh-TW" sz="2400" dirty="0">
+              <a:ea typeface="HanziPen SC" panose="03000300000000000000" pitchFamily="66" charset="-122"/>
+            </a:endParaRPr>
+          </a:p>
+          <a:p>
+            <a:pPr marL="342900" indent="-342900">
+              <a:lnSpc>
+                <a:spcPct val="200000"/>
+              </a:lnSpc>
+              <a:buFont typeface="Arial" panose="020B0604020202020204" pitchFamily="34" charset="0"/>
+              <a:buChar char="•"/>
+            </a:pPr>
+            <a:r>
+              <a:rPr kumimoji="1" lang="en-US" altLang="zh-TW" sz="2400" dirty="0" err="1">
+                <a:ea typeface="HanziPen SC" panose="03000300000000000000" pitchFamily="66" charset="-122"/>
+              </a:rPr>
+              <a:t>DialogFlow</a:t>
+            </a:r>
+            <a:r>
+              <a:rPr kumimoji="1" lang="en-US" altLang="zh-TW" sz="2400" dirty="0">
+                <a:ea typeface="HanziPen SC" panose="03000300000000000000" pitchFamily="66" charset="-122"/>
+              </a:rPr>
+              <a:t> : </a:t>
+            </a:r>
+            <a:r>
+              <a:rPr kumimoji="1" lang="zh-TW" altLang="en-US" sz="2400" dirty="0">
+                <a:ea typeface="標楷體" panose="03000509000000000000" pitchFamily="65" charset="-120"/>
+              </a:rPr>
+              <a:t>語意分析工具，分析使用者輸入，取得其意圖。</a:t>
+            </a:r>
+            <a:endParaRPr kumimoji="1" lang="en-US" altLang="zh-TW" sz="2400" dirty="0">
+              <a:ea typeface="HanziPen SC" panose="03000300000000000000" pitchFamily="66" charset="-122"/>
+            </a:endParaRPr>
+          </a:p>
+          <a:p>
+            <a:pPr marL="342900" indent="-342900">
+              <a:lnSpc>
+                <a:spcPct val="200000"/>
+              </a:lnSpc>
+              <a:buFont typeface="Arial" panose="020B0604020202020204" pitchFamily="34" charset="0"/>
+              <a:buChar char="•"/>
+            </a:pPr>
+            <a:r>
+              <a:rPr kumimoji="1" lang="en-US" altLang="zh-TW" sz="2400" dirty="0">
+                <a:ea typeface="HanziPen SC" panose="03000300000000000000" pitchFamily="66" charset="-122"/>
+              </a:rPr>
+              <a:t>MongoDB : </a:t>
+            </a:r>
+            <a:r>
+              <a:rPr kumimoji="1" lang="zh-TW" altLang="en-US" sz="2400" dirty="0">
+                <a:ea typeface="標楷體" panose="03000509000000000000" pitchFamily="65" charset="-120"/>
+              </a:rPr>
+              <a:t>資料庫系統，儲存爬蟲資料、使用者相關資訊。</a:t>
+            </a:r>
+            <a:endParaRPr kumimoji="1" lang="en-US" altLang="zh-TW" sz="2400" dirty="0">
+              <a:ea typeface="HanziPen SC" panose="03000300000000000000" pitchFamily="66" charset="-122"/>
+            </a:endParaRPr>
+          </a:p>
+          <a:p>
+            <a:pPr marL="342900" indent="-342900">
+              <a:lnSpc>
+                <a:spcPct val="200000"/>
+              </a:lnSpc>
+              <a:buFont typeface="Arial" panose="020B0604020202020204" pitchFamily="34" charset="0"/>
+              <a:buChar char="•"/>
+            </a:pPr>
+            <a:endParaRPr kumimoji="1" lang="en-US" altLang="zh-TW" sz="2400" dirty="0">
+              <a:ea typeface="HanziPen SC" panose="03000300000000000000" pitchFamily="66" charset="-122"/>
+            </a:endParaRPr>
+          </a:p>
+        </p:txBody>
+      </p:sp>
+    </p:spTree>
+    <p:extLst>
+      <p:ext uri="{BB962C8B-B14F-4D97-AF65-F5344CB8AC3E}">
+        <p14:creationId xmlns:p14="http://schemas.microsoft.com/office/powerpoint/2010/main" val="2240684369"/>
+      </p:ext>
+    </p:extLst>
+  </p:cSld>
+  <p:clrMapOvr>
+    <a:masterClrMapping/>
+  </p:clrMapOvr>
+  <p:transition spd="slow">
+    <p:randomBar dir="vert"/>
+  </p:transition>
+</p:sld>
+</file>
+
+<file path=ppt/slides/slide11.xml><?xml version="1.0" encoding="utf-8"?>
+<p:sld xmlns:a="http://schemas.openxmlformats.org/drawingml/2006/main" xmlns:r="http://schemas.openxmlformats.org/officeDocument/2006/relationships" xmlns:p="http://schemas.openxmlformats.org/presentationml/2006/main">
+  <p:cSld>
+    <p:spTree>
+      <p:nvGrpSpPr>
+        <p:cNvPr id="1" name=""/>
+        <p:cNvGrpSpPr/>
+        <p:nvPr/>
+      </p:nvGrpSpPr>
+      <p:grpSpPr>
+        <a:xfrm>
+          <a:off x="0" y="0"/>
+          <a:ext cx="0" cy="0"/>
+          <a:chOff x="0" y="0"/>
+          <a:chExt cx="0" cy="0"/>
+        </a:xfrm>
+      </p:grpSpPr>
+      <p:pic>
+        <p:nvPicPr>
+          <p:cNvPr id="11" name="图片 10">
+            <a:extLst>
+              <a:ext uri="{FF2B5EF4-FFF2-40B4-BE49-F238E27FC236}">
+                <a16:creationId xmlns:a16="http://schemas.microsoft.com/office/drawing/2014/main" id="{A9ED0A36-CC45-404A-8664-F44EF6A0B57C}"/>
+              </a:ext>
+            </a:extLst>
+          </p:cNvPr>
+          <p:cNvPicPr>
+            <a:picLocks noChangeAspect="1"/>
+          </p:cNvPicPr>
+          <p:nvPr/>
+        </p:nvPicPr>
+        <p:blipFill rotWithShape="1">
+          <a:blip r:embed="rId3" cstate="print">
+            <a:extLst>
+              <a:ext uri="{28A0092B-C50C-407E-A947-70E740481C1C}">
+                <a14:useLocalDpi xmlns:a14="http://schemas.microsoft.com/office/drawing/2010/main" val="0"/>
+              </a:ext>
+            </a:extLst>
+          </a:blip>
+          <a:srcRect t="1" b="43481"/>
+          <a:stretch/>
+        </p:blipFill>
+        <p:spPr>
+          <a:xfrm>
+            <a:off x="0" y="4806411"/>
+            <a:ext cx="12192000" cy="2058840"/>
+          </a:xfrm>
+          <a:prstGeom prst="rect">
+            <a:avLst/>
+          </a:prstGeom>
+        </p:spPr>
+      </p:pic>
+      <p:grpSp>
+        <p:nvGrpSpPr>
+          <p:cNvPr id="10" name="组合 9"/>
+          <p:cNvGrpSpPr/>
+          <p:nvPr/>
+        </p:nvGrpSpPr>
+        <p:grpSpPr>
+          <a:xfrm>
+            <a:off x="1720715" y="756795"/>
+            <a:ext cx="1576663" cy="523220"/>
+            <a:chOff x="-1463588" y="764290"/>
+            <a:chExt cx="2724148" cy="523220"/>
+          </a:xfrm>
+        </p:grpSpPr>
+        <p:cxnSp>
+          <p:nvCxnSpPr>
+            <p:cNvPr id="12" name="直接连接符 11"/>
+            <p:cNvCxnSpPr>
+              <a:cxnSpLocks/>
+            </p:cNvCxnSpPr>
+            <p:nvPr/>
+          </p:nvCxnSpPr>
+          <p:spPr>
+            <a:xfrm>
+              <a:off x="-815543" y="1176409"/>
+              <a:ext cx="1428061" cy="0"/>
+            </a:xfrm>
+            <a:prstGeom prst="line">
+              <a:avLst/>
+            </a:prstGeom>
+            <a:ln w="127000">
+              <a:solidFill>
+                <a:srgbClr val="C2D2B5"/>
+              </a:solidFill>
+            </a:ln>
+          </p:spPr>
+          <p:style>
+            <a:lnRef idx="1">
+              <a:schemeClr val="accent1"/>
+            </a:lnRef>
+            <a:fillRef idx="0">
+              <a:schemeClr val="accent1"/>
+            </a:fillRef>
+            <a:effectRef idx="0">
+              <a:schemeClr val="accent1"/>
+            </a:effectRef>
+            <a:fontRef idx="minor">
+              <a:schemeClr val="tx1"/>
+            </a:fontRef>
+          </p:style>
+        </p:cxnSp>
+        <p:sp>
+          <p:nvSpPr>
+            <p:cNvPr id="16" name="Text Box 39"/>
+            <p:cNvSpPr txBox="1">
+              <a:spLocks noChangeArrowheads="1"/>
+            </p:cNvSpPr>
+            <p:nvPr/>
+          </p:nvSpPr>
+          <p:spPr bwMode="auto">
+            <a:xfrm>
+              <a:off x="-1463588" y="764290"/>
+              <a:ext cx="2724148" cy="523220"/>
+            </a:xfrm>
+            <a:prstGeom prst="rect">
+              <a:avLst/>
+            </a:prstGeom>
+            <a:noFill/>
+            <a:ln>
+              <a:noFill/>
+            </a:ln>
+            <a:extLst>
+              <a:ext uri="{909E8E84-426E-40DD-AFC4-6F175D3DCCD1}">
+                <a14:hiddenFill xmlns:a14="http://schemas.microsoft.com/office/drawing/2010/main">
+                  <a:solidFill>
+                    <a:srgbClr val="FFFFFF"/>
+                  </a:solidFill>
+                </a14:hiddenFill>
+              </a:ext>
+              <a:ext uri="{91240B29-F687-4F45-9708-019B960494DF}">
+                <a14:hiddenLine xmlns:a14="http://schemas.microsoft.com/office/drawing/2010/main" w="9525">
+                  <a:solidFill>
+                    <a:srgbClr val="000000"/>
+                  </a:solidFill>
+                  <a:miter lim="800000"/>
+                  <a:headEnd/>
+                  <a:tailEnd/>
+                </a14:hiddenLine>
+              </a:ext>
+            </a:extLst>
+          </p:spPr>
+          <p:txBody>
+            <a:bodyPr wrap="square">
+              <a:spAutoFit/>
+            </a:bodyPr>
+            <a:lstStyle>
+              <a:lvl1pPr>
+                <a:defRPr>
+                  <a:solidFill>
+                    <a:schemeClr val="tx1"/>
+                  </a:solidFill>
+                  <a:latin typeface="Arial" panose="020B0604020202020204" pitchFamily="34" charset="0"/>
+                  <a:ea typeface="宋体" panose="02010600030101010101" pitchFamily="2" charset="-122"/>
+                </a:defRPr>
+              </a:lvl1pPr>
+              <a:lvl2pPr marL="742950" indent="-285750">
+                <a:defRPr>
+                  <a:solidFill>
+                    <a:schemeClr val="tx1"/>
+                  </a:solidFill>
+                  <a:latin typeface="Arial" panose="020B0604020202020204" pitchFamily="34" charset="0"/>
+                  <a:ea typeface="宋体" panose="02010600030101010101" pitchFamily="2" charset="-122"/>
+                </a:defRPr>
+              </a:lvl2pPr>
+              <a:lvl3pPr marL="1143000" indent="-228600">
+                <a:defRPr>
+                  <a:solidFill>
+                    <a:schemeClr val="tx1"/>
+                  </a:solidFill>
+                  <a:latin typeface="Arial" panose="020B0604020202020204" pitchFamily="34" charset="0"/>
+                  <a:ea typeface="宋体" panose="02010600030101010101" pitchFamily="2" charset="-122"/>
+                </a:defRPr>
+              </a:lvl3pPr>
+              <a:lvl4pPr marL="1600200" indent="-228600">
+                <a:defRPr>
+                  <a:solidFill>
+                    <a:schemeClr val="tx1"/>
+                  </a:solidFill>
+                  <a:latin typeface="Arial" panose="020B0604020202020204" pitchFamily="34" charset="0"/>
+                  <a:ea typeface="宋体" panose="02010600030101010101" pitchFamily="2" charset="-122"/>
+                </a:defRPr>
+              </a:lvl4pPr>
+              <a:lvl5pPr marL="2057400" indent="-228600">
+                <a:defRPr>
+                  <a:solidFill>
+                    <a:schemeClr val="tx1"/>
+                  </a:solidFill>
+                  <a:latin typeface="Arial" panose="020B0604020202020204" pitchFamily="34" charset="0"/>
+                  <a:ea typeface="宋体" panose="02010600030101010101" pitchFamily="2" charset="-122"/>
+                </a:defRPr>
+              </a:lvl5pPr>
+              <a:lvl6pPr marL="2514600" indent="-228600" fontAlgn="base">
+                <a:spcBef>
+                  <a:spcPct val="0"/>
+                </a:spcBef>
+                <a:spcAft>
+                  <a:spcPct val="0"/>
+                </a:spcAft>
+                <a:defRPr>
+                  <a:solidFill>
+                    <a:schemeClr val="tx1"/>
+                  </a:solidFill>
+                  <a:latin typeface="Arial" panose="020B0604020202020204" pitchFamily="34" charset="0"/>
+                  <a:ea typeface="宋体" panose="02010600030101010101" pitchFamily="2" charset="-122"/>
+                </a:defRPr>
+              </a:lvl6pPr>
+              <a:lvl7pPr marL="2971800" indent="-228600" fontAlgn="base">
+                <a:spcBef>
+                  <a:spcPct val="0"/>
+                </a:spcBef>
+                <a:spcAft>
+                  <a:spcPct val="0"/>
+                </a:spcAft>
+                <a:defRPr>
+                  <a:solidFill>
+                    <a:schemeClr val="tx1"/>
+                  </a:solidFill>
+                  <a:latin typeface="Arial" panose="020B0604020202020204" pitchFamily="34" charset="0"/>
+                  <a:ea typeface="宋体" panose="02010600030101010101" pitchFamily="2" charset="-122"/>
+                </a:defRPr>
+              </a:lvl7pPr>
+              <a:lvl8pPr marL="3429000" indent="-228600" fontAlgn="base">
+                <a:spcBef>
+                  <a:spcPct val="0"/>
+                </a:spcBef>
+                <a:spcAft>
+                  <a:spcPct val="0"/>
+                </a:spcAft>
+                <a:defRPr>
+                  <a:solidFill>
+                    <a:schemeClr val="tx1"/>
+                  </a:solidFill>
+                  <a:latin typeface="Arial" panose="020B0604020202020204" pitchFamily="34" charset="0"/>
+                  <a:ea typeface="宋体" panose="02010600030101010101" pitchFamily="2" charset="-122"/>
+                </a:defRPr>
+              </a:lvl8pPr>
+              <a:lvl9pPr marL="3886200" indent="-228600" fontAlgn="base">
+                <a:spcBef>
+                  <a:spcPct val="0"/>
+                </a:spcBef>
+                <a:spcAft>
+                  <a:spcPct val="0"/>
+                </a:spcAft>
+                <a:defRPr>
+                  <a:solidFill>
+                    <a:schemeClr val="tx1"/>
+                  </a:solidFill>
+                  <a:latin typeface="Arial" panose="020B0604020202020204" pitchFamily="34" charset="0"/>
+                  <a:ea typeface="宋体" panose="02010600030101010101" pitchFamily="2" charset="-122"/>
+                </a:defRPr>
+              </a:lvl9pPr>
+            </a:lstStyle>
+            <a:p>
+              <a:pPr algn="ctr">
+                <a:spcBef>
+                  <a:spcPct val="0"/>
+                </a:spcBef>
+                <a:defRPr/>
+              </a:pPr>
+              <a:r>
+                <a:rPr lang="zh-CN" altLang="en-US" sz="2800" dirty="0">
+                  <a:solidFill>
+                    <a:schemeClr val="tx1">
+                      <a:lumMod val="75000"/>
+                      <a:lumOff val="25000"/>
+                    </a:schemeClr>
+                  </a:solidFill>
+                  <a:latin typeface="標楷體" panose="03000509000000000000" pitchFamily="65" charset="-120"/>
+                  <a:ea typeface="標楷體" panose="03000509000000000000" pitchFamily="65" charset="-120"/>
+                  <a:sym typeface="Century Gothic" panose="020B0502020202020204" pitchFamily="34" charset="0"/>
+                </a:rPr>
                 <a:t>工具</a:t>
               </a:r>
               <a:endParaRPr lang="en-US" altLang="zh-CN" sz="2800" dirty="0">
@@ -7049,7 +7716,7 @@
 </p:sld>
 </file>
 
-<file path=ppt/slides/slide11.xml><?xml version="1.0" encoding="utf-8"?>
+<file path=ppt/slides/slide12.xml><?xml version="1.0" encoding="utf-8"?>
 <p:sld xmlns:a="http://schemas.openxmlformats.org/drawingml/2006/main" xmlns:r="http://schemas.openxmlformats.org/officeDocument/2006/relationships" xmlns:p="http://schemas.openxmlformats.org/presentationml/2006/main">
   <p:cSld>
     <p:spTree>
@@ -7718,388 +8385,6 @@
     <p:extLst>
       <p:ext uri="{BB962C8B-B14F-4D97-AF65-F5344CB8AC3E}">
         <p14:creationId xmlns:p14="http://schemas.microsoft.com/office/powerpoint/2010/main" val="1169573037"/>
-      </p:ext>
-    </p:extLst>
-  </p:cSld>
-  <p:clrMapOvr>
-    <a:masterClrMapping/>
-  </p:clrMapOvr>
-  <p:transition spd="slow">
-    <p:randomBar dir="vert"/>
-  </p:transition>
-</p:sld>
-</file>
-
-<file path=ppt/slides/slide12.xml><?xml version="1.0" encoding="utf-8"?>
-<p:sld xmlns:a="http://schemas.openxmlformats.org/drawingml/2006/main" xmlns:r="http://schemas.openxmlformats.org/officeDocument/2006/relationships" xmlns:p="http://schemas.openxmlformats.org/presentationml/2006/main">
-  <p:cSld>
-    <p:spTree>
-      <p:nvGrpSpPr>
-        <p:cNvPr id="1" name=""/>
-        <p:cNvGrpSpPr/>
-        <p:nvPr/>
-      </p:nvGrpSpPr>
-      <p:grpSpPr>
-        <a:xfrm>
-          <a:off x="0" y="0"/>
-          <a:ext cx="0" cy="0"/>
-          <a:chOff x="0" y="0"/>
-          <a:chExt cx="0" cy="0"/>
-        </a:xfrm>
-      </p:grpSpPr>
-      <p:pic>
-        <p:nvPicPr>
-          <p:cNvPr id="11" name="图片 10">
-            <a:extLst>
-              <a:ext uri="{FF2B5EF4-FFF2-40B4-BE49-F238E27FC236}">
-                <a16:creationId xmlns:a16="http://schemas.microsoft.com/office/drawing/2014/main" id="{A9ED0A36-CC45-404A-8664-F44EF6A0B57C}"/>
-              </a:ext>
-            </a:extLst>
-          </p:cNvPr>
-          <p:cNvPicPr>
-            <a:picLocks noChangeAspect="1"/>
-          </p:cNvPicPr>
-          <p:nvPr/>
-        </p:nvPicPr>
-        <p:blipFill rotWithShape="1">
-          <a:blip r:embed="rId3" cstate="print">
-            <a:extLst>
-              <a:ext uri="{28A0092B-C50C-407E-A947-70E740481C1C}">
-                <a14:useLocalDpi xmlns:a14="http://schemas.microsoft.com/office/drawing/2010/main" val="0"/>
-              </a:ext>
-            </a:extLst>
-          </a:blip>
-          <a:srcRect t="1" b="43481"/>
-          <a:stretch/>
-        </p:blipFill>
-        <p:spPr>
-          <a:xfrm>
-            <a:off x="0" y="4806411"/>
-            <a:ext cx="12192000" cy="2058840"/>
-          </a:xfrm>
-          <a:prstGeom prst="rect">
-            <a:avLst/>
-          </a:prstGeom>
-        </p:spPr>
-      </p:pic>
-      <p:grpSp>
-        <p:nvGrpSpPr>
-          <p:cNvPr id="10" name="组合 9"/>
-          <p:cNvGrpSpPr/>
-          <p:nvPr/>
-        </p:nvGrpSpPr>
-        <p:grpSpPr>
-          <a:xfrm>
-            <a:off x="1720715" y="756795"/>
-            <a:ext cx="1576663" cy="523220"/>
-            <a:chOff x="-1463588" y="764290"/>
-            <a:chExt cx="2724148" cy="523220"/>
-          </a:xfrm>
-        </p:grpSpPr>
-        <p:cxnSp>
-          <p:nvCxnSpPr>
-            <p:cNvPr id="12" name="直接连接符 11"/>
-            <p:cNvCxnSpPr>
-              <a:cxnSpLocks/>
-            </p:cNvCxnSpPr>
-            <p:nvPr/>
-          </p:nvCxnSpPr>
-          <p:spPr>
-            <a:xfrm>
-              <a:off x="-815543" y="1176409"/>
-              <a:ext cx="1428061" cy="0"/>
-            </a:xfrm>
-            <a:prstGeom prst="line">
-              <a:avLst/>
-            </a:prstGeom>
-            <a:ln w="127000">
-              <a:solidFill>
-                <a:srgbClr val="C2D2B5"/>
-              </a:solidFill>
-            </a:ln>
-          </p:spPr>
-          <p:style>
-            <a:lnRef idx="1">
-              <a:schemeClr val="accent1"/>
-            </a:lnRef>
-            <a:fillRef idx="0">
-              <a:schemeClr val="accent1"/>
-            </a:fillRef>
-            <a:effectRef idx="0">
-              <a:schemeClr val="accent1"/>
-            </a:effectRef>
-            <a:fontRef idx="minor">
-              <a:schemeClr val="tx1"/>
-            </a:fontRef>
-          </p:style>
-        </p:cxnSp>
-        <p:sp>
-          <p:nvSpPr>
-            <p:cNvPr id="16" name="Text Box 39"/>
-            <p:cNvSpPr txBox="1">
-              <a:spLocks noChangeArrowheads="1"/>
-            </p:cNvSpPr>
-            <p:nvPr/>
-          </p:nvSpPr>
-          <p:spPr bwMode="auto">
-            <a:xfrm>
-              <a:off x="-1463588" y="764290"/>
-              <a:ext cx="2724148" cy="523220"/>
-            </a:xfrm>
-            <a:prstGeom prst="rect">
-              <a:avLst/>
-            </a:prstGeom>
-            <a:noFill/>
-            <a:ln>
-              <a:noFill/>
-            </a:ln>
-            <a:extLst>
-              <a:ext uri="{909E8E84-426E-40DD-AFC4-6F175D3DCCD1}">
-                <a14:hiddenFill xmlns:a14="http://schemas.microsoft.com/office/drawing/2010/main">
-                  <a:solidFill>
-                    <a:srgbClr val="FFFFFF"/>
-                  </a:solidFill>
-                </a14:hiddenFill>
-              </a:ext>
-              <a:ext uri="{91240B29-F687-4F45-9708-019B960494DF}">
-                <a14:hiddenLine xmlns:a14="http://schemas.microsoft.com/office/drawing/2010/main" w="9525">
-                  <a:solidFill>
-                    <a:srgbClr val="000000"/>
-                  </a:solidFill>
-                  <a:miter lim="800000"/>
-                  <a:headEnd/>
-                  <a:tailEnd/>
-                </a14:hiddenLine>
-              </a:ext>
-            </a:extLst>
-          </p:spPr>
-          <p:txBody>
-            <a:bodyPr wrap="square">
-              <a:spAutoFit/>
-            </a:bodyPr>
-            <a:lstStyle>
-              <a:lvl1pPr>
-                <a:defRPr>
-                  <a:solidFill>
-                    <a:schemeClr val="tx1"/>
-                  </a:solidFill>
-                  <a:latin typeface="Arial" panose="020B0604020202020204" pitchFamily="34" charset="0"/>
-                  <a:ea typeface="宋体" panose="02010600030101010101" pitchFamily="2" charset="-122"/>
-                </a:defRPr>
-              </a:lvl1pPr>
-              <a:lvl2pPr marL="742950" indent="-285750">
-                <a:defRPr>
-                  <a:solidFill>
-                    <a:schemeClr val="tx1"/>
-                  </a:solidFill>
-                  <a:latin typeface="Arial" panose="020B0604020202020204" pitchFamily="34" charset="0"/>
-                  <a:ea typeface="宋体" panose="02010600030101010101" pitchFamily="2" charset="-122"/>
-                </a:defRPr>
-              </a:lvl2pPr>
-              <a:lvl3pPr marL="1143000" indent="-228600">
-                <a:defRPr>
-                  <a:solidFill>
-                    <a:schemeClr val="tx1"/>
-                  </a:solidFill>
-                  <a:latin typeface="Arial" panose="020B0604020202020204" pitchFamily="34" charset="0"/>
-                  <a:ea typeface="宋体" panose="02010600030101010101" pitchFamily="2" charset="-122"/>
-                </a:defRPr>
-              </a:lvl3pPr>
-              <a:lvl4pPr marL="1600200" indent="-228600">
-                <a:defRPr>
-                  <a:solidFill>
-                    <a:schemeClr val="tx1"/>
-                  </a:solidFill>
-                  <a:latin typeface="Arial" panose="020B0604020202020204" pitchFamily="34" charset="0"/>
-                  <a:ea typeface="宋体" panose="02010600030101010101" pitchFamily="2" charset="-122"/>
-                </a:defRPr>
-              </a:lvl4pPr>
-              <a:lvl5pPr marL="2057400" indent="-228600">
-                <a:defRPr>
-                  <a:solidFill>
-                    <a:schemeClr val="tx1"/>
-                  </a:solidFill>
-                  <a:latin typeface="Arial" panose="020B0604020202020204" pitchFamily="34" charset="0"/>
-                  <a:ea typeface="宋体" panose="02010600030101010101" pitchFamily="2" charset="-122"/>
-                </a:defRPr>
-              </a:lvl5pPr>
-              <a:lvl6pPr marL="2514600" indent="-228600" fontAlgn="base">
-                <a:spcBef>
-                  <a:spcPct val="0"/>
-                </a:spcBef>
-                <a:spcAft>
-                  <a:spcPct val="0"/>
-                </a:spcAft>
-                <a:defRPr>
-                  <a:solidFill>
-                    <a:schemeClr val="tx1"/>
-                  </a:solidFill>
-                  <a:latin typeface="Arial" panose="020B0604020202020204" pitchFamily="34" charset="0"/>
-                  <a:ea typeface="宋体" panose="02010600030101010101" pitchFamily="2" charset="-122"/>
-                </a:defRPr>
-              </a:lvl6pPr>
-              <a:lvl7pPr marL="2971800" indent="-228600" fontAlgn="base">
-                <a:spcBef>
-                  <a:spcPct val="0"/>
-                </a:spcBef>
-                <a:spcAft>
-                  <a:spcPct val="0"/>
-                </a:spcAft>
-                <a:defRPr>
-                  <a:solidFill>
-                    <a:schemeClr val="tx1"/>
-                  </a:solidFill>
-                  <a:latin typeface="Arial" panose="020B0604020202020204" pitchFamily="34" charset="0"/>
-                  <a:ea typeface="宋体" panose="02010600030101010101" pitchFamily="2" charset="-122"/>
-                </a:defRPr>
-              </a:lvl7pPr>
-              <a:lvl8pPr marL="3429000" indent="-228600" fontAlgn="base">
-                <a:spcBef>
-                  <a:spcPct val="0"/>
-                </a:spcBef>
-                <a:spcAft>
-                  <a:spcPct val="0"/>
-                </a:spcAft>
-                <a:defRPr>
-                  <a:solidFill>
-                    <a:schemeClr val="tx1"/>
-                  </a:solidFill>
-                  <a:latin typeface="Arial" panose="020B0604020202020204" pitchFamily="34" charset="0"/>
-                  <a:ea typeface="宋体" panose="02010600030101010101" pitchFamily="2" charset="-122"/>
-                </a:defRPr>
-              </a:lvl8pPr>
-              <a:lvl9pPr marL="3886200" indent="-228600" fontAlgn="base">
-                <a:spcBef>
-                  <a:spcPct val="0"/>
-                </a:spcBef>
-                <a:spcAft>
-                  <a:spcPct val="0"/>
-                </a:spcAft>
-                <a:defRPr>
-                  <a:solidFill>
-                    <a:schemeClr val="tx1"/>
-                  </a:solidFill>
-                  <a:latin typeface="Arial" panose="020B0604020202020204" pitchFamily="34" charset="0"/>
-                  <a:ea typeface="宋体" panose="02010600030101010101" pitchFamily="2" charset="-122"/>
-                </a:defRPr>
-              </a:lvl9pPr>
-            </a:lstStyle>
-            <a:p>
-              <a:pPr algn="ctr">
-                <a:spcBef>
-                  <a:spcPct val="0"/>
-                </a:spcBef>
-                <a:defRPr/>
-              </a:pPr>
-              <a:r>
-                <a:rPr lang="zh-CN" altLang="en-US" sz="2800" dirty="0">
-                  <a:solidFill>
-                    <a:schemeClr val="tx1">
-                      <a:lumMod val="75000"/>
-                      <a:lumOff val="25000"/>
-                    </a:schemeClr>
-                  </a:solidFill>
-                  <a:latin typeface="標楷體" panose="03000509000000000000" pitchFamily="65" charset="-120"/>
-                  <a:ea typeface="標楷體" panose="03000509000000000000" pitchFamily="65" charset="-120"/>
-                  <a:sym typeface="Century Gothic" panose="020B0502020202020204" pitchFamily="34" charset="0"/>
-                </a:rPr>
-                <a:t>進度</a:t>
-              </a:r>
-              <a:endParaRPr lang="en-US" altLang="zh-CN" sz="2800" dirty="0">
-                <a:solidFill>
-                  <a:schemeClr val="tx1">
-                    <a:lumMod val="75000"/>
-                    <a:lumOff val="25000"/>
-                  </a:schemeClr>
-                </a:solidFill>
-                <a:latin typeface="標楷體" panose="03000509000000000000" pitchFamily="65" charset="-120"/>
-                <a:ea typeface="標楷體" panose="03000509000000000000" pitchFamily="65" charset="-120"/>
-                <a:sym typeface="Century Gothic" panose="020B0502020202020204" pitchFamily="34" charset="0"/>
-              </a:endParaRPr>
-            </a:p>
-          </p:txBody>
-        </p:sp>
-      </p:grpSp>
-      <p:pic>
-        <p:nvPicPr>
-          <p:cNvPr id="17" name="图片 16">
-            <a:extLst>
-              <a:ext uri="{FF2B5EF4-FFF2-40B4-BE49-F238E27FC236}">
-                <a16:creationId xmlns:a16="http://schemas.microsoft.com/office/drawing/2014/main" id="{0DD44254-3930-4384-9D24-35A83F1976F3}"/>
-              </a:ext>
-            </a:extLst>
-          </p:cNvPr>
-          <p:cNvPicPr>
-            <a:picLocks noChangeAspect="1"/>
-          </p:cNvPicPr>
-          <p:nvPr/>
-        </p:nvPicPr>
-        <p:blipFill>
-          <a:blip r:embed="rId4" cstate="print">
-            <a:extLst>
-              <a:ext uri="{28A0092B-C50C-407E-A947-70E740481C1C}">
-                <a14:useLocalDpi xmlns:a14="http://schemas.microsoft.com/office/drawing/2010/main" val="0"/>
-              </a:ext>
-            </a:extLst>
-          </a:blip>
-          <a:stretch>
-            <a:fillRect/>
-          </a:stretch>
-        </p:blipFill>
-        <p:spPr>
-          <a:xfrm rot="5400000" flipV="1">
-            <a:off x="464938" y="603791"/>
-            <a:ext cx="1302701" cy="584930"/>
-          </a:xfrm>
-          <a:prstGeom prst="rect">
-            <a:avLst/>
-          </a:prstGeom>
-        </p:spPr>
-      </p:pic>
-      <p:sp>
-        <p:nvSpPr>
-          <p:cNvPr id="5" name="文字方塊 4">
-            <a:extLst>
-              <a:ext uri="{FF2B5EF4-FFF2-40B4-BE49-F238E27FC236}">
-                <a16:creationId xmlns:a16="http://schemas.microsoft.com/office/drawing/2014/main" id="{75C016B7-232F-A24A-B3FD-5CEAB6AB9C7F}"/>
-              </a:ext>
-            </a:extLst>
-          </p:cNvPr>
-          <p:cNvSpPr txBox="1"/>
-          <p:nvPr/>
-        </p:nvSpPr>
-        <p:spPr>
-          <a:xfrm>
-            <a:off x="1408754" y="2231471"/>
-            <a:ext cx="9581947" cy="719556"/>
-          </a:xfrm>
-          <a:prstGeom prst="rect">
-            <a:avLst/>
-          </a:prstGeom>
-          <a:noFill/>
-        </p:spPr>
-        <p:txBody>
-          <a:bodyPr wrap="square" rtlCol="0">
-            <a:spAutoFit/>
-          </a:bodyPr>
-          <a:lstStyle/>
-          <a:p>
-            <a:pPr>
-              <a:lnSpc>
-                <a:spcPct val="200000"/>
-              </a:lnSpc>
-            </a:pPr>
-            <a:endParaRPr kumimoji="1" lang="en-US" altLang="zh-TW" sz="2400" dirty="0">
-              <a:latin typeface="HanziPen SC" panose="03000300000000000000" pitchFamily="66" charset="-122"/>
-              <a:ea typeface="HanziPen SC" panose="03000300000000000000" pitchFamily="66" charset="-122"/>
-            </a:endParaRPr>
-          </a:p>
-        </p:txBody>
-      </p:sp>
-    </p:spTree>
-    <p:extLst>
-      <p:ext uri="{BB962C8B-B14F-4D97-AF65-F5344CB8AC3E}">
-        <p14:creationId xmlns:p14="http://schemas.microsoft.com/office/powerpoint/2010/main" val="1265733946"/>
       </p:ext>
     </p:extLst>
   </p:cSld>
@@ -8385,7 +8670,7 @@
                   <a:ea typeface="標楷體" panose="03000509000000000000" pitchFamily="65" charset="-120"/>
                   <a:sym typeface="Century Gothic" panose="020B0502020202020204" pitchFamily="34" charset="0"/>
                 </a:rPr>
-                <a:t>檢討</a:t>
+                <a:t>進度</a:t>
               </a:r>
               <a:endParaRPr lang="en-US" altLang="zh-CN" sz="2800" dirty="0">
                 <a:solidFill>
@@ -8481,7 +8766,7 @@
     </p:spTree>
     <p:extLst>
       <p:ext uri="{BB962C8B-B14F-4D97-AF65-F5344CB8AC3E}">
-        <p14:creationId xmlns:p14="http://schemas.microsoft.com/office/powerpoint/2010/main" val="794007524"/>
+        <p14:creationId xmlns:p14="http://schemas.microsoft.com/office/powerpoint/2010/main" val="1265733946"/>
       </p:ext>
     </p:extLst>
   </p:cSld>
@@ -8767,7 +9052,7 @@
                   <a:ea typeface="標楷體" panose="03000509000000000000" pitchFamily="65" charset="-120"/>
                   <a:sym typeface="Century Gothic" panose="020B0502020202020204" pitchFamily="34" charset="0"/>
                 </a:rPr>
-                <a:t>展望</a:t>
+                <a:t>檢討</a:t>
               </a:r>
               <a:endParaRPr lang="en-US" altLang="zh-CN" sz="2800" dirty="0">
                 <a:solidFill>
@@ -8863,7 +9148,7 @@
     </p:spTree>
     <p:extLst>
       <p:ext uri="{BB962C8B-B14F-4D97-AF65-F5344CB8AC3E}">
-        <p14:creationId xmlns:p14="http://schemas.microsoft.com/office/powerpoint/2010/main" val="1742241622"/>
+        <p14:creationId xmlns:p14="http://schemas.microsoft.com/office/powerpoint/2010/main" val="794007524"/>
       </p:ext>
     </p:extLst>
   </p:cSld>
@@ -9149,6 +9434,388 @@
                   <a:ea typeface="標楷體" panose="03000509000000000000" pitchFamily="65" charset="-120"/>
                   <a:sym typeface="Century Gothic" panose="020B0502020202020204" pitchFamily="34" charset="0"/>
                 </a:rPr>
+                <a:t>展望</a:t>
+              </a:r>
+              <a:endParaRPr lang="en-US" altLang="zh-CN" sz="2800" dirty="0">
+                <a:solidFill>
+                  <a:schemeClr val="tx1">
+                    <a:lumMod val="75000"/>
+                    <a:lumOff val="25000"/>
+                  </a:schemeClr>
+                </a:solidFill>
+                <a:latin typeface="標楷體" panose="03000509000000000000" pitchFamily="65" charset="-120"/>
+                <a:ea typeface="標楷體" panose="03000509000000000000" pitchFamily="65" charset="-120"/>
+                <a:sym typeface="Century Gothic" panose="020B0502020202020204" pitchFamily="34" charset="0"/>
+              </a:endParaRPr>
+            </a:p>
+          </p:txBody>
+        </p:sp>
+      </p:grpSp>
+      <p:pic>
+        <p:nvPicPr>
+          <p:cNvPr id="17" name="图片 16">
+            <a:extLst>
+              <a:ext uri="{FF2B5EF4-FFF2-40B4-BE49-F238E27FC236}">
+                <a16:creationId xmlns:a16="http://schemas.microsoft.com/office/drawing/2014/main" id="{0DD44254-3930-4384-9D24-35A83F1976F3}"/>
+              </a:ext>
+            </a:extLst>
+          </p:cNvPr>
+          <p:cNvPicPr>
+            <a:picLocks noChangeAspect="1"/>
+          </p:cNvPicPr>
+          <p:nvPr/>
+        </p:nvPicPr>
+        <p:blipFill>
+          <a:blip r:embed="rId4" cstate="print">
+            <a:extLst>
+              <a:ext uri="{28A0092B-C50C-407E-A947-70E740481C1C}">
+                <a14:useLocalDpi xmlns:a14="http://schemas.microsoft.com/office/drawing/2010/main" val="0"/>
+              </a:ext>
+            </a:extLst>
+          </a:blip>
+          <a:stretch>
+            <a:fillRect/>
+          </a:stretch>
+        </p:blipFill>
+        <p:spPr>
+          <a:xfrm rot="5400000" flipV="1">
+            <a:off x="464938" y="603791"/>
+            <a:ext cx="1302701" cy="584930"/>
+          </a:xfrm>
+          <a:prstGeom prst="rect">
+            <a:avLst/>
+          </a:prstGeom>
+        </p:spPr>
+      </p:pic>
+      <p:sp>
+        <p:nvSpPr>
+          <p:cNvPr id="5" name="文字方塊 4">
+            <a:extLst>
+              <a:ext uri="{FF2B5EF4-FFF2-40B4-BE49-F238E27FC236}">
+                <a16:creationId xmlns:a16="http://schemas.microsoft.com/office/drawing/2014/main" id="{75C016B7-232F-A24A-B3FD-5CEAB6AB9C7F}"/>
+              </a:ext>
+            </a:extLst>
+          </p:cNvPr>
+          <p:cNvSpPr txBox="1"/>
+          <p:nvPr/>
+        </p:nvSpPr>
+        <p:spPr>
+          <a:xfrm>
+            <a:off x="1408754" y="2231471"/>
+            <a:ext cx="9581947" cy="719556"/>
+          </a:xfrm>
+          <a:prstGeom prst="rect">
+            <a:avLst/>
+          </a:prstGeom>
+          <a:noFill/>
+        </p:spPr>
+        <p:txBody>
+          <a:bodyPr wrap="square" rtlCol="0">
+            <a:spAutoFit/>
+          </a:bodyPr>
+          <a:lstStyle/>
+          <a:p>
+            <a:pPr>
+              <a:lnSpc>
+                <a:spcPct val="200000"/>
+              </a:lnSpc>
+            </a:pPr>
+            <a:endParaRPr kumimoji="1" lang="en-US" altLang="zh-TW" sz="2400" dirty="0">
+              <a:latin typeface="HanziPen SC" panose="03000300000000000000" pitchFamily="66" charset="-122"/>
+              <a:ea typeface="HanziPen SC" panose="03000300000000000000" pitchFamily="66" charset="-122"/>
+            </a:endParaRPr>
+          </a:p>
+        </p:txBody>
+      </p:sp>
+    </p:spTree>
+    <p:extLst>
+      <p:ext uri="{BB962C8B-B14F-4D97-AF65-F5344CB8AC3E}">
+        <p14:creationId xmlns:p14="http://schemas.microsoft.com/office/powerpoint/2010/main" val="1742241622"/>
+      </p:ext>
+    </p:extLst>
+  </p:cSld>
+  <p:clrMapOvr>
+    <a:masterClrMapping/>
+  </p:clrMapOvr>
+  <p:transition spd="slow">
+    <p:randomBar dir="vert"/>
+  </p:transition>
+</p:sld>
+</file>
+
+<file path=ppt/slides/slide16.xml><?xml version="1.0" encoding="utf-8"?>
+<p:sld xmlns:a="http://schemas.openxmlformats.org/drawingml/2006/main" xmlns:r="http://schemas.openxmlformats.org/officeDocument/2006/relationships" xmlns:p="http://schemas.openxmlformats.org/presentationml/2006/main">
+  <p:cSld>
+    <p:spTree>
+      <p:nvGrpSpPr>
+        <p:cNvPr id="1" name=""/>
+        <p:cNvGrpSpPr/>
+        <p:nvPr/>
+      </p:nvGrpSpPr>
+      <p:grpSpPr>
+        <a:xfrm>
+          <a:off x="0" y="0"/>
+          <a:ext cx="0" cy="0"/>
+          <a:chOff x="0" y="0"/>
+          <a:chExt cx="0" cy="0"/>
+        </a:xfrm>
+      </p:grpSpPr>
+      <p:pic>
+        <p:nvPicPr>
+          <p:cNvPr id="11" name="图片 10">
+            <a:extLst>
+              <a:ext uri="{FF2B5EF4-FFF2-40B4-BE49-F238E27FC236}">
+                <a16:creationId xmlns:a16="http://schemas.microsoft.com/office/drawing/2014/main" id="{A9ED0A36-CC45-404A-8664-F44EF6A0B57C}"/>
+              </a:ext>
+            </a:extLst>
+          </p:cNvPr>
+          <p:cNvPicPr>
+            <a:picLocks noChangeAspect="1"/>
+          </p:cNvPicPr>
+          <p:nvPr/>
+        </p:nvPicPr>
+        <p:blipFill rotWithShape="1">
+          <a:blip r:embed="rId3" cstate="print">
+            <a:extLst>
+              <a:ext uri="{28A0092B-C50C-407E-A947-70E740481C1C}">
+                <a14:useLocalDpi xmlns:a14="http://schemas.microsoft.com/office/drawing/2010/main" val="0"/>
+              </a:ext>
+            </a:extLst>
+          </a:blip>
+          <a:srcRect t="1" b="43481"/>
+          <a:stretch/>
+        </p:blipFill>
+        <p:spPr>
+          <a:xfrm>
+            <a:off x="0" y="4806411"/>
+            <a:ext cx="12192000" cy="2058840"/>
+          </a:xfrm>
+          <a:prstGeom prst="rect">
+            <a:avLst/>
+          </a:prstGeom>
+        </p:spPr>
+      </p:pic>
+      <p:grpSp>
+        <p:nvGrpSpPr>
+          <p:cNvPr id="10" name="组合 9"/>
+          <p:cNvGrpSpPr/>
+          <p:nvPr/>
+        </p:nvGrpSpPr>
+        <p:grpSpPr>
+          <a:xfrm>
+            <a:off x="1720715" y="756795"/>
+            <a:ext cx="1576663" cy="523220"/>
+            <a:chOff x="-1463588" y="764290"/>
+            <a:chExt cx="2724148" cy="523220"/>
+          </a:xfrm>
+        </p:grpSpPr>
+        <p:cxnSp>
+          <p:nvCxnSpPr>
+            <p:cNvPr id="12" name="直接连接符 11"/>
+            <p:cNvCxnSpPr>
+              <a:cxnSpLocks/>
+            </p:cNvCxnSpPr>
+            <p:nvPr/>
+          </p:nvCxnSpPr>
+          <p:spPr>
+            <a:xfrm>
+              <a:off x="-815543" y="1176409"/>
+              <a:ext cx="1428061" cy="0"/>
+            </a:xfrm>
+            <a:prstGeom prst="line">
+              <a:avLst/>
+            </a:prstGeom>
+            <a:ln w="127000">
+              <a:solidFill>
+                <a:srgbClr val="C2D2B5"/>
+              </a:solidFill>
+            </a:ln>
+          </p:spPr>
+          <p:style>
+            <a:lnRef idx="1">
+              <a:schemeClr val="accent1"/>
+            </a:lnRef>
+            <a:fillRef idx="0">
+              <a:schemeClr val="accent1"/>
+            </a:fillRef>
+            <a:effectRef idx="0">
+              <a:schemeClr val="accent1"/>
+            </a:effectRef>
+            <a:fontRef idx="minor">
+              <a:schemeClr val="tx1"/>
+            </a:fontRef>
+          </p:style>
+        </p:cxnSp>
+        <p:sp>
+          <p:nvSpPr>
+            <p:cNvPr id="16" name="Text Box 39"/>
+            <p:cNvSpPr txBox="1">
+              <a:spLocks noChangeArrowheads="1"/>
+            </p:cNvSpPr>
+            <p:nvPr/>
+          </p:nvSpPr>
+          <p:spPr bwMode="auto">
+            <a:xfrm>
+              <a:off x="-1463588" y="764290"/>
+              <a:ext cx="2724148" cy="523220"/>
+            </a:xfrm>
+            <a:prstGeom prst="rect">
+              <a:avLst/>
+            </a:prstGeom>
+            <a:noFill/>
+            <a:ln>
+              <a:noFill/>
+            </a:ln>
+            <a:extLst>
+              <a:ext uri="{909E8E84-426E-40DD-AFC4-6F175D3DCCD1}">
+                <a14:hiddenFill xmlns:a14="http://schemas.microsoft.com/office/drawing/2010/main">
+                  <a:solidFill>
+                    <a:srgbClr val="FFFFFF"/>
+                  </a:solidFill>
+                </a14:hiddenFill>
+              </a:ext>
+              <a:ext uri="{91240B29-F687-4F45-9708-019B960494DF}">
+                <a14:hiddenLine xmlns:a14="http://schemas.microsoft.com/office/drawing/2010/main" w="9525">
+                  <a:solidFill>
+                    <a:srgbClr val="000000"/>
+                  </a:solidFill>
+                  <a:miter lim="800000"/>
+                  <a:headEnd/>
+                  <a:tailEnd/>
+                </a14:hiddenLine>
+              </a:ext>
+            </a:extLst>
+          </p:spPr>
+          <p:txBody>
+            <a:bodyPr wrap="square">
+              <a:spAutoFit/>
+            </a:bodyPr>
+            <a:lstStyle>
+              <a:lvl1pPr>
+                <a:defRPr>
+                  <a:solidFill>
+                    <a:schemeClr val="tx1"/>
+                  </a:solidFill>
+                  <a:latin typeface="Arial" panose="020B0604020202020204" pitchFamily="34" charset="0"/>
+                  <a:ea typeface="宋体" panose="02010600030101010101" pitchFamily="2" charset="-122"/>
+                </a:defRPr>
+              </a:lvl1pPr>
+              <a:lvl2pPr marL="742950" indent="-285750">
+                <a:defRPr>
+                  <a:solidFill>
+                    <a:schemeClr val="tx1"/>
+                  </a:solidFill>
+                  <a:latin typeface="Arial" panose="020B0604020202020204" pitchFamily="34" charset="0"/>
+                  <a:ea typeface="宋体" panose="02010600030101010101" pitchFamily="2" charset="-122"/>
+                </a:defRPr>
+              </a:lvl2pPr>
+              <a:lvl3pPr marL="1143000" indent="-228600">
+                <a:defRPr>
+                  <a:solidFill>
+                    <a:schemeClr val="tx1"/>
+                  </a:solidFill>
+                  <a:latin typeface="Arial" panose="020B0604020202020204" pitchFamily="34" charset="0"/>
+                  <a:ea typeface="宋体" panose="02010600030101010101" pitchFamily="2" charset="-122"/>
+                </a:defRPr>
+              </a:lvl3pPr>
+              <a:lvl4pPr marL="1600200" indent="-228600">
+                <a:defRPr>
+                  <a:solidFill>
+                    <a:schemeClr val="tx1"/>
+                  </a:solidFill>
+                  <a:latin typeface="Arial" panose="020B0604020202020204" pitchFamily="34" charset="0"/>
+                  <a:ea typeface="宋体" panose="02010600030101010101" pitchFamily="2" charset="-122"/>
+                </a:defRPr>
+              </a:lvl4pPr>
+              <a:lvl5pPr marL="2057400" indent="-228600">
+                <a:defRPr>
+                  <a:solidFill>
+                    <a:schemeClr val="tx1"/>
+                  </a:solidFill>
+                  <a:latin typeface="Arial" panose="020B0604020202020204" pitchFamily="34" charset="0"/>
+                  <a:ea typeface="宋体" panose="02010600030101010101" pitchFamily="2" charset="-122"/>
+                </a:defRPr>
+              </a:lvl5pPr>
+              <a:lvl6pPr marL="2514600" indent="-228600" fontAlgn="base">
+                <a:spcBef>
+                  <a:spcPct val="0"/>
+                </a:spcBef>
+                <a:spcAft>
+                  <a:spcPct val="0"/>
+                </a:spcAft>
+                <a:defRPr>
+                  <a:solidFill>
+                    <a:schemeClr val="tx1"/>
+                  </a:solidFill>
+                  <a:latin typeface="Arial" panose="020B0604020202020204" pitchFamily="34" charset="0"/>
+                  <a:ea typeface="宋体" panose="02010600030101010101" pitchFamily="2" charset="-122"/>
+                </a:defRPr>
+              </a:lvl6pPr>
+              <a:lvl7pPr marL="2971800" indent="-228600" fontAlgn="base">
+                <a:spcBef>
+                  <a:spcPct val="0"/>
+                </a:spcBef>
+                <a:spcAft>
+                  <a:spcPct val="0"/>
+                </a:spcAft>
+                <a:defRPr>
+                  <a:solidFill>
+                    <a:schemeClr val="tx1"/>
+                  </a:solidFill>
+                  <a:latin typeface="Arial" panose="020B0604020202020204" pitchFamily="34" charset="0"/>
+                  <a:ea typeface="宋体" panose="02010600030101010101" pitchFamily="2" charset="-122"/>
+                </a:defRPr>
+              </a:lvl7pPr>
+              <a:lvl8pPr marL="3429000" indent="-228600" fontAlgn="base">
+                <a:spcBef>
+                  <a:spcPct val="0"/>
+                </a:spcBef>
+                <a:spcAft>
+                  <a:spcPct val="0"/>
+                </a:spcAft>
+                <a:defRPr>
+                  <a:solidFill>
+                    <a:schemeClr val="tx1"/>
+                  </a:solidFill>
+                  <a:latin typeface="Arial" panose="020B0604020202020204" pitchFamily="34" charset="0"/>
+                  <a:ea typeface="宋体" panose="02010600030101010101" pitchFamily="2" charset="-122"/>
+                </a:defRPr>
+              </a:lvl8pPr>
+              <a:lvl9pPr marL="3886200" indent="-228600" fontAlgn="base">
+                <a:spcBef>
+                  <a:spcPct val="0"/>
+                </a:spcBef>
+                <a:spcAft>
+                  <a:spcPct val="0"/>
+                </a:spcAft>
+                <a:defRPr>
+                  <a:solidFill>
+                    <a:schemeClr val="tx1"/>
+                  </a:solidFill>
+                  <a:latin typeface="Arial" panose="020B0604020202020204" pitchFamily="34" charset="0"/>
+                  <a:ea typeface="宋体" panose="02010600030101010101" pitchFamily="2" charset="-122"/>
+                </a:defRPr>
+              </a:lvl9pPr>
+            </a:lstStyle>
+            <a:p>
+              <a:pPr algn="ctr">
+                <a:spcBef>
+                  <a:spcPct val="0"/>
+                </a:spcBef>
+                <a:defRPr/>
+              </a:pPr>
+              <a:r>
+                <a:rPr lang="zh-CN" altLang="en-US" sz="2800" dirty="0">
+                  <a:solidFill>
+                    <a:schemeClr val="tx1">
+                      <a:lumMod val="75000"/>
+                      <a:lumOff val="25000"/>
+                    </a:schemeClr>
+                  </a:solidFill>
+                  <a:latin typeface="標楷體" panose="03000509000000000000" pitchFamily="65" charset="-120"/>
+                  <a:ea typeface="標楷體" panose="03000509000000000000" pitchFamily="65" charset="-120"/>
+                  <a:sym typeface="Century Gothic" panose="020B0502020202020204" pitchFamily="34" charset="0"/>
+                </a:rPr>
                 <a:t>參考</a:t>
               </a:r>
               <a:endParaRPr lang="en-US" altLang="zh-CN" sz="2800" dirty="0">
@@ -9258,7 +9925,7 @@
 </p:sld>
 </file>
 
-<file path=ppt/slides/slide16.xml><?xml version="1.0" encoding="utf-8"?>
+<file path=ppt/slides/slide17.xml><?xml version="1.0" encoding="utf-8"?>
 <p:sld xmlns:a="http://schemas.openxmlformats.org/drawingml/2006/main" xmlns:r="http://schemas.openxmlformats.org/officeDocument/2006/relationships" xmlns:p="http://schemas.openxmlformats.org/presentationml/2006/main">
   <p:cSld>
     <p:spTree>
@@ -10470,7 +11137,7 @@
 </p:sld>
 </file>
 
-<file path=ppt/slides/slide17.xml><?xml version="1.0" encoding="utf-8"?>
+<file path=ppt/slides/slide18.xml><?xml version="1.0" encoding="utf-8"?>
 <p:sld xmlns:a="http://schemas.openxmlformats.org/drawingml/2006/main" xmlns:r="http://schemas.openxmlformats.org/officeDocument/2006/relationships" xmlns:p="http://schemas.openxmlformats.org/presentationml/2006/main">
   <p:cSld>
     <p:spTree>
@@ -11138,7 +11805,7 @@
 </p:sld>
 </file>
 
-<file path=ppt/slides/slide18.xml><?xml version="1.0" encoding="utf-8"?>
+<file path=ppt/slides/slide19.xml><?xml version="1.0" encoding="utf-8"?>
 <p:sld xmlns:a="http://schemas.openxmlformats.org/drawingml/2006/main" xmlns:r="http://schemas.openxmlformats.org/officeDocument/2006/relationships" xmlns:p="http://schemas.openxmlformats.org/presentationml/2006/main">
   <p:cSld>
     <p:spTree>
@@ -13448,7 +14115,1925 @@
 </p:sld>
 </file>
 
-<file path=ppt/slides/slide19.xml><?xml version="1.0" encoding="utf-8"?>
+<file path=ppt/slides/slide2.xml><?xml version="1.0" encoding="utf-8"?>
+<p:sld xmlns:a="http://schemas.openxmlformats.org/drawingml/2006/main" xmlns:r="http://schemas.openxmlformats.org/officeDocument/2006/relationships" xmlns:p="http://schemas.openxmlformats.org/presentationml/2006/main">
+  <p:cSld>
+    <p:spTree>
+      <p:nvGrpSpPr>
+        <p:cNvPr id="1" name=""/>
+        <p:cNvGrpSpPr/>
+        <p:nvPr/>
+      </p:nvGrpSpPr>
+      <p:grpSpPr>
+        <a:xfrm>
+          <a:off x="0" y="0"/>
+          <a:ext cx="0" cy="0"/>
+          <a:chOff x="0" y="0"/>
+          <a:chExt cx="0" cy="0"/>
+        </a:xfrm>
+      </p:grpSpPr>
+      <p:pic>
+        <p:nvPicPr>
+          <p:cNvPr id="18" name="图片 17">
+            <a:extLst>
+              <a:ext uri="{FF2B5EF4-FFF2-40B4-BE49-F238E27FC236}">
+                <a16:creationId xmlns:a16="http://schemas.microsoft.com/office/drawing/2014/main" id="{270A0E66-F383-4933-BA92-5B5C3839D9CE}"/>
+              </a:ext>
+            </a:extLst>
+          </p:cNvPr>
+          <p:cNvPicPr>
+            <a:picLocks noChangeAspect="1"/>
+          </p:cNvPicPr>
+          <p:nvPr/>
+        </p:nvPicPr>
+        <p:blipFill>
+          <a:blip r:embed="rId3" cstate="print">
+            <a:extLst>
+              <a:ext uri="{28A0092B-C50C-407E-A947-70E740481C1C}">
+                <a14:useLocalDpi xmlns:a14="http://schemas.microsoft.com/office/drawing/2010/main" val="0"/>
+              </a:ext>
+            </a:extLst>
+          </a:blip>
+          <a:stretch>
+            <a:fillRect/>
+          </a:stretch>
+        </p:blipFill>
+        <p:spPr>
+          <a:xfrm flipH="1">
+            <a:off x="0" y="-14483"/>
+            <a:ext cx="4941709" cy="6887444"/>
+          </a:xfrm>
+          <a:prstGeom prst="rect">
+            <a:avLst/>
+          </a:prstGeom>
+        </p:spPr>
+      </p:pic>
+      <p:cxnSp>
+        <p:nvCxnSpPr>
+          <p:cNvPr id="4" name="直接连接符 3"/>
+          <p:cNvCxnSpPr/>
+          <p:nvPr/>
+        </p:nvCxnSpPr>
+        <p:spPr>
+          <a:xfrm>
+            <a:off x="5500508" y="1636215"/>
+            <a:ext cx="457200" cy="0"/>
+          </a:xfrm>
+          <a:prstGeom prst="line">
+            <a:avLst/>
+          </a:prstGeom>
+          <a:ln w="76200">
+            <a:solidFill>
+              <a:srgbClr val="C2D2B5"/>
+            </a:solidFill>
+          </a:ln>
+        </p:spPr>
+        <p:style>
+          <a:lnRef idx="1">
+            <a:schemeClr val="accent1"/>
+          </a:lnRef>
+          <a:fillRef idx="0">
+            <a:schemeClr val="accent1"/>
+          </a:fillRef>
+          <a:effectRef idx="0">
+            <a:schemeClr val="accent1"/>
+          </a:effectRef>
+          <a:fontRef idx="minor">
+            <a:schemeClr val="tx1"/>
+          </a:fontRef>
+        </p:style>
+      </p:cxnSp>
+      <p:cxnSp>
+        <p:nvCxnSpPr>
+          <p:cNvPr id="36" name="直接连接符 35"/>
+          <p:cNvCxnSpPr/>
+          <p:nvPr/>
+        </p:nvCxnSpPr>
+        <p:spPr>
+          <a:xfrm>
+            <a:off x="5509652" y="3182198"/>
+            <a:ext cx="457200" cy="0"/>
+          </a:xfrm>
+          <a:prstGeom prst="line">
+            <a:avLst/>
+          </a:prstGeom>
+          <a:ln w="76200">
+            <a:solidFill>
+              <a:srgbClr val="C2D2B5"/>
+            </a:solidFill>
+          </a:ln>
+        </p:spPr>
+        <p:style>
+          <a:lnRef idx="1">
+            <a:schemeClr val="accent1"/>
+          </a:lnRef>
+          <a:fillRef idx="0">
+            <a:schemeClr val="accent1"/>
+          </a:fillRef>
+          <a:effectRef idx="0">
+            <a:schemeClr val="accent1"/>
+          </a:effectRef>
+          <a:fontRef idx="minor">
+            <a:schemeClr val="tx1"/>
+          </a:fontRef>
+        </p:style>
+      </p:cxnSp>
+      <p:sp>
+        <p:nvSpPr>
+          <p:cNvPr id="23" name="文本框 22"/>
+          <p:cNvSpPr txBox="1"/>
+          <p:nvPr/>
+        </p:nvSpPr>
+        <p:spPr>
+          <a:xfrm>
+            <a:off x="3801254" y="1294841"/>
+            <a:ext cx="800219" cy="1598415"/>
+          </a:xfrm>
+          <a:prstGeom prst="rect">
+            <a:avLst/>
+          </a:prstGeom>
+          <a:noFill/>
+        </p:spPr>
+        <p:txBody>
+          <a:bodyPr vert="eaVert" wrap="square" rtlCol="0">
+            <a:spAutoFit/>
+          </a:bodyPr>
+          <a:lstStyle/>
+          <a:p>
+            <a:pPr algn="ctr"/>
+            <a:r>
+              <a:rPr lang="zh-CN" altLang="en-US" sz="4000" dirty="0">
+                <a:solidFill>
+                  <a:schemeClr val="tx1">
+                    <a:lumMod val="75000"/>
+                    <a:lumOff val="25000"/>
+                  </a:schemeClr>
+                </a:solidFill>
+                <a:latin typeface="HanziPen SC" panose="03000300000000000000" pitchFamily="66" charset="-122"/>
+                <a:ea typeface="HanziPen SC" panose="03000300000000000000" pitchFamily="66" charset="-122"/>
+                <a:sym typeface="Century Gothic" panose="020B0502020202020204" pitchFamily="34" charset="0"/>
+              </a:rPr>
+              <a:t>目</a:t>
+            </a:r>
+            <a:r>
+              <a:rPr lang="zh-TW" altLang="en-US" sz="4000" dirty="0">
+                <a:solidFill>
+                  <a:schemeClr val="tx1">
+                    <a:lumMod val="75000"/>
+                    <a:lumOff val="25000"/>
+                  </a:schemeClr>
+                </a:solidFill>
+                <a:latin typeface="HanziPen SC" panose="03000300000000000000" pitchFamily="66" charset="-122"/>
+                <a:ea typeface="HanziPen SC" panose="03000300000000000000" pitchFamily="66" charset="-122"/>
+                <a:sym typeface="Century Gothic" panose="020B0502020202020204" pitchFamily="34" charset="0"/>
+              </a:rPr>
+              <a:t> </a:t>
+            </a:r>
+            <a:r>
+              <a:rPr lang="zh-CN" altLang="en-US" sz="4000" dirty="0">
+                <a:solidFill>
+                  <a:schemeClr val="tx1">
+                    <a:lumMod val="75000"/>
+                    <a:lumOff val="25000"/>
+                  </a:schemeClr>
+                </a:solidFill>
+                <a:latin typeface="HanziPen SC" panose="03000300000000000000" pitchFamily="66" charset="-122"/>
+                <a:ea typeface="HanziPen SC" panose="03000300000000000000" pitchFamily="66" charset="-122"/>
+                <a:sym typeface="Century Gothic" panose="020B0502020202020204" pitchFamily="34" charset="0"/>
+              </a:rPr>
+              <a:t>錄</a:t>
+            </a:r>
+          </a:p>
+        </p:txBody>
+      </p:sp>
+      <p:sp>
+        <p:nvSpPr>
+          <p:cNvPr id="24" name="TextBox 13"/>
+          <p:cNvSpPr txBox="1">
+            <a:spLocks noChangeArrowheads="1"/>
+          </p:cNvSpPr>
+          <p:nvPr/>
+        </p:nvSpPr>
+        <p:spPr bwMode="auto">
+          <a:xfrm>
+            <a:off x="3580859" y="2534276"/>
+            <a:ext cx="246221" cy="1228447"/>
+          </a:xfrm>
+          <a:prstGeom prst="rect">
+            <a:avLst/>
+          </a:prstGeom>
+          <a:noFill/>
+          <a:ln>
+            <a:noFill/>
+          </a:ln>
+          <a:extLst>
+            <a:ext uri="{909E8E84-426E-40DD-AFC4-6F175D3DCCD1}">
+              <a14:hiddenFill xmlns:a14="http://schemas.microsoft.com/office/drawing/2010/main">
+                <a:solidFill>
+                  <a:srgbClr val="FFFFFF"/>
+                </a:solidFill>
+              </a14:hiddenFill>
+            </a:ext>
+            <a:ext uri="{91240B29-F687-4F45-9708-019B960494DF}">
+              <a14:hiddenLine xmlns:a14="http://schemas.microsoft.com/office/drawing/2010/main" w="9525">
+                <a:solidFill>
+                  <a:srgbClr val="000000"/>
+                </a:solidFill>
+                <a:miter lim="800000"/>
+                <a:headEnd/>
+                <a:tailEnd/>
+              </a14:hiddenLine>
+            </a:ext>
+          </a:extLst>
+        </p:spPr>
+        <p:txBody>
+          <a:bodyPr vert="eaVert" wrap="square" lIns="0" tIns="0" rIns="0" bIns="0">
+            <a:spAutoFit/>
+          </a:bodyPr>
+          <a:lstStyle>
+            <a:lvl1pPr defTabSz="1216025">
+              <a:defRPr>
+                <a:solidFill>
+                  <a:schemeClr val="tx1"/>
+                </a:solidFill>
+                <a:latin typeface="Calibri" panose="020F0502020204030204" pitchFamily="34" charset="0"/>
+                <a:ea typeface="宋体" panose="02010600030101010101" pitchFamily="2" charset="-122"/>
+              </a:defRPr>
+            </a:lvl1pPr>
+            <a:lvl2pPr marL="742950" indent="-285750" defTabSz="1216025">
+              <a:defRPr>
+                <a:solidFill>
+                  <a:schemeClr val="tx1"/>
+                </a:solidFill>
+                <a:latin typeface="Calibri" panose="020F0502020204030204" pitchFamily="34" charset="0"/>
+                <a:ea typeface="宋体" panose="02010600030101010101" pitchFamily="2" charset="-122"/>
+              </a:defRPr>
+            </a:lvl2pPr>
+            <a:lvl3pPr marL="1143000" indent="-228600" defTabSz="1216025">
+              <a:defRPr>
+                <a:solidFill>
+                  <a:schemeClr val="tx1"/>
+                </a:solidFill>
+                <a:latin typeface="Calibri" panose="020F0502020204030204" pitchFamily="34" charset="0"/>
+                <a:ea typeface="宋体" panose="02010600030101010101" pitchFamily="2" charset="-122"/>
+              </a:defRPr>
+            </a:lvl3pPr>
+            <a:lvl4pPr marL="1600200" indent="-228600" defTabSz="1216025">
+              <a:defRPr>
+                <a:solidFill>
+                  <a:schemeClr val="tx1"/>
+                </a:solidFill>
+                <a:latin typeface="Calibri" panose="020F0502020204030204" pitchFamily="34" charset="0"/>
+                <a:ea typeface="宋体" panose="02010600030101010101" pitchFamily="2" charset="-122"/>
+              </a:defRPr>
+            </a:lvl4pPr>
+            <a:lvl5pPr marL="2057400" indent="-228600" defTabSz="1216025">
+              <a:defRPr>
+                <a:solidFill>
+                  <a:schemeClr val="tx1"/>
+                </a:solidFill>
+                <a:latin typeface="Calibri" panose="020F0502020204030204" pitchFamily="34" charset="0"/>
+                <a:ea typeface="宋体" panose="02010600030101010101" pitchFamily="2" charset="-122"/>
+              </a:defRPr>
+            </a:lvl5pPr>
+            <a:lvl6pPr marL="2514600" indent="-228600" defTabSz="1216025" fontAlgn="base">
+              <a:spcBef>
+                <a:spcPct val="0"/>
+              </a:spcBef>
+              <a:spcAft>
+                <a:spcPct val="0"/>
+              </a:spcAft>
+              <a:defRPr>
+                <a:solidFill>
+                  <a:schemeClr val="tx1"/>
+                </a:solidFill>
+                <a:latin typeface="Calibri" panose="020F0502020204030204" pitchFamily="34" charset="0"/>
+                <a:ea typeface="宋体" panose="02010600030101010101" pitchFamily="2" charset="-122"/>
+              </a:defRPr>
+            </a:lvl6pPr>
+            <a:lvl7pPr marL="2971800" indent="-228600" defTabSz="1216025" fontAlgn="base">
+              <a:spcBef>
+                <a:spcPct val="0"/>
+              </a:spcBef>
+              <a:spcAft>
+                <a:spcPct val="0"/>
+              </a:spcAft>
+              <a:defRPr>
+                <a:solidFill>
+                  <a:schemeClr val="tx1"/>
+                </a:solidFill>
+                <a:latin typeface="Calibri" panose="020F0502020204030204" pitchFamily="34" charset="0"/>
+                <a:ea typeface="宋体" panose="02010600030101010101" pitchFamily="2" charset="-122"/>
+              </a:defRPr>
+            </a:lvl7pPr>
+            <a:lvl8pPr marL="3429000" indent="-228600" defTabSz="1216025" fontAlgn="base">
+              <a:spcBef>
+                <a:spcPct val="0"/>
+              </a:spcBef>
+              <a:spcAft>
+                <a:spcPct val="0"/>
+              </a:spcAft>
+              <a:defRPr>
+                <a:solidFill>
+                  <a:schemeClr val="tx1"/>
+                </a:solidFill>
+                <a:latin typeface="Calibri" panose="020F0502020204030204" pitchFamily="34" charset="0"/>
+                <a:ea typeface="宋体" panose="02010600030101010101" pitchFamily="2" charset="-122"/>
+              </a:defRPr>
+            </a:lvl8pPr>
+            <a:lvl9pPr marL="3886200" indent="-228600" defTabSz="1216025" fontAlgn="base">
+              <a:spcBef>
+                <a:spcPct val="0"/>
+              </a:spcBef>
+              <a:spcAft>
+                <a:spcPct val="0"/>
+              </a:spcAft>
+              <a:defRPr>
+                <a:solidFill>
+                  <a:schemeClr val="tx1"/>
+                </a:solidFill>
+                <a:latin typeface="Calibri" panose="020F0502020204030204" pitchFamily="34" charset="0"/>
+                <a:ea typeface="宋体" panose="02010600030101010101" pitchFamily="2" charset="-122"/>
+              </a:defRPr>
+            </a:lvl9pPr>
+          </a:lstStyle>
+          <a:p>
+            <a:pPr algn="dist">
+              <a:spcBef>
+                <a:spcPct val="20000"/>
+              </a:spcBef>
+            </a:pPr>
+            <a:r>
+              <a:rPr lang="en-US" altLang="zh-CN" sz="1600" b="1" i="1" dirty="0">
+                <a:solidFill>
+                  <a:schemeClr val="tx1">
+                    <a:lumMod val="75000"/>
+                    <a:lumOff val="25000"/>
+                  </a:schemeClr>
+                </a:solidFill>
+                <a:latin typeface="Century Gothic" panose="020B0502020202020204" pitchFamily="34" charset="0"/>
+                <a:ea typeface="思源黑体 CN Normal" panose="020B0400000000000000" pitchFamily="34" charset="-122"/>
+                <a:sym typeface="Century Gothic" panose="020B0502020202020204" pitchFamily="34" charset="0"/>
+              </a:rPr>
+              <a:t>CONTENTS</a:t>
+            </a:r>
+          </a:p>
+        </p:txBody>
+      </p:sp>
+      <p:sp>
+        <p:nvSpPr>
+          <p:cNvPr id="25" name="文本框 15"/>
+          <p:cNvSpPr txBox="1">
+            <a:spLocks noChangeArrowheads="1"/>
+          </p:cNvSpPr>
+          <p:nvPr/>
+        </p:nvSpPr>
+        <p:spPr bwMode="auto">
+          <a:xfrm>
+            <a:off x="6318858" y="1129086"/>
+            <a:ext cx="3467571" cy="646331"/>
+          </a:xfrm>
+          <a:prstGeom prst="rect">
+            <a:avLst/>
+          </a:prstGeom>
+          <a:noFill/>
+          <a:ln>
+            <a:noFill/>
+          </a:ln>
+          <a:extLst>
+            <a:ext uri="{909E8E84-426E-40DD-AFC4-6F175D3DCCD1}">
+              <a14:hiddenFill xmlns:a14="http://schemas.microsoft.com/office/drawing/2010/main">
+                <a:solidFill>
+                  <a:srgbClr val="FFFFFF"/>
+                </a:solidFill>
+              </a14:hiddenFill>
+            </a:ext>
+            <a:ext uri="{91240B29-F687-4F45-9708-019B960494DF}">
+              <a14:hiddenLine xmlns:a14="http://schemas.microsoft.com/office/drawing/2010/main" w="9525">
+                <a:solidFill>
+                  <a:srgbClr val="000000"/>
+                </a:solidFill>
+                <a:miter lim="800000"/>
+                <a:headEnd/>
+                <a:tailEnd/>
+              </a14:hiddenLine>
+            </a:ext>
+          </a:extLst>
+        </p:spPr>
+        <p:txBody>
+          <a:bodyPr wrap="square">
+            <a:spAutoFit/>
+          </a:bodyPr>
+          <a:lstStyle>
+            <a:lvl1pPr>
+              <a:lnSpc>
+                <a:spcPct val="90000"/>
+              </a:lnSpc>
+              <a:spcBef>
+                <a:spcPts val="1000"/>
+              </a:spcBef>
+              <a:buFont typeface="Arial" panose="020B0604020202020204" pitchFamily="34" charset="0"/>
+              <a:buChar char="•"/>
+              <a:defRPr sz="2800">
+                <a:solidFill>
+                  <a:schemeClr val="tx1"/>
+                </a:solidFill>
+                <a:latin typeface="Calibri" panose="020F0502020204030204" pitchFamily="34" charset="0"/>
+                <a:ea typeface="宋体" panose="02010600030101010101" pitchFamily="2" charset="-122"/>
+              </a:defRPr>
+            </a:lvl1pPr>
+            <a:lvl2pPr marL="742950" indent="-285750">
+              <a:lnSpc>
+                <a:spcPct val="90000"/>
+              </a:lnSpc>
+              <a:spcBef>
+                <a:spcPts val="500"/>
+              </a:spcBef>
+              <a:buFont typeface="Arial" panose="020B0604020202020204" pitchFamily="34" charset="0"/>
+              <a:buChar char="•"/>
+              <a:defRPr sz="2400">
+                <a:solidFill>
+                  <a:schemeClr val="tx1"/>
+                </a:solidFill>
+                <a:latin typeface="Calibri" panose="020F0502020204030204" pitchFamily="34" charset="0"/>
+                <a:ea typeface="宋体" panose="02010600030101010101" pitchFamily="2" charset="-122"/>
+              </a:defRPr>
+            </a:lvl2pPr>
+            <a:lvl3pPr marL="1143000" indent="-228600">
+              <a:lnSpc>
+                <a:spcPct val="90000"/>
+              </a:lnSpc>
+              <a:spcBef>
+                <a:spcPts val="500"/>
+              </a:spcBef>
+              <a:buFont typeface="Arial" panose="020B0604020202020204" pitchFamily="34" charset="0"/>
+              <a:buChar char="•"/>
+              <a:defRPr sz="2000">
+                <a:solidFill>
+                  <a:schemeClr val="tx1"/>
+                </a:solidFill>
+                <a:latin typeface="Calibri" panose="020F0502020204030204" pitchFamily="34" charset="0"/>
+                <a:ea typeface="宋体" panose="02010600030101010101" pitchFamily="2" charset="-122"/>
+              </a:defRPr>
+            </a:lvl3pPr>
+            <a:lvl4pPr marL="1600200" indent="-228600">
+              <a:lnSpc>
+                <a:spcPct val="90000"/>
+              </a:lnSpc>
+              <a:spcBef>
+                <a:spcPts val="500"/>
+              </a:spcBef>
+              <a:buFont typeface="Arial" panose="020B0604020202020204" pitchFamily="34" charset="0"/>
+              <a:buChar char="•"/>
+              <a:defRPr>
+                <a:solidFill>
+                  <a:schemeClr val="tx1"/>
+                </a:solidFill>
+                <a:latin typeface="Calibri" panose="020F0502020204030204" pitchFamily="34" charset="0"/>
+                <a:ea typeface="宋体" panose="02010600030101010101" pitchFamily="2" charset="-122"/>
+              </a:defRPr>
+            </a:lvl4pPr>
+            <a:lvl5pPr marL="2057400" indent="-228600">
+              <a:lnSpc>
+                <a:spcPct val="90000"/>
+              </a:lnSpc>
+              <a:spcBef>
+                <a:spcPts val="500"/>
+              </a:spcBef>
+              <a:buFont typeface="Arial" panose="020B0604020202020204" pitchFamily="34" charset="0"/>
+              <a:buChar char="•"/>
+              <a:defRPr>
+                <a:solidFill>
+                  <a:schemeClr val="tx1"/>
+                </a:solidFill>
+                <a:latin typeface="Calibri" panose="020F0502020204030204" pitchFamily="34" charset="0"/>
+                <a:ea typeface="宋体" panose="02010600030101010101" pitchFamily="2" charset="-122"/>
+              </a:defRPr>
+            </a:lvl5pPr>
+            <a:lvl6pPr marL="2514600" indent="-228600" fontAlgn="base">
+              <a:lnSpc>
+                <a:spcPct val="90000"/>
+              </a:lnSpc>
+              <a:spcBef>
+                <a:spcPts val="500"/>
+              </a:spcBef>
+              <a:spcAft>
+                <a:spcPct val="0"/>
+              </a:spcAft>
+              <a:buFont typeface="Arial" panose="020B0604020202020204" pitchFamily="34" charset="0"/>
+              <a:buChar char="•"/>
+              <a:defRPr>
+                <a:solidFill>
+                  <a:schemeClr val="tx1"/>
+                </a:solidFill>
+                <a:latin typeface="Calibri" panose="020F0502020204030204" pitchFamily="34" charset="0"/>
+                <a:ea typeface="宋体" panose="02010600030101010101" pitchFamily="2" charset="-122"/>
+              </a:defRPr>
+            </a:lvl6pPr>
+            <a:lvl7pPr marL="2971800" indent="-228600" fontAlgn="base">
+              <a:lnSpc>
+                <a:spcPct val="90000"/>
+              </a:lnSpc>
+              <a:spcBef>
+                <a:spcPts val="500"/>
+              </a:spcBef>
+              <a:spcAft>
+                <a:spcPct val="0"/>
+              </a:spcAft>
+              <a:buFont typeface="Arial" panose="020B0604020202020204" pitchFamily="34" charset="0"/>
+              <a:buChar char="•"/>
+              <a:defRPr>
+                <a:solidFill>
+                  <a:schemeClr val="tx1"/>
+                </a:solidFill>
+                <a:latin typeface="Calibri" panose="020F0502020204030204" pitchFamily="34" charset="0"/>
+                <a:ea typeface="宋体" panose="02010600030101010101" pitchFamily="2" charset="-122"/>
+              </a:defRPr>
+            </a:lvl7pPr>
+            <a:lvl8pPr marL="3429000" indent="-228600" fontAlgn="base">
+              <a:lnSpc>
+                <a:spcPct val="90000"/>
+              </a:lnSpc>
+              <a:spcBef>
+                <a:spcPts val="500"/>
+              </a:spcBef>
+              <a:spcAft>
+                <a:spcPct val="0"/>
+              </a:spcAft>
+              <a:buFont typeface="Arial" panose="020B0604020202020204" pitchFamily="34" charset="0"/>
+              <a:buChar char="•"/>
+              <a:defRPr>
+                <a:solidFill>
+                  <a:schemeClr val="tx1"/>
+                </a:solidFill>
+                <a:latin typeface="Calibri" panose="020F0502020204030204" pitchFamily="34" charset="0"/>
+                <a:ea typeface="宋体" panose="02010600030101010101" pitchFamily="2" charset="-122"/>
+              </a:defRPr>
+            </a:lvl8pPr>
+            <a:lvl9pPr marL="3886200" indent="-228600" fontAlgn="base">
+              <a:lnSpc>
+                <a:spcPct val="90000"/>
+              </a:lnSpc>
+              <a:spcBef>
+                <a:spcPts val="500"/>
+              </a:spcBef>
+              <a:spcAft>
+                <a:spcPct val="0"/>
+              </a:spcAft>
+              <a:buFont typeface="Arial" panose="020B0604020202020204" pitchFamily="34" charset="0"/>
+              <a:buChar char="•"/>
+              <a:defRPr>
+                <a:solidFill>
+                  <a:schemeClr val="tx1"/>
+                </a:solidFill>
+                <a:latin typeface="Calibri" panose="020F0502020204030204" pitchFamily="34" charset="0"/>
+                <a:ea typeface="宋体" panose="02010600030101010101" pitchFamily="2" charset="-122"/>
+              </a:defRPr>
+            </a:lvl9pPr>
+          </a:lstStyle>
+          <a:p>
+            <a:pPr>
+              <a:lnSpc>
+                <a:spcPct val="100000"/>
+              </a:lnSpc>
+              <a:spcBef>
+                <a:spcPct val="0"/>
+              </a:spcBef>
+              <a:buNone/>
+            </a:pPr>
+            <a:r>
+              <a:rPr lang="zh-CN" altLang="en-US" sz="3600" b="1" dirty="0">
+                <a:solidFill>
+                  <a:schemeClr val="tx1">
+                    <a:lumMod val="65000"/>
+                    <a:lumOff val="35000"/>
+                  </a:schemeClr>
+                </a:solidFill>
+                <a:latin typeface="標楷體" panose="03000509000000000000" pitchFamily="65" charset="-120"/>
+                <a:ea typeface="標楷體" panose="03000509000000000000" pitchFamily="65" charset="-120"/>
+                <a:sym typeface="Century Gothic" panose="020B0502020202020204" pitchFamily="34" charset="0"/>
+              </a:rPr>
+              <a:t>背景與目的</a:t>
+            </a:r>
+          </a:p>
+        </p:txBody>
+      </p:sp>
+      <p:sp>
+        <p:nvSpPr>
+          <p:cNvPr id="40" name="文本框 18"/>
+          <p:cNvSpPr txBox="1">
+            <a:spLocks noChangeArrowheads="1"/>
+          </p:cNvSpPr>
+          <p:nvPr/>
+        </p:nvSpPr>
+        <p:spPr bwMode="auto">
+          <a:xfrm>
+            <a:off x="5318881" y="2727902"/>
+            <a:ext cx="838472" cy="584775"/>
+          </a:xfrm>
+          <a:prstGeom prst="rect">
+            <a:avLst/>
+          </a:prstGeom>
+          <a:noFill/>
+          <a:ln>
+            <a:noFill/>
+          </a:ln>
+          <a:extLst>
+            <a:ext uri="{909E8E84-426E-40DD-AFC4-6F175D3DCCD1}">
+              <a14:hiddenFill xmlns:a14="http://schemas.microsoft.com/office/drawing/2010/main">
+                <a:solidFill>
+                  <a:srgbClr val="FFFFFF"/>
+                </a:solidFill>
+              </a14:hiddenFill>
+            </a:ext>
+            <a:ext uri="{91240B29-F687-4F45-9708-019B960494DF}">
+              <a14:hiddenLine xmlns:a14="http://schemas.microsoft.com/office/drawing/2010/main" w="9525">
+                <a:solidFill>
+                  <a:srgbClr val="000000"/>
+                </a:solidFill>
+                <a:miter lim="800000"/>
+                <a:headEnd/>
+                <a:tailEnd/>
+              </a14:hiddenLine>
+            </a:ext>
+          </a:extLst>
+        </p:spPr>
+        <p:txBody>
+          <a:bodyPr wrap="square">
+            <a:spAutoFit/>
+          </a:bodyPr>
+          <a:lstStyle>
+            <a:lvl1pPr>
+              <a:lnSpc>
+                <a:spcPct val="90000"/>
+              </a:lnSpc>
+              <a:spcBef>
+                <a:spcPts val="1000"/>
+              </a:spcBef>
+              <a:buFont typeface="Arial" panose="020B0604020202020204" pitchFamily="34" charset="0"/>
+              <a:buChar char="•"/>
+              <a:defRPr sz="2800">
+                <a:solidFill>
+                  <a:schemeClr val="tx1"/>
+                </a:solidFill>
+                <a:latin typeface="Calibri" panose="020F0502020204030204" pitchFamily="34" charset="0"/>
+                <a:ea typeface="宋体" panose="02010600030101010101" pitchFamily="2" charset="-122"/>
+              </a:defRPr>
+            </a:lvl1pPr>
+            <a:lvl2pPr marL="742950" indent="-285750">
+              <a:lnSpc>
+                <a:spcPct val="90000"/>
+              </a:lnSpc>
+              <a:spcBef>
+                <a:spcPts val="500"/>
+              </a:spcBef>
+              <a:buFont typeface="Arial" panose="020B0604020202020204" pitchFamily="34" charset="0"/>
+              <a:buChar char="•"/>
+              <a:defRPr sz="2400">
+                <a:solidFill>
+                  <a:schemeClr val="tx1"/>
+                </a:solidFill>
+                <a:latin typeface="Calibri" panose="020F0502020204030204" pitchFamily="34" charset="0"/>
+                <a:ea typeface="宋体" panose="02010600030101010101" pitchFamily="2" charset="-122"/>
+              </a:defRPr>
+            </a:lvl2pPr>
+            <a:lvl3pPr marL="1143000" indent="-228600">
+              <a:lnSpc>
+                <a:spcPct val="90000"/>
+              </a:lnSpc>
+              <a:spcBef>
+                <a:spcPts val="500"/>
+              </a:spcBef>
+              <a:buFont typeface="Arial" panose="020B0604020202020204" pitchFamily="34" charset="0"/>
+              <a:buChar char="•"/>
+              <a:defRPr sz="2000">
+                <a:solidFill>
+                  <a:schemeClr val="tx1"/>
+                </a:solidFill>
+                <a:latin typeface="Calibri" panose="020F0502020204030204" pitchFamily="34" charset="0"/>
+                <a:ea typeface="宋体" panose="02010600030101010101" pitchFamily="2" charset="-122"/>
+              </a:defRPr>
+            </a:lvl3pPr>
+            <a:lvl4pPr marL="1600200" indent="-228600">
+              <a:lnSpc>
+                <a:spcPct val="90000"/>
+              </a:lnSpc>
+              <a:spcBef>
+                <a:spcPts val="500"/>
+              </a:spcBef>
+              <a:buFont typeface="Arial" panose="020B0604020202020204" pitchFamily="34" charset="0"/>
+              <a:buChar char="•"/>
+              <a:defRPr>
+                <a:solidFill>
+                  <a:schemeClr val="tx1"/>
+                </a:solidFill>
+                <a:latin typeface="Calibri" panose="020F0502020204030204" pitchFamily="34" charset="0"/>
+                <a:ea typeface="宋体" panose="02010600030101010101" pitchFamily="2" charset="-122"/>
+              </a:defRPr>
+            </a:lvl4pPr>
+            <a:lvl5pPr marL="2057400" indent="-228600">
+              <a:lnSpc>
+                <a:spcPct val="90000"/>
+              </a:lnSpc>
+              <a:spcBef>
+                <a:spcPts val="500"/>
+              </a:spcBef>
+              <a:buFont typeface="Arial" panose="020B0604020202020204" pitchFamily="34" charset="0"/>
+              <a:buChar char="•"/>
+              <a:defRPr>
+                <a:solidFill>
+                  <a:schemeClr val="tx1"/>
+                </a:solidFill>
+                <a:latin typeface="Calibri" panose="020F0502020204030204" pitchFamily="34" charset="0"/>
+                <a:ea typeface="宋体" panose="02010600030101010101" pitchFamily="2" charset="-122"/>
+              </a:defRPr>
+            </a:lvl5pPr>
+            <a:lvl6pPr marL="2514600" indent="-228600" fontAlgn="base">
+              <a:lnSpc>
+                <a:spcPct val="90000"/>
+              </a:lnSpc>
+              <a:spcBef>
+                <a:spcPts val="500"/>
+              </a:spcBef>
+              <a:spcAft>
+                <a:spcPct val="0"/>
+              </a:spcAft>
+              <a:buFont typeface="Arial" panose="020B0604020202020204" pitchFamily="34" charset="0"/>
+              <a:buChar char="•"/>
+              <a:defRPr>
+                <a:solidFill>
+                  <a:schemeClr val="tx1"/>
+                </a:solidFill>
+                <a:latin typeface="Calibri" panose="020F0502020204030204" pitchFamily="34" charset="0"/>
+                <a:ea typeface="宋体" panose="02010600030101010101" pitchFamily="2" charset="-122"/>
+              </a:defRPr>
+            </a:lvl6pPr>
+            <a:lvl7pPr marL="2971800" indent="-228600" fontAlgn="base">
+              <a:lnSpc>
+                <a:spcPct val="90000"/>
+              </a:lnSpc>
+              <a:spcBef>
+                <a:spcPts val="500"/>
+              </a:spcBef>
+              <a:spcAft>
+                <a:spcPct val="0"/>
+              </a:spcAft>
+              <a:buFont typeface="Arial" panose="020B0604020202020204" pitchFamily="34" charset="0"/>
+              <a:buChar char="•"/>
+              <a:defRPr>
+                <a:solidFill>
+                  <a:schemeClr val="tx1"/>
+                </a:solidFill>
+                <a:latin typeface="Calibri" panose="020F0502020204030204" pitchFamily="34" charset="0"/>
+                <a:ea typeface="宋体" panose="02010600030101010101" pitchFamily="2" charset="-122"/>
+              </a:defRPr>
+            </a:lvl7pPr>
+            <a:lvl8pPr marL="3429000" indent="-228600" fontAlgn="base">
+              <a:lnSpc>
+                <a:spcPct val="90000"/>
+              </a:lnSpc>
+              <a:spcBef>
+                <a:spcPts val="500"/>
+              </a:spcBef>
+              <a:spcAft>
+                <a:spcPct val="0"/>
+              </a:spcAft>
+              <a:buFont typeface="Arial" panose="020B0604020202020204" pitchFamily="34" charset="0"/>
+              <a:buChar char="•"/>
+              <a:defRPr>
+                <a:solidFill>
+                  <a:schemeClr val="tx1"/>
+                </a:solidFill>
+                <a:latin typeface="Calibri" panose="020F0502020204030204" pitchFamily="34" charset="0"/>
+                <a:ea typeface="宋体" panose="02010600030101010101" pitchFamily="2" charset="-122"/>
+              </a:defRPr>
+            </a:lvl8pPr>
+            <a:lvl9pPr marL="3886200" indent="-228600" fontAlgn="base">
+              <a:lnSpc>
+                <a:spcPct val="90000"/>
+              </a:lnSpc>
+              <a:spcBef>
+                <a:spcPts val="500"/>
+              </a:spcBef>
+              <a:spcAft>
+                <a:spcPct val="0"/>
+              </a:spcAft>
+              <a:buFont typeface="Arial" panose="020B0604020202020204" pitchFamily="34" charset="0"/>
+              <a:buChar char="•"/>
+              <a:defRPr>
+                <a:solidFill>
+                  <a:schemeClr val="tx1"/>
+                </a:solidFill>
+                <a:latin typeface="Calibri" panose="020F0502020204030204" pitchFamily="34" charset="0"/>
+                <a:ea typeface="宋体" panose="02010600030101010101" pitchFamily="2" charset="-122"/>
+              </a:defRPr>
+            </a:lvl9pPr>
+          </a:lstStyle>
+          <a:p>
+            <a:pPr algn="ctr" eaLnBrk="1" hangingPunct="1">
+              <a:lnSpc>
+                <a:spcPct val="100000"/>
+              </a:lnSpc>
+              <a:spcBef>
+                <a:spcPct val="0"/>
+              </a:spcBef>
+              <a:buFontTx/>
+              <a:buNone/>
+            </a:pPr>
+            <a:r>
+              <a:rPr lang="en-US" altLang="zh-CN" sz="3200" b="1" dirty="0">
+                <a:solidFill>
+                  <a:schemeClr val="tx1">
+                    <a:lumMod val="75000"/>
+                    <a:lumOff val="25000"/>
+                  </a:schemeClr>
+                </a:solidFill>
+                <a:latin typeface="標楷體" panose="03000509000000000000" pitchFamily="65" charset="-120"/>
+                <a:ea typeface="標楷體" panose="03000509000000000000" pitchFamily="65" charset="-120"/>
+                <a:sym typeface="Century Gothic" panose="020B0502020202020204" pitchFamily="34" charset="0"/>
+              </a:rPr>
+              <a:t>02</a:t>
+            </a:r>
+            <a:endParaRPr lang="zh-CN" altLang="en-US" sz="3200" b="1" dirty="0">
+              <a:solidFill>
+                <a:schemeClr val="tx1">
+                  <a:lumMod val="75000"/>
+                  <a:lumOff val="25000"/>
+                </a:schemeClr>
+              </a:solidFill>
+              <a:latin typeface="標楷體" panose="03000509000000000000" pitchFamily="65" charset="-120"/>
+              <a:ea typeface="標楷體" panose="03000509000000000000" pitchFamily="65" charset="-120"/>
+              <a:sym typeface="Century Gothic" panose="020B0502020202020204" pitchFamily="34" charset="0"/>
+            </a:endParaRPr>
+          </a:p>
+        </p:txBody>
+      </p:sp>
+      <p:sp>
+        <p:nvSpPr>
+          <p:cNvPr id="42" name="文本框 14"/>
+          <p:cNvSpPr txBox="1">
+            <a:spLocks noChangeArrowheads="1"/>
+          </p:cNvSpPr>
+          <p:nvPr/>
+        </p:nvSpPr>
+        <p:spPr bwMode="auto">
+          <a:xfrm>
+            <a:off x="5176231" y="1188144"/>
+            <a:ext cx="1123773" cy="584775"/>
+          </a:xfrm>
+          <a:prstGeom prst="rect">
+            <a:avLst/>
+          </a:prstGeom>
+          <a:noFill/>
+          <a:ln>
+            <a:noFill/>
+          </a:ln>
+          <a:extLst>
+            <a:ext uri="{909E8E84-426E-40DD-AFC4-6F175D3DCCD1}">
+              <a14:hiddenFill xmlns:a14="http://schemas.microsoft.com/office/drawing/2010/main">
+                <a:solidFill>
+                  <a:srgbClr val="FFFFFF"/>
+                </a:solidFill>
+              </a14:hiddenFill>
+            </a:ext>
+            <a:ext uri="{91240B29-F687-4F45-9708-019B960494DF}">
+              <a14:hiddenLine xmlns:a14="http://schemas.microsoft.com/office/drawing/2010/main" w="9525">
+                <a:solidFill>
+                  <a:srgbClr val="000000"/>
+                </a:solidFill>
+                <a:miter lim="800000"/>
+                <a:headEnd/>
+                <a:tailEnd/>
+              </a14:hiddenLine>
+            </a:ext>
+          </a:extLst>
+        </p:spPr>
+        <p:txBody>
+          <a:bodyPr>
+            <a:spAutoFit/>
+          </a:bodyPr>
+          <a:lstStyle>
+            <a:lvl1pPr>
+              <a:lnSpc>
+                <a:spcPct val="90000"/>
+              </a:lnSpc>
+              <a:spcBef>
+                <a:spcPts val="1000"/>
+              </a:spcBef>
+              <a:buFont typeface="Arial" panose="020B0604020202020204" pitchFamily="34" charset="0"/>
+              <a:buChar char="•"/>
+              <a:defRPr sz="2800">
+                <a:solidFill>
+                  <a:schemeClr val="tx1"/>
+                </a:solidFill>
+                <a:latin typeface="Calibri" panose="020F0502020204030204" pitchFamily="34" charset="0"/>
+                <a:ea typeface="宋体" panose="02010600030101010101" pitchFamily="2" charset="-122"/>
+              </a:defRPr>
+            </a:lvl1pPr>
+            <a:lvl2pPr marL="742950" indent="-285750">
+              <a:lnSpc>
+                <a:spcPct val="90000"/>
+              </a:lnSpc>
+              <a:spcBef>
+                <a:spcPts val="500"/>
+              </a:spcBef>
+              <a:buFont typeface="Arial" panose="020B0604020202020204" pitchFamily="34" charset="0"/>
+              <a:buChar char="•"/>
+              <a:defRPr sz="2400">
+                <a:solidFill>
+                  <a:schemeClr val="tx1"/>
+                </a:solidFill>
+                <a:latin typeface="Calibri" panose="020F0502020204030204" pitchFamily="34" charset="0"/>
+                <a:ea typeface="宋体" panose="02010600030101010101" pitchFamily="2" charset="-122"/>
+              </a:defRPr>
+            </a:lvl2pPr>
+            <a:lvl3pPr marL="1143000" indent="-228600">
+              <a:lnSpc>
+                <a:spcPct val="90000"/>
+              </a:lnSpc>
+              <a:spcBef>
+                <a:spcPts val="500"/>
+              </a:spcBef>
+              <a:buFont typeface="Arial" panose="020B0604020202020204" pitchFamily="34" charset="0"/>
+              <a:buChar char="•"/>
+              <a:defRPr sz="2000">
+                <a:solidFill>
+                  <a:schemeClr val="tx1"/>
+                </a:solidFill>
+                <a:latin typeface="Calibri" panose="020F0502020204030204" pitchFamily="34" charset="0"/>
+                <a:ea typeface="宋体" panose="02010600030101010101" pitchFamily="2" charset="-122"/>
+              </a:defRPr>
+            </a:lvl3pPr>
+            <a:lvl4pPr marL="1600200" indent="-228600">
+              <a:lnSpc>
+                <a:spcPct val="90000"/>
+              </a:lnSpc>
+              <a:spcBef>
+                <a:spcPts val="500"/>
+              </a:spcBef>
+              <a:buFont typeface="Arial" panose="020B0604020202020204" pitchFamily="34" charset="0"/>
+              <a:buChar char="•"/>
+              <a:defRPr>
+                <a:solidFill>
+                  <a:schemeClr val="tx1"/>
+                </a:solidFill>
+                <a:latin typeface="Calibri" panose="020F0502020204030204" pitchFamily="34" charset="0"/>
+                <a:ea typeface="宋体" panose="02010600030101010101" pitchFamily="2" charset="-122"/>
+              </a:defRPr>
+            </a:lvl4pPr>
+            <a:lvl5pPr marL="2057400" indent="-228600">
+              <a:lnSpc>
+                <a:spcPct val="90000"/>
+              </a:lnSpc>
+              <a:spcBef>
+                <a:spcPts val="500"/>
+              </a:spcBef>
+              <a:buFont typeface="Arial" panose="020B0604020202020204" pitchFamily="34" charset="0"/>
+              <a:buChar char="•"/>
+              <a:defRPr>
+                <a:solidFill>
+                  <a:schemeClr val="tx1"/>
+                </a:solidFill>
+                <a:latin typeface="Calibri" panose="020F0502020204030204" pitchFamily="34" charset="0"/>
+                <a:ea typeface="宋体" panose="02010600030101010101" pitchFamily="2" charset="-122"/>
+              </a:defRPr>
+            </a:lvl5pPr>
+            <a:lvl6pPr marL="2514600" indent="-228600" fontAlgn="base">
+              <a:lnSpc>
+                <a:spcPct val="90000"/>
+              </a:lnSpc>
+              <a:spcBef>
+                <a:spcPts val="500"/>
+              </a:spcBef>
+              <a:spcAft>
+                <a:spcPct val="0"/>
+              </a:spcAft>
+              <a:buFont typeface="Arial" panose="020B0604020202020204" pitchFamily="34" charset="0"/>
+              <a:buChar char="•"/>
+              <a:defRPr>
+                <a:solidFill>
+                  <a:schemeClr val="tx1"/>
+                </a:solidFill>
+                <a:latin typeface="Calibri" panose="020F0502020204030204" pitchFamily="34" charset="0"/>
+                <a:ea typeface="宋体" panose="02010600030101010101" pitchFamily="2" charset="-122"/>
+              </a:defRPr>
+            </a:lvl6pPr>
+            <a:lvl7pPr marL="2971800" indent="-228600" fontAlgn="base">
+              <a:lnSpc>
+                <a:spcPct val="90000"/>
+              </a:lnSpc>
+              <a:spcBef>
+                <a:spcPts val="500"/>
+              </a:spcBef>
+              <a:spcAft>
+                <a:spcPct val="0"/>
+              </a:spcAft>
+              <a:buFont typeface="Arial" panose="020B0604020202020204" pitchFamily="34" charset="0"/>
+              <a:buChar char="•"/>
+              <a:defRPr>
+                <a:solidFill>
+                  <a:schemeClr val="tx1"/>
+                </a:solidFill>
+                <a:latin typeface="Calibri" panose="020F0502020204030204" pitchFamily="34" charset="0"/>
+                <a:ea typeface="宋体" panose="02010600030101010101" pitchFamily="2" charset="-122"/>
+              </a:defRPr>
+            </a:lvl7pPr>
+            <a:lvl8pPr marL="3429000" indent="-228600" fontAlgn="base">
+              <a:lnSpc>
+                <a:spcPct val="90000"/>
+              </a:lnSpc>
+              <a:spcBef>
+                <a:spcPts val="500"/>
+              </a:spcBef>
+              <a:spcAft>
+                <a:spcPct val="0"/>
+              </a:spcAft>
+              <a:buFont typeface="Arial" panose="020B0604020202020204" pitchFamily="34" charset="0"/>
+              <a:buChar char="•"/>
+              <a:defRPr>
+                <a:solidFill>
+                  <a:schemeClr val="tx1"/>
+                </a:solidFill>
+                <a:latin typeface="Calibri" panose="020F0502020204030204" pitchFamily="34" charset="0"/>
+                <a:ea typeface="宋体" panose="02010600030101010101" pitchFamily="2" charset="-122"/>
+              </a:defRPr>
+            </a:lvl8pPr>
+            <a:lvl9pPr marL="3886200" indent="-228600" fontAlgn="base">
+              <a:lnSpc>
+                <a:spcPct val="90000"/>
+              </a:lnSpc>
+              <a:spcBef>
+                <a:spcPts val="500"/>
+              </a:spcBef>
+              <a:spcAft>
+                <a:spcPct val="0"/>
+              </a:spcAft>
+              <a:buFont typeface="Arial" panose="020B0604020202020204" pitchFamily="34" charset="0"/>
+              <a:buChar char="•"/>
+              <a:defRPr>
+                <a:solidFill>
+                  <a:schemeClr val="tx1"/>
+                </a:solidFill>
+                <a:latin typeface="Calibri" panose="020F0502020204030204" pitchFamily="34" charset="0"/>
+                <a:ea typeface="宋体" panose="02010600030101010101" pitchFamily="2" charset="-122"/>
+              </a:defRPr>
+            </a:lvl9pPr>
+          </a:lstStyle>
+          <a:p>
+            <a:pPr algn="ctr" eaLnBrk="1" hangingPunct="1">
+              <a:lnSpc>
+                <a:spcPct val="100000"/>
+              </a:lnSpc>
+              <a:spcBef>
+                <a:spcPct val="0"/>
+              </a:spcBef>
+              <a:buFontTx/>
+              <a:buNone/>
+            </a:pPr>
+            <a:r>
+              <a:rPr lang="en-US" altLang="zh-CN" sz="3200" b="1" dirty="0">
+                <a:solidFill>
+                  <a:schemeClr val="tx1">
+                    <a:lumMod val="75000"/>
+                    <a:lumOff val="25000"/>
+                  </a:schemeClr>
+                </a:solidFill>
+                <a:latin typeface="標楷體" panose="03000509000000000000" pitchFamily="65" charset="-120"/>
+                <a:ea typeface="標楷體" panose="03000509000000000000" pitchFamily="65" charset="-120"/>
+                <a:sym typeface="Century Gothic" panose="020B0502020202020204" pitchFamily="34" charset="0"/>
+              </a:rPr>
+              <a:t>01</a:t>
+            </a:r>
+            <a:endParaRPr lang="zh-CN" altLang="en-US" sz="3200" b="1" dirty="0">
+              <a:solidFill>
+                <a:schemeClr val="tx1">
+                  <a:lumMod val="75000"/>
+                  <a:lumOff val="25000"/>
+                </a:schemeClr>
+              </a:solidFill>
+              <a:latin typeface="標楷體" panose="03000509000000000000" pitchFamily="65" charset="-120"/>
+              <a:ea typeface="標楷體" panose="03000509000000000000" pitchFamily="65" charset="-120"/>
+              <a:sym typeface="Century Gothic" panose="020B0502020202020204" pitchFamily="34" charset="0"/>
+            </a:endParaRPr>
+          </a:p>
+        </p:txBody>
+      </p:sp>
+      <p:sp>
+        <p:nvSpPr>
+          <p:cNvPr id="19" name="文本框 15">
+            <a:extLst>
+              <a:ext uri="{FF2B5EF4-FFF2-40B4-BE49-F238E27FC236}">
+                <a16:creationId xmlns:a16="http://schemas.microsoft.com/office/drawing/2014/main" id="{90CDC7BB-53FE-4271-985A-8D7E494F5103}"/>
+              </a:ext>
+            </a:extLst>
+          </p:cNvPr>
+          <p:cNvSpPr txBox="1">
+            <a:spLocks noChangeArrowheads="1"/>
+          </p:cNvSpPr>
+          <p:nvPr/>
+        </p:nvSpPr>
+        <p:spPr bwMode="auto">
+          <a:xfrm>
+            <a:off x="6304014" y="2755218"/>
+            <a:ext cx="3731191" cy="590931"/>
+          </a:xfrm>
+          <a:prstGeom prst="rect">
+            <a:avLst/>
+          </a:prstGeom>
+          <a:noFill/>
+          <a:ln>
+            <a:noFill/>
+          </a:ln>
+          <a:extLst>
+            <a:ext uri="{909E8E84-426E-40DD-AFC4-6F175D3DCCD1}">
+              <a14:hiddenFill xmlns:a14="http://schemas.microsoft.com/office/drawing/2010/main">
+                <a:solidFill>
+                  <a:srgbClr val="FFFFFF"/>
+                </a:solidFill>
+              </a14:hiddenFill>
+            </a:ext>
+            <a:ext uri="{91240B29-F687-4F45-9708-019B960494DF}">
+              <a14:hiddenLine xmlns:a14="http://schemas.microsoft.com/office/drawing/2010/main" w="9525">
+                <a:solidFill>
+                  <a:srgbClr val="000000"/>
+                </a:solidFill>
+                <a:miter lim="800000"/>
+                <a:headEnd/>
+                <a:tailEnd/>
+              </a14:hiddenLine>
+            </a:ext>
+          </a:extLst>
+        </p:spPr>
+        <p:txBody>
+          <a:bodyPr wrap="square">
+            <a:spAutoFit/>
+          </a:bodyPr>
+          <a:lstStyle>
+            <a:lvl1pPr>
+              <a:lnSpc>
+                <a:spcPct val="90000"/>
+              </a:lnSpc>
+              <a:spcBef>
+                <a:spcPts val="1000"/>
+              </a:spcBef>
+              <a:buFont typeface="Arial" panose="020B0604020202020204" pitchFamily="34" charset="0"/>
+              <a:buChar char="•"/>
+              <a:defRPr sz="2800">
+                <a:solidFill>
+                  <a:schemeClr val="tx1"/>
+                </a:solidFill>
+                <a:latin typeface="Calibri" panose="020F0502020204030204" pitchFamily="34" charset="0"/>
+                <a:ea typeface="宋体" panose="02010600030101010101" pitchFamily="2" charset="-122"/>
+              </a:defRPr>
+            </a:lvl1pPr>
+            <a:lvl2pPr marL="742950" indent="-285750">
+              <a:lnSpc>
+                <a:spcPct val="90000"/>
+              </a:lnSpc>
+              <a:spcBef>
+                <a:spcPts val="500"/>
+              </a:spcBef>
+              <a:buFont typeface="Arial" panose="020B0604020202020204" pitchFamily="34" charset="0"/>
+              <a:buChar char="•"/>
+              <a:defRPr sz="2400">
+                <a:solidFill>
+                  <a:schemeClr val="tx1"/>
+                </a:solidFill>
+                <a:latin typeface="Calibri" panose="020F0502020204030204" pitchFamily="34" charset="0"/>
+                <a:ea typeface="宋体" panose="02010600030101010101" pitchFamily="2" charset="-122"/>
+              </a:defRPr>
+            </a:lvl2pPr>
+            <a:lvl3pPr marL="1143000" indent="-228600">
+              <a:lnSpc>
+                <a:spcPct val="90000"/>
+              </a:lnSpc>
+              <a:spcBef>
+                <a:spcPts val="500"/>
+              </a:spcBef>
+              <a:buFont typeface="Arial" panose="020B0604020202020204" pitchFamily="34" charset="0"/>
+              <a:buChar char="•"/>
+              <a:defRPr sz="2000">
+                <a:solidFill>
+                  <a:schemeClr val="tx1"/>
+                </a:solidFill>
+                <a:latin typeface="Calibri" panose="020F0502020204030204" pitchFamily="34" charset="0"/>
+                <a:ea typeface="宋体" panose="02010600030101010101" pitchFamily="2" charset="-122"/>
+              </a:defRPr>
+            </a:lvl3pPr>
+            <a:lvl4pPr marL="1600200" indent="-228600">
+              <a:lnSpc>
+                <a:spcPct val="90000"/>
+              </a:lnSpc>
+              <a:spcBef>
+                <a:spcPts val="500"/>
+              </a:spcBef>
+              <a:buFont typeface="Arial" panose="020B0604020202020204" pitchFamily="34" charset="0"/>
+              <a:buChar char="•"/>
+              <a:defRPr>
+                <a:solidFill>
+                  <a:schemeClr val="tx1"/>
+                </a:solidFill>
+                <a:latin typeface="Calibri" panose="020F0502020204030204" pitchFamily="34" charset="0"/>
+                <a:ea typeface="宋体" panose="02010600030101010101" pitchFamily="2" charset="-122"/>
+              </a:defRPr>
+            </a:lvl4pPr>
+            <a:lvl5pPr marL="2057400" indent="-228600">
+              <a:lnSpc>
+                <a:spcPct val="90000"/>
+              </a:lnSpc>
+              <a:spcBef>
+                <a:spcPts val="500"/>
+              </a:spcBef>
+              <a:buFont typeface="Arial" panose="020B0604020202020204" pitchFamily="34" charset="0"/>
+              <a:buChar char="•"/>
+              <a:defRPr>
+                <a:solidFill>
+                  <a:schemeClr val="tx1"/>
+                </a:solidFill>
+                <a:latin typeface="Calibri" panose="020F0502020204030204" pitchFamily="34" charset="0"/>
+                <a:ea typeface="宋体" panose="02010600030101010101" pitchFamily="2" charset="-122"/>
+              </a:defRPr>
+            </a:lvl5pPr>
+            <a:lvl6pPr marL="2514600" indent="-228600" fontAlgn="base">
+              <a:lnSpc>
+                <a:spcPct val="90000"/>
+              </a:lnSpc>
+              <a:spcBef>
+                <a:spcPts val="500"/>
+              </a:spcBef>
+              <a:spcAft>
+                <a:spcPct val="0"/>
+              </a:spcAft>
+              <a:buFont typeface="Arial" panose="020B0604020202020204" pitchFamily="34" charset="0"/>
+              <a:buChar char="•"/>
+              <a:defRPr>
+                <a:solidFill>
+                  <a:schemeClr val="tx1"/>
+                </a:solidFill>
+                <a:latin typeface="Calibri" panose="020F0502020204030204" pitchFamily="34" charset="0"/>
+                <a:ea typeface="宋体" panose="02010600030101010101" pitchFamily="2" charset="-122"/>
+              </a:defRPr>
+            </a:lvl6pPr>
+            <a:lvl7pPr marL="2971800" indent="-228600" fontAlgn="base">
+              <a:lnSpc>
+                <a:spcPct val="90000"/>
+              </a:lnSpc>
+              <a:spcBef>
+                <a:spcPts val="500"/>
+              </a:spcBef>
+              <a:spcAft>
+                <a:spcPct val="0"/>
+              </a:spcAft>
+              <a:buFont typeface="Arial" panose="020B0604020202020204" pitchFamily="34" charset="0"/>
+              <a:buChar char="•"/>
+              <a:defRPr>
+                <a:solidFill>
+                  <a:schemeClr val="tx1"/>
+                </a:solidFill>
+                <a:latin typeface="Calibri" panose="020F0502020204030204" pitchFamily="34" charset="0"/>
+                <a:ea typeface="宋体" panose="02010600030101010101" pitchFamily="2" charset="-122"/>
+              </a:defRPr>
+            </a:lvl7pPr>
+            <a:lvl8pPr marL="3429000" indent="-228600" fontAlgn="base">
+              <a:lnSpc>
+                <a:spcPct val="90000"/>
+              </a:lnSpc>
+              <a:spcBef>
+                <a:spcPts val="500"/>
+              </a:spcBef>
+              <a:spcAft>
+                <a:spcPct val="0"/>
+              </a:spcAft>
+              <a:buFont typeface="Arial" panose="020B0604020202020204" pitchFamily="34" charset="0"/>
+              <a:buChar char="•"/>
+              <a:defRPr>
+                <a:solidFill>
+                  <a:schemeClr val="tx1"/>
+                </a:solidFill>
+                <a:latin typeface="Calibri" panose="020F0502020204030204" pitchFamily="34" charset="0"/>
+                <a:ea typeface="宋体" panose="02010600030101010101" pitchFamily="2" charset="-122"/>
+              </a:defRPr>
+            </a:lvl8pPr>
+            <a:lvl9pPr marL="3886200" indent="-228600" fontAlgn="base">
+              <a:lnSpc>
+                <a:spcPct val="90000"/>
+              </a:lnSpc>
+              <a:spcBef>
+                <a:spcPts val="500"/>
+              </a:spcBef>
+              <a:spcAft>
+                <a:spcPct val="0"/>
+              </a:spcAft>
+              <a:buFont typeface="Arial" panose="020B0604020202020204" pitchFamily="34" charset="0"/>
+              <a:buChar char="•"/>
+              <a:defRPr>
+                <a:solidFill>
+                  <a:schemeClr val="tx1"/>
+                </a:solidFill>
+                <a:latin typeface="Calibri" panose="020F0502020204030204" pitchFamily="34" charset="0"/>
+                <a:ea typeface="宋体" panose="02010600030101010101" pitchFamily="2" charset="-122"/>
+              </a:defRPr>
+            </a:lvl9pPr>
+          </a:lstStyle>
+          <a:p>
+            <a:pPr lvl="0">
+              <a:buNone/>
+            </a:pPr>
+            <a:r>
+              <a:rPr lang="zh-TW" altLang="en-US" sz="3600" b="1" dirty="0">
+                <a:solidFill>
+                  <a:schemeClr val="tx1">
+                    <a:lumMod val="65000"/>
+                    <a:lumOff val="35000"/>
+                  </a:schemeClr>
+                </a:solidFill>
+                <a:latin typeface="標楷體" panose="03000509000000000000" pitchFamily="65" charset="-120"/>
+                <a:ea typeface="標楷體" panose="03000509000000000000" pitchFamily="65" charset="-120"/>
+              </a:rPr>
+              <a:t>系統或實驗設計</a:t>
+            </a:r>
+            <a:endParaRPr lang="zh-TW" altLang="zh-TW" sz="3600" dirty="0">
+              <a:solidFill>
+                <a:schemeClr val="tx1">
+                  <a:lumMod val="65000"/>
+                  <a:lumOff val="35000"/>
+                </a:schemeClr>
+              </a:solidFill>
+              <a:latin typeface="標楷體" panose="03000509000000000000" pitchFamily="65" charset="-120"/>
+              <a:ea typeface="標楷體" panose="03000509000000000000" pitchFamily="65" charset="-120"/>
+            </a:endParaRPr>
+          </a:p>
+        </p:txBody>
+      </p:sp>
+      <p:cxnSp>
+        <p:nvCxnSpPr>
+          <p:cNvPr id="22" name="直接连接符 36">
+            <a:extLst>
+              <a:ext uri="{FF2B5EF4-FFF2-40B4-BE49-F238E27FC236}">
+                <a16:creationId xmlns:a16="http://schemas.microsoft.com/office/drawing/2014/main" id="{AB6D3334-2954-8740-8C5E-5004BC4CDC3E}"/>
+              </a:ext>
+            </a:extLst>
+          </p:cNvPr>
+          <p:cNvCxnSpPr/>
+          <p:nvPr/>
+        </p:nvCxnSpPr>
+        <p:spPr>
+          <a:xfrm>
+            <a:off x="5501246" y="4823714"/>
+            <a:ext cx="457200" cy="0"/>
+          </a:xfrm>
+          <a:prstGeom prst="line">
+            <a:avLst/>
+          </a:prstGeom>
+          <a:ln w="76200">
+            <a:solidFill>
+              <a:srgbClr val="C2D2B5"/>
+            </a:solidFill>
+          </a:ln>
+        </p:spPr>
+        <p:style>
+          <a:lnRef idx="1">
+            <a:schemeClr val="accent1"/>
+          </a:lnRef>
+          <a:fillRef idx="0">
+            <a:schemeClr val="accent1"/>
+          </a:fillRef>
+          <a:effectRef idx="0">
+            <a:schemeClr val="accent1"/>
+          </a:effectRef>
+          <a:fontRef idx="minor">
+            <a:schemeClr val="tx1"/>
+          </a:fontRef>
+        </p:style>
+      </p:cxnSp>
+      <p:sp>
+        <p:nvSpPr>
+          <p:cNvPr id="27" name="文本框 20">
+            <a:extLst>
+              <a:ext uri="{FF2B5EF4-FFF2-40B4-BE49-F238E27FC236}">
+                <a16:creationId xmlns:a16="http://schemas.microsoft.com/office/drawing/2014/main" id="{047A3712-90D9-0C4B-888D-68B5A9219868}"/>
+              </a:ext>
+            </a:extLst>
+          </p:cNvPr>
+          <p:cNvSpPr txBox="1">
+            <a:spLocks noChangeArrowheads="1"/>
+          </p:cNvSpPr>
+          <p:nvPr/>
+        </p:nvSpPr>
+        <p:spPr bwMode="auto">
+          <a:xfrm>
+            <a:off x="5167254" y="4387506"/>
+            <a:ext cx="1123708" cy="584775"/>
+          </a:xfrm>
+          <a:prstGeom prst="rect">
+            <a:avLst/>
+          </a:prstGeom>
+          <a:noFill/>
+          <a:ln>
+            <a:noFill/>
+          </a:ln>
+          <a:extLst>
+            <a:ext uri="{909E8E84-426E-40DD-AFC4-6F175D3DCCD1}">
+              <a14:hiddenFill xmlns:a14="http://schemas.microsoft.com/office/drawing/2010/main">
+                <a:solidFill>
+                  <a:srgbClr val="FFFFFF"/>
+                </a:solidFill>
+              </a14:hiddenFill>
+            </a:ext>
+            <a:ext uri="{91240B29-F687-4F45-9708-019B960494DF}">
+              <a14:hiddenLine xmlns:a14="http://schemas.microsoft.com/office/drawing/2010/main" w="9525">
+                <a:solidFill>
+                  <a:srgbClr val="000000"/>
+                </a:solidFill>
+                <a:miter lim="800000"/>
+                <a:headEnd/>
+                <a:tailEnd/>
+              </a14:hiddenLine>
+            </a:ext>
+          </a:extLst>
+        </p:spPr>
+        <p:txBody>
+          <a:bodyPr>
+            <a:spAutoFit/>
+          </a:bodyPr>
+          <a:lstStyle>
+            <a:lvl1pPr>
+              <a:lnSpc>
+                <a:spcPct val="90000"/>
+              </a:lnSpc>
+              <a:spcBef>
+                <a:spcPts val="1000"/>
+              </a:spcBef>
+              <a:buFont typeface="Arial" panose="020B0604020202020204" pitchFamily="34" charset="0"/>
+              <a:buChar char="•"/>
+              <a:defRPr sz="2800">
+                <a:solidFill>
+                  <a:schemeClr val="tx1"/>
+                </a:solidFill>
+                <a:latin typeface="Calibri" panose="020F0502020204030204" pitchFamily="34" charset="0"/>
+                <a:ea typeface="宋体" panose="02010600030101010101" pitchFamily="2" charset="-122"/>
+              </a:defRPr>
+            </a:lvl1pPr>
+            <a:lvl2pPr marL="742950" indent="-285750">
+              <a:lnSpc>
+                <a:spcPct val="90000"/>
+              </a:lnSpc>
+              <a:spcBef>
+                <a:spcPts val="500"/>
+              </a:spcBef>
+              <a:buFont typeface="Arial" panose="020B0604020202020204" pitchFamily="34" charset="0"/>
+              <a:buChar char="•"/>
+              <a:defRPr sz="2400">
+                <a:solidFill>
+                  <a:schemeClr val="tx1"/>
+                </a:solidFill>
+                <a:latin typeface="Calibri" panose="020F0502020204030204" pitchFamily="34" charset="0"/>
+                <a:ea typeface="宋体" panose="02010600030101010101" pitchFamily="2" charset="-122"/>
+              </a:defRPr>
+            </a:lvl2pPr>
+            <a:lvl3pPr marL="1143000" indent="-228600">
+              <a:lnSpc>
+                <a:spcPct val="90000"/>
+              </a:lnSpc>
+              <a:spcBef>
+                <a:spcPts val="500"/>
+              </a:spcBef>
+              <a:buFont typeface="Arial" panose="020B0604020202020204" pitchFamily="34" charset="0"/>
+              <a:buChar char="•"/>
+              <a:defRPr sz="2000">
+                <a:solidFill>
+                  <a:schemeClr val="tx1"/>
+                </a:solidFill>
+                <a:latin typeface="Calibri" panose="020F0502020204030204" pitchFamily="34" charset="0"/>
+                <a:ea typeface="宋体" panose="02010600030101010101" pitchFamily="2" charset="-122"/>
+              </a:defRPr>
+            </a:lvl3pPr>
+            <a:lvl4pPr marL="1600200" indent="-228600">
+              <a:lnSpc>
+                <a:spcPct val="90000"/>
+              </a:lnSpc>
+              <a:spcBef>
+                <a:spcPts val="500"/>
+              </a:spcBef>
+              <a:buFont typeface="Arial" panose="020B0604020202020204" pitchFamily="34" charset="0"/>
+              <a:buChar char="•"/>
+              <a:defRPr>
+                <a:solidFill>
+                  <a:schemeClr val="tx1"/>
+                </a:solidFill>
+                <a:latin typeface="Calibri" panose="020F0502020204030204" pitchFamily="34" charset="0"/>
+                <a:ea typeface="宋体" panose="02010600030101010101" pitchFamily="2" charset="-122"/>
+              </a:defRPr>
+            </a:lvl4pPr>
+            <a:lvl5pPr marL="2057400" indent="-228600">
+              <a:lnSpc>
+                <a:spcPct val="90000"/>
+              </a:lnSpc>
+              <a:spcBef>
+                <a:spcPts val="500"/>
+              </a:spcBef>
+              <a:buFont typeface="Arial" panose="020B0604020202020204" pitchFamily="34" charset="0"/>
+              <a:buChar char="•"/>
+              <a:defRPr>
+                <a:solidFill>
+                  <a:schemeClr val="tx1"/>
+                </a:solidFill>
+                <a:latin typeface="Calibri" panose="020F0502020204030204" pitchFamily="34" charset="0"/>
+                <a:ea typeface="宋体" panose="02010600030101010101" pitchFamily="2" charset="-122"/>
+              </a:defRPr>
+            </a:lvl5pPr>
+            <a:lvl6pPr marL="2514600" indent="-228600" fontAlgn="base">
+              <a:lnSpc>
+                <a:spcPct val="90000"/>
+              </a:lnSpc>
+              <a:spcBef>
+                <a:spcPts val="500"/>
+              </a:spcBef>
+              <a:spcAft>
+                <a:spcPct val="0"/>
+              </a:spcAft>
+              <a:buFont typeface="Arial" panose="020B0604020202020204" pitchFamily="34" charset="0"/>
+              <a:buChar char="•"/>
+              <a:defRPr>
+                <a:solidFill>
+                  <a:schemeClr val="tx1"/>
+                </a:solidFill>
+                <a:latin typeface="Calibri" panose="020F0502020204030204" pitchFamily="34" charset="0"/>
+                <a:ea typeface="宋体" panose="02010600030101010101" pitchFamily="2" charset="-122"/>
+              </a:defRPr>
+            </a:lvl6pPr>
+            <a:lvl7pPr marL="2971800" indent="-228600" fontAlgn="base">
+              <a:lnSpc>
+                <a:spcPct val="90000"/>
+              </a:lnSpc>
+              <a:spcBef>
+                <a:spcPts val="500"/>
+              </a:spcBef>
+              <a:spcAft>
+                <a:spcPct val="0"/>
+              </a:spcAft>
+              <a:buFont typeface="Arial" panose="020B0604020202020204" pitchFamily="34" charset="0"/>
+              <a:buChar char="•"/>
+              <a:defRPr>
+                <a:solidFill>
+                  <a:schemeClr val="tx1"/>
+                </a:solidFill>
+                <a:latin typeface="Calibri" panose="020F0502020204030204" pitchFamily="34" charset="0"/>
+                <a:ea typeface="宋体" panose="02010600030101010101" pitchFamily="2" charset="-122"/>
+              </a:defRPr>
+            </a:lvl7pPr>
+            <a:lvl8pPr marL="3429000" indent="-228600" fontAlgn="base">
+              <a:lnSpc>
+                <a:spcPct val="90000"/>
+              </a:lnSpc>
+              <a:spcBef>
+                <a:spcPts val="500"/>
+              </a:spcBef>
+              <a:spcAft>
+                <a:spcPct val="0"/>
+              </a:spcAft>
+              <a:buFont typeface="Arial" panose="020B0604020202020204" pitchFamily="34" charset="0"/>
+              <a:buChar char="•"/>
+              <a:defRPr>
+                <a:solidFill>
+                  <a:schemeClr val="tx1"/>
+                </a:solidFill>
+                <a:latin typeface="Calibri" panose="020F0502020204030204" pitchFamily="34" charset="0"/>
+                <a:ea typeface="宋体" panose="02010600030101010101" pitchFamily="2" charset="-122"/>
+              </a:defRPr>
+            </a:lvl8pPr>
+            <a:lvl9pPr marL="3886200" indent="-228600" fontAlgn="base">
+              <a:lnSpc>
+                <a:spcPct val="90000"/>
+              </a:lnSpc>
+              <a:spcBef>
+                <a:spcPts val="500"/>
+              </a:spcBef>
+              <a:spcAft>
+                <a:spcPct val="0"/>
+              </a:spcAft>
+              <a:buFont typeface="Arial" panose="020B0604020202020204" pitchFamily="34" charset="0"/>
+              <a:buChar char="•"/>
+              <a:defRPr>
+                <a:solidFill>
+                  <a:schemeClr val="tx1"/>
+                </a:solidFill>
+                <a:latin typeface="Calibri" panose="020F0502020204030204" pitchFamily="34" charset="0"/>
+                <a:ea typeface="宋体" panose="02010600030101010101" pitchFamily="2" charset="-122"/>
+              </a:defRPr>
+            </a:lvl9pPr>
+          </a:lstStyle>
+          <a:p>
+            <a:pPr algn="ctr" eaLnBrk="1" hangingPunct="1">
+              <a:lnSpc>
+                <a:spcPct val="100000"/>
+              </a:lnSpc>
+              <a:spcBef>
+                <a:spcPct val="0"/>
+              </a:spcBef>
+              <a:buFontTx/>
+              <a:buNone/>
+            </a:pPr>
+            <a:r>
+              <a:rPr lang="en-US" altLang="zh-CN" sz="3200" b="1" dirty="0">
+                <a:solidFill>
+                  <a:schemeClr val="tx1">
+                    <a:lumMod val="75000"/>
+                    <a:lumOff val="25000"/>
+                  </a:schemeClr>
+                </a:solidFill>
+                <a:latin typeface="標楷體" panose="03000509000000000000" pitchFamily="65" charset="-120"/>
+                <a:ea typeface="標楷體" panose="03000509000000000000" pitchFamily="65" charset="-120"/>
+                <a:sym typeface="Century Gothic" panose="020B0502020202020204" pitchFamily="34" charset="0"/>
+              </a:rPr>
+              <a:t>03</a:t>
+            </a:r>
+            <a:endParaRPr lang="zh-CN" altLang="en-US" sz="3200" b="1" dirty="0">
+              <a:solidFill>
+                <a:schemeClr val="tx1">
+                  <a:lumMod val="75000"/>
+                  <a:lumOff val="25000"/>
+                </a:schemeClr>
+              </a:solidFill>
+              <a:latin typeface="標楷體" panose="03000509000000000000" pitchFamily="65" charset="-120"/>
+              <a:ea typeface="標楷體" panose="03000509000000000000" pitchFamily="65" charset="-120"/>
+              <a:sym typeface="Century Gothic" panose="020B0502020202020204" pitchFamily="34" charset="0"/>
+            </a:endParaRPr>
+          </a:p>
+        </p:txBody>
+      </p:sp>
+      <p:sp>
+        <p:nvSpPr>
+          <p:cNvPr id="29" name="文本框 15">
+            <a:extLst>
+              <a:ext uri="{FF2B5EF4-FFF2-40B4-BE49-F238E27FC236}">
+                <a16:creationId xmlns:a16="http://schemas.microsoft.com/office/drawing/2014/main" id="{3FA01595-3947-E148-BA2D-7808DDA1C3CB}"/>
+              </a:ext>
+            </a:extLst>
+          </p:cNvPr>
+          <p:cNvSpPr txBox="1">
+            <a:spLocks noChangeArrowheads="1"/>
+          </p:cNvSpPr>
+          <p:nvPr/>
+        </p:nvSpPr>
+        <p:spPr bwMode="auto">
+          <a:xfrm>
+            <a:off x="6318858" y="4325950"/>
+            <a:ext cx="4941709" cy="646331"/>
+          </a:xfrm>
+          <a:prstGeom prst="rect">
+            <a:avLst/>
+          </a:prstGeom>
+          <a:noFill/>
+          <a:ln>
+            <a:noFill/>
+          </a:ln>
+          <a:extLst>
+            <a:ext uri="{909E8E84-426E-40DD-AFC4-6F175D3DCCD1}">
+              <a14:hiddenFill xmlns:a14="http://schemas.microsoft.com/office/drawing/2010/main">
+                <a:solidFill>
+                  <a:srgbClr val="FFFFFF"/>
+                </a:solidFill>
+              </a14:hiddenFill>
+            </a:ext>
+            <a:ext uri="{91240B29-F687-4F45-9708-019B960494DF}">
+              <a14:hiddenLine xmlns:a14="http://schemas.microsoft.com/office/drawing/2010/main" w="9525">
+                <a:solidFill>
+                  <a:srgbClr val="000000"/>
+                </a:solidFill>
+                <a:miter lim="800000"/>
+                <a:headEnd/>
+                <a:tailEnd/>
+              </a14:hiddenLine>
+            </a:ext>
+          </a:extLst>
+        </p:spPr>
+        <p:txBody>
+          <a:bodyPr wrap="square">
+            <a:spAutoFit/>
+          </a:bodyPr>
+          <a:lstStyle>
+            <a:lvl1pPr>
+              <a:lnSpc>
+                <a:spcPct val="90000"/>
+              </a:lnSpc>
+              <a:spcBef>
+                <a:spcPts val="1000"/>
+              </a:spcBef>
+              <a:buFont typeface="Arial" panose="020B0604020202020204" pitchFamily="34" charset="0"/>
+              <a:buChar char="•"/>
+              <a:defRPr sz="2800">
+                <a:solidFill>
+                  <a:schemeClr val="tx1"/>
+                </a:solidFill>
+                <a:latin typeface="Calibri" panose="020F0502020204030204" pitchFamily="34" charset="0"/>
+                <a:ea typeface="宋体" panose="02010600030101010101" pitchFamily="2" charset="-122"/>
+              </a:defRPr>
+            </a:lvl1pPr>
+            <a:lvl2pPr marL="742950" indent="-285750">
+              <a:lnSpc>
+                <a:spcPct val="90000"/>
+              </a:lnSpc>
+              <a:spcBef>
+                <a:spcPts val="500"/>
+              </a:spcBef>
+              <a:buFont typeface="Arial" panose="020B0604020202020204" pitchFamily="34" charset="0"/>
+              <a:buChar char="•"/>
+              <a:defRPr sz="2400">
+                <a:solidFill>
+                  <a:schemeClr val="tx1"/>
+                </a:solidFill>
+                <a:latin typeface="Calibri" panose="020F0502020204030204" pitchFamily="34" charset="0"/>
+                <a:ea typeface="宋体" panose="02010600030101010101" pitchFamily="2" charset="-122"/>
+              </a:defRPr>
+            </a:lvl2pPr>
+            <a:lvl3pPr marL="1143000" indent="-228600">
+              <a:lnSpc>
+                <a:spcPct val="90000"/>
+              </a:lnSpc>
+              <a:spcBef>
+                <a:spcPts val="500"/>
+              </a:spcBef>
+              <a:buFont typeface="Arial" panose="020B0604020202020204" pitchFamily="34" charset="0"/>
+              <a:buChar char="•"/>
+              <a:defRPr sz="2000">
+                <a:solidFill>
+                  <a:schemeClr val="tx1"/>
+                </a:solidFill>
+                <a:latin typeface="Calibri" panose="020F0502020204030204" pitchFamily="34" charset="0"/>
+                <a:ea typeface="宋体" panose="02010600030101010101" pitchFamily="2" charset="-122"/>
+              </a:defRPr>
+            </a:lvl3pPr>
+            <a:lvl4pPr marL="1600200" indent="-228600">
+              <a:lnSpc>
+                <a:spcPct val="90000"/>
+              </a:lnSpc>
+              <a:spcBef>
+                <a:spcPts val="500"/>
+              </a:spcBef>
+              <a:buFont typeface="Arial" panose="020B0604020202020204" pitchFamily="34" charset="0"/>
+              <a:buChar char="•"/>
+              <a:defRPr>
+                <a:solidFill>
+                  <a:schemeClr val="tx1"/>
+                </a:solidFill>
+                <a:latin typeface="Calibri" panose="020F0502020204030204" pitchFamily="34" charset="0"/>
+                <a:ea typeface="宋体" panose="02010600030101010101" pitchFamily="2" charset="-122"/>
+              </a:defRPr>
+            </a:lvl4pPr>
+            <a:lvl5pPr marL="2057400" indent="-228600">
+              <a:lnSpc>
+                <a:spcPct val="90000"/>
+              </a:lnSpc>
+              <a:spcBef>
+                <a:spcPts val="500"/>
+              </a:spcBef>
+              <a:buFont typeface="Arial" panose="020B0604020202020204" pitchFamily="34" charset="0"/>
+              <a:buChar char="•"/>
+              <a:defRPr>
+                <a:solidFill>
+                  <a:schemeClr val="tx1"/>
+                </a:solidFill>
+                <a:latin typeface="Calibri" panose="020F0502020204030204" pitchFamily="34" charset="0"/>
+                <a:ea typeface="宋体" panose="02010600030101010101" pitchFamily="2" charset="-122"/>
+              </a:defRPr>
+            </a:lvl5pPr>
+            <a:lvl6pPr marL="2514600" indent="-228600" fontAlgn="base">
+              <a:lnSpc>
+                <a:spcPct val="90000"/>
+              </a:lnSpc>
+              <a:spcBef>
+                <a:spcPts val="500"/>
+              </a:spcBef>
+              <a:spcAft>
+                <a:spcPct val="0"/>
+              </a:spcAft>
+              <a:buFont typeface="Arial" panose="020B0604020202020204" pitchFamily="34" charset="0"/>
+              <a:buChar char="•"/>
+              <a:defRPr>
+                <a:solidFill>
+                  <a:schemeClr val="tx1"/>
+                </a:solidFill>
+                <a:latin typeface="Calibri" panose="020F0502020204030204" pitchFamily="34" charset="0"/>
+                <a:ea typeface="宋体" panose="02010600030101010101" pitchFamily="2" charset="-122"/>
+              </a:defRPr>
+            </a:lvl6pPr>
+            <a:lvl7pPr marL="2971800" indent="-228600" fontAlgn="base">
+              <a:lnSpc>
+                <a:spcPct val="90000"/>
+              </a:lnSpc>
+              <a:spcBef>
+                <a:spcPts val="500"/>
+              </a:spcBef>
+              <a:spcAft>
+                <a:spcPct val="0"/>
+              </a:spcAft>
+              <a:buFont typeface="Arial" panose="020B0604020202020204" pitchFamily="34" charset="0"/>
+              <a:buChar char="•"/>
+              <a:defRPr>
+                <a:solidFill>
+                  <a:schemeClr val="tx1"/>
+                </a:solidFill>
+                <a:latin typeface="Calibri" panose="020F0502020204030204" pitchFamily="34" charset="0"/>
+                <a:ea typeface="宋体" panose="02010600030101010101" pitchFamily="2" charset="-122"/>
+              </a:defRPr>
+            </a:lvl7pPr>
+            <a:lvl8pPr marL="3429000" indent="-228600" fontAlgn="base">
+              <a:lnSpc>
+                <a:spcPct val="90000"/>
+              </a:lnSpc>
+              <a:spcBef>
+                <a:spcPts val="500"/>
+              </a:spcBef>
+              <a:spcAft>
+                <a:spcPct val="0"/>
+              </a:spcAft>
+              <a:buFont typeface="Arial" panose="020B0604020202020204" pitchFamily="34" charset="0"/>
+              <a:buChar char="•"/>
+              <a:defRPr>
+                <a:solidFill>
+                  <a:schemeClr val="tx1"/>
+                </a:solidFill>
+                <a:latin typeface="Calibri" panose="020F0502020204030204" pitchFamily="34" charset="0"/>
+                <a:ea typeface="宋体" panose="02010600030101010101" pitchFamily="2" charset="-122"/>
+              </a:defRPr>
+            </a:lvl8pPr>
+            <a:lvl9pPr marL="3886200" indent="-228600" fontAlgn="base">
+              <a:lnSpc>
+                <a:spcPct val="90000"/>
+              </a:lnSpc>
+              <a:spcBef>
+                <a:spcPts val="500"/>
+              </a:spcBef>
+              <a:spcAft>
+                <a:spcPct val="0"/>
+              </a:spcAft>
+              <a:buFont typeface="Arial" panose="020B0604020202020204" pitchFamily="34" charset="0"/>
+              <a:buChar char="•"/>
+              <a:defRPr>
+                <a:solidFill>
+                  <a:schemeClr val="tx1"/>
+                </a:solidFill>
+                <a:latin typeface="Calibri" panose="020F0502020204030204" pitchFamily="34" charset="0"/>
+                <a:ea typeface="宋体" panose="02010600030101010101" pitchFamily="2" charset="-122"/>
+              </a:defRPr>
+            </a:lvl9pPr>
+          </a:lstStyle>
+          <a:p>
+            <a:pPr>
+              <a:lnSpc>
+                <a:spcPct val="100000"/>
+              </a:lnSpc>
+              <a:spcBef>
+                <a:spcPct val="0"/>
+              </a:spcBef>
+              <a:buNone/>
+            </a:pPr>
+            <a:r>
+              <a:rPr lang="zh-CN" altLang="en-US" sz="3600" b="1" dirty="0">
+                <a:solidFill>
+                  <a:schemeClr val="tx1">
+                    <a:lumMod val="65000"/>
+                    <a:lumOff val="35000"/>
+                  </a:schemeClr>
+                </a:solidFill>
+                <a:latin typeface="標楷體" panose="03000509000000000000" pitchFamily="65" charset="-120"/>
+                <a:ea typeface="標楷體" panose="03000509000000000000" pitchFamily="65" charset="-120"/>
+                <a:sym typeface="Century Gothic" panose="020B0502020202020204" pitchFamily="34" charset="0"/>
+              </a:rPr>
+              <a:t>實作成果</a:t>
+            </a:r>
+            <a:endParaRPr lang="zh-CN" altLang="en-US" sz="3600" dirty="0">
+              <a:solidFill>
+                <a:schemeClr val="tx1">
+                  <a:lumMod val="65000"/>
+                  <a:lumOff val="35000"/>
+                </a:schemeClr>
+              </a:solidFill>
+              <a:latin typeface="標楷體" panose="03000509000000000000" pitchFamily="65" charset="-120"/>
+              <a:ea typeface="標楷體" panose="03000509000000000000" pitchFamily="65" charset="-120"/>
+              <a:sym typeface="Century Gothic" panose="020B0502020202020204" pitchFamily="34" charset="0"/>
+            </a:endParaRPr>
+          </a:p>
+        </p:txBody>
+      </p:sp>
+    </p:spTree>
+    <p:extLst>
+      <p:ext uri="{BB962C8B-B14F-4D97-AF65-F5344CB8AC3E}">
+        <p14:creationId xmlns:p14="http://schemas.microsoft.com/office/powerpoint/2010/main" val="3771394359"/>
+      </p:ext>
+    </p:extLst>
+  </p:cSld>
+  <p:clrMapOvr>
+    <a:masterClrMapping/>
+  </p:clrMapOvr>
+  <p:transition spd="slow">
+    <p:randomBar dir="vert"/>
+  </p:transition>
+</p:sld>
+</file>
+
+<file path=ppt/slides/slide20.xml><?xml version="1.0" encoding="utf-8"?>
 <p:sld xmlns:a="http://schemas.openxmlformats.org/drawingml/2006/main" xmlns:r="http://schemas.openxmlformats.org/officeDocument/2006/relationships" xmlns:p="http://schemas.openxmlformats.org/presentationml/2006/main">
   <p:cSld>
     <p:spTree>
@@ -16402,1925 +18987,7 @@
 </p:sld>
 </file>
 
-<file path=ppt/slides/slide2.xml><?xml version="1.0" encoding="utf-8"?>
-<p:sld xmlns:a="http://schemas.openxmlformats.org/drawingml/2006/main" xmlns:r="http://schemas.openxmlformats.org/officeDocument/2006/relationships" xmlns:p="http://schemas.openxmlformats.org/presentationml/2006/main">
-  <p:cSld>
-    <p:spTree>
-      <p:nvGrpSpPr>
-        <p:cNvPr id="1" name=""/>
-        <p:cNvGrpSpPr/>
-        <p:nvPr/>
-      </p:nvGrpSpPr>
-      <p:grpSpPr>
-        <a:xfrm>
-          <a:off x="0" y="0"/>
-          <a:ext cx="0" cy="0"/>
-          <a:chOff x="0" y="0"/>
-          <a:chExt cx="0" cy="0"/>
-        </a:xfrm>
-      </p:grpSpPr>
-      <p:pic>
-        <p:nvPicPr>
-          <p:cNvPr id="18" name="图片 17">
-            <a:extLst>
-              <a:ext uri="{FF2B5EF4-FFF2-40B4-BE49-F238E27FC236}">
-                <a16:creationId xmlns:a16="http://schemas.microsoft.com/office/drawing/2014/main" id="{270A0E66-F383-4933-BA92-5B5C3839D9CE}"/>
-              </a:ext>
-            </a:extLst>
-          </p:cNvPr>
-          <p:cNvPicPr>
-            <a:picLocks noChangeAspect="1"/>
-          </p:cNvPicPr>
-          <p:nvPr/>
-        </p:nvPicPr>
-        <p:blipFill>
-          <a:blip r:embed="rId3" cstate="print">
-            <a:extLst>
-              <a:ext uri="{28A0092B-C50C-407E-A947-70E740481C1C}">
-                <a14:useLocalDpi xmlns:a14="http://schemas.microsoft.com/office/drawing/2010/main" val="0"/>
-              </a:ext>
-            </a:extLst>
-          </a:blip>
-          <a:stretch>
-            <a:fillRect/>
-          </a:stretch>
-        </p:blipFill>
-        <p:spPr>
-          <a:xfrm flipH="1">
-            <a:off x="0" y="-14483"/>
-            <a:ext cx="4941709" cy="6887444"/>
-          </a:xfrm>
-          <a:prstGeom prst="rect">
-            <a:avLst/>
-          </a:prstGeom>
-        </p:spPr>
-      </p:pic>
-      <p:cxnSp>
-        <p:nvCxnSpPr>
-          <p:cNvPr id="4" name="直接连接符 3"/>
-          <p:cNvCxnSpPr/>
-          <p:nvPr/>
-        </p:nvCxnSpPr>
-        <p:spPr>
-          <a:xfrm>
-            <a:off x="5500508" y="1636215"/>
-            <a:ext cx="457200" cy="0"/>
-          </a:xfrm>
-          <a:prstGeom prst="line">
-            <a:avLst/>
-          </a:prstGeom>
-          <a:ln w="76200">
-            <a:solidFill>
-              <a:srgbClr val="C2D2B5"/>
-            </a:solidFill>
-          </a:ln>
-        </p:spPr>
-        <p:style>
-          <a:lnRef idx="1">
-            <a:schemeClr val="accent1"/>
-          </a:lnRef>
-          <a:fillRef idx="0">
-            <a:schemeClr val="accent1"/>
-          </a:fillRef>
-          <a:effectRef idx="0">
-            <a:schemeClr val="accent1"/>
-          </a:effectRef>
-          <a:fontRef idx="minor">
-            <a:schemeClr val="tx1"/>
-          </a:fontRef>
-        </p:style>
-      </p:cxnSp>
-      <p:cxnSp>
-        <p:nvCxnSpPr>
-          <p:cNvPr id="36" name="直接连接符 35"/>
-          <p:cNvCxnSpPr/>
-          <p:nvPr/>
-        </p:nvCxnSpPr>
-        <p:spPr>
-          <a:xfrm>
-            <a:off x="5509652" y="3182198"/>
-            <a:ext cx="457200" cy="0"/>
-          </a:xfrm>
-          <a:prstGeom prst="line">
-            <a:avLst/>
-          </a:prstGeom>
-          <a:ln w="76200">
-            <a:solidFill>
-              <a:srgbClr val="C2D2B5"/>
-            </a:solidFill>
-          </a:ln>
-        </p:spPr>
-        <p:style>
-          <a:lnRef idx="1">
-            <a:schemeClr val="accent1"/>
-          </a:lnRef>
-          <a:fillRef idx="0">
-            <a:schemeClr val="accent1"/>
-          </a:fillRef>
-          <a:effectRef idx="0">
-            <a:schemeClr val="accent1"/>
-          </a:effectRef>
-          <a:fontRef idx="minor">
-            <a:schemeClr val="tx1"/>
-          </a:fontRef>
-        </p:style>
-      </p:cxnSp>
-      <p:sp>
-        <p:nvSpPr>
-          <p:cNvPr id="23" name="文本框 22"/>
-          <p:cNvSpPr txBox="1"/>
-          <p:nvPr/>
-        </p:nvSpPr>
-        <p:spPr>
-          <a:xfrm>
-            <a:off x="3801254" y="1294841"/>
-            <a:ext cx="800219" cy="1598415"/>
-          </a:xfrm>
-          <a:prstGeom prst="rect">
-            <a:avLst/>
-          </a:prstGeom>
-          <a:noFill/>
-        </p:spPr>
-        <p:txBody>
-          <a:bodyPr vert="eaVert" wrap="square" rtlCol="0">
-            <a:spAutoFit/>
-          </a:bodyPr>
-          <a:lstStyle/>
-          <a:p>
-            <a:pPr algn="ctr"/>
-            <a:r>
-              <a:rPr lang="zh-CN" altLang="en-US" sz="4000" dirty="0">
-                <a:solidFill>
-                  <a:schemeClr val="tx1">
-                    <a:lumMod val="75000"/>
-                    <a:lumOff val="25000"/>
-                  </a:schemeClr>
-                </a:solidFill>
-                <a:latin typeface="HanziPen SC" panose="03000300000000000000" pitchFamily="66" charset="-122"/>
-                <a:ea typeface="HanziPen SC" panose="03000300000000000000" pitchFamily="66" charset="-122"/>
-                <a:sym typeface="Century Gothic" panose="020B0502020202020204" pitchFamily="34" charset="0"/>
-              </a:rPr>
-              <a:t>目</a:t>
-            </a:r>
-            <a:r>
-              <a:rPr lang="zh-TW" altLang="en-US" sz="4000" dirty="0">
-                <a:solidFill>
-                  <a:schemeClr val="tx1">
-                    <a:lumMod val="75000"/>
-                    <a:lumOff val="25000"/>
-                  </a:schemeClr>
-                </a:solidFill>
-                <a:latin typeface="HanziPen SC" panose="03000300000000000000" pitchFamily="66" charset="-122"/>
-                <a:ea typeface="HanziPen SC" panose="03000300000000000000" pitchFamily="66" charset="-122"/>
-                <a:sym typeface="Century Gothic" panose="020B0502020202020204" pitchFamily="34" charset="0"/>
-              </a:rPr>
-              <a:t> </a:t>
-            </a:r>
-            <a:r>
-              <a:rPr lang="zh-CN" altLang="en-US" sz="4000" dirty="0">
-                <a:solidFill>
-                  <a:schemeClr val="tx1">
-                    <a:lumMod val="75000"/>
-                    <a:lumOff val="25000"/>
-                  </a:schemeClr>
-                </a:solidFill>
-                <a:latin typeface="HanziPen SC" panose="03000300000000000000" pitchFamily="66" charset="-122"/>
-                <a:ea typeface="HanziPen SC" panose="03000300000000000000" pitchFamily="66" charset="-122"/>
-                <a:sym typeface="Century Gothic" panose="020B0502020202020204" pitchFamily="34" charset="0"/>
-              </a:rPr>
-              <a:t>錄</a:t>
-            </a:r>
-          </a:p>
-        </p:txBody>
-      </p:sp>
-      <p:sp>
-        <p:nvSpPr>
-          <p:cNvPr id="24" name="TextBox 13"/>
-          <p:cNvSpPr txBox="1">
-            <a:spLocks noChangeArrowheads="1"/>
-          </p:cNvSpPr>
-          <p:nvPr/>
-        </p:nvSpPr>
-        <p:spPr bwMode="auto">
-          <a:xfrm>
-            <a:off x="3580859" y="2534276"/>
-            <a:ext cx="246221" cy="1228447"/>
-          </a:xfrm>
-          <a:prstGeom prst="rect">
-            <a:avLst/>
-          </a:prstGeom>
-          <a:noFill/>
-          <a:ln>
-            <a:noFill/>
-          </a:ln>
-          <a:extLst>
-            <a:ext uri="{909E8E84-426E-40DD-AFC4-6F175D3DCCD1}">
-              <a14:hiddenFill xmlns:a14="http://schemas.microsoft.com/office/drawing/2010/main">
-                <a:solidFill>
-                  <a:srgbClr val="FFFFFF"/>
-                </a:solidFill>
-              </a14:hiddenFill>
-            </a:ext>
-            <a:ext uri="{91240B29-F687-4F45-9708-019B960494DF}">
-              <a14:hiddenLine xmlns:a14="http://schemas.microsoft.com/office/drawing/2010/main" w="9525">
-                <a:solidFill>
-                  <a:srgbClr val="000000"/>
-                </a:solidFill>
-                <a:miter lim="800000"/>
-                <a:headEnd/>
-                <a:tailEnd/>
-              </a14:hiddenLine>
-            </a:ext>
-          </a:extLst>
-        </p:spPr>
-        <p:txBody>
-          <a:bodyPr vert="eaVert" wrap="square" lIns="0" tIns="0" rIns="0" bIns="0">
-            <a:spAutoFit/>
-          </a:bodyPr>
-          <a:lstStyle>
-            <a:lvl1pPr defTabSz="1216025">
-              <a:defRPr>
-                <a:solidFill>
-                  <a:schemeClr val="tx1"/>
-                </a:solidFill>
-                <a:latin typeface="Calibri" panose="020F0502020204030204" pitchFamily="34" charset="0"/>
-                <a:ea typeface="宋体" panose="02010600030101010101" pitchFamily="2" charset="-122"/>
-              </a:defRPr>
-            </a:lvl1pPr>
-            <a:lvl2pPr marL="742950" indent="-285750" defTabSz="1216025">
-              <a:defRPr>
-                <a:solidFill>
-                  <a:schemeClr val="tx1"/>
-                </a:solidFill>
-                <a:latin typeface="Calibri" panose="020F0502020204030204" pitchFamily="34" charset="0"/>
-                <a:ea typeface="宋体" panose="02010600030101010101" pitchFamily="2" charset="-122"/>
-              </a:defRPr>
-            </a:lvl2pPr>
-            <a:lvl3pPr marL="1143000" indent="-228600" defTabSz="1216025">
-              <a:defRPr>
-                <a:solidFill>
-                  <a:schemeClr val="tx1"/>
-                </a:solidFill>
-                <a:latin typeface="Calibri" panose="020F0502020204030204" pitchFamily="34" charset="0"/>
-                <a:ea typeface="宋体" panose="02010600030101010101" pitchFamily="2" charset="-122"/>
-              </a:defRPr>
-            </a:lvl3pPr>
-            <a:lvl4pPr marL="1600200" indent="-228600" defTabSz="1216025">
-              <a:defRPr>
-                <a:solidFill>
-                  <a:schemeClr val="tx1"/>
-                </a:solidFill>
-                <a:latin typeface="Calibri" panose="020F0502020204030204" pitchFamily="34" charset="0"/>
-                <a:ea typeface="宋体" panose="02010600030101010101" pitchFamily="2" charset="-122"/>
-              </a:defRPr>
-            </a:lvl4pPr>
-            <a:lvl5pPr marL="2057400" indent="-228600" defTabSz="1216025">
-              <a:defRPr>
-                <a:solidFill>
-                  <a:schemeClr val="tx1"/>
-                </a:solidFill>
-                <a:latin typeface="Calibri" panose="020F0502020204030204" pitchFamily="34" charset="0"/>
-                <a:ea typeface="宋体" panose="02010600030101010101" pitchFamily="2" charset="-122"/>
-              </a:defRPr>
-            </a:lvl5pPr>
-            <a:lvl6pPr marL="2514600" indent="-228600" defTabSz="1216025" fontAlgn="base">
-              <a:spcBef>
-                <a:spcPct val="0"/>
-              </a:spcBef>
-              <a:spcAft>
-                <a:spcPct val="0"/>
-              </a:spcAft>
-              <a:defRPr>
-                <a:solidFill>
-                  <a:schemeClr val="tx1"/>
-                </a:solidFill>
-                <a:latin typeface="Calibri" panose="020F0502020204030204" pitchFamily="34" charset="0"/>
-                <a:ea typeface="宋体" panose="02010600030101010101" pitchFamily="2" charset="-122"/>
-              </a:defRPr>
-            </a:lvl6pPr>
-            <a:lvl7pPr marL="2971800" indent="-228600" defTabSz="1216025" fontAlgn="base">
-              <a:spcBef>
-                <a:spcPct val="0"/>
-              </a:spcBef>
-              <a:spcAft>
-                <a:spcPct val="0"/>
-              </a:spcAft>
-              <a:defRPr>
-                <a:solidFill>
-                  <a:schemeClr val="tx1"/>
-                </a:solidFill>
-                <a:latin typeface="Calibri" panose="020F0502020204030204" pitchFamily="34" charset="0"/>
-                <a:ea typeface="宋体" panose="02010600030101010101" pitchFamily="2" charset="-122"/>
-              </a:defRPr>
-            </a:lvl7pPr>
-            <a:lvl8pPr marL="3429000" indent="-228600" defTabSz="1216025" fontAlgn="base">
-              <a:spcBef>
-                <a:spcPct val="0"/>
-              </a:spcBef>
-              <a:spcAft>
-                <a:spcPct val="0"/>
-              </a:spcAft>
-              <a:defRPr>
-                <a:solidFill>
-                  <a:schemeClr val="tx1"/>
-                </a:solidFill>
-                <a:latin typeface="Calibri" panose="020F0502020204030204" pitchFamily="34" charset="0"/>
-                <a:ea typeface="宋体" panose="02010600030101010101" pitchFamily="2" charset="-122"/>
-              </a:defRPr>
-            </a:lvl8pPr>
-            <a:lvl9pPr marL="3886200" indent="-228600" defTabSz="1216025" fontAlgn="base">
-              <a:spcBef>
-                <a:spcPct val="0"/>
-              </a:spcBef>
-              <a:spcAft>
-                <a:spcPct val="0"/>
-              </a:spcAft>
-              <a:defRPr>
-                <a:solidFill>
-                  <a:schemeClr val="tx1"/>
-                </a:solidFill>
-                <a:latin typeface="Calibri" panose="020F0502020204030204" pitchFamily="34" charset="0"/>
-                <a:ea typeface="宋体" panose="02010600030101010101" pitchFamily="2" charset="-122"/>
-              </a:defRPr>
-            </a:lvl9pPr>
-          </a:lstStyle>
-          <a:p>
-            <a:pPr algn="dist">
-              <a:spcBef>
-                <a:spcPct val="20000"/>
-              </a:spcBef>
-            </a:pPr>
-            <a:r>
-              <a:rPr lang="en-US" altLang="zh-CN" sz="1600" b="1" i="1" dirty="0">
-                <a:solidFill>
-                  <a:schemeClr val="tx1">
-                    <a:lumMod val="75000"/>
-                    <a:lumOff val="25000"/>
-                  </a:schemeClr>
-                </a:solidFill>
-                <a:latin typeface="Century Gothic" panose="020B0502020202020204" pitchFamily="34" charset="0"/>
-                <a:ea typeface="思源黑体 CN Normal" panose="020B0400000000000000" pitchFamily="34" charset="-122"/>
-                <a:sym typeface="Century Gothic" panose="020B0502020202020204" pitchFamily="34" charset="0"/>
-              </a:rPr>
-              <a:t>CONTENTS</a:t>
-            </a:r>
-          </a:p>
-        </p:txBody>
-      </p:sp>
-      <p:sp>
-        <p:nvSpPr>
-          <p:cNvPr id="25" name="文本框 15"/>
-          <p:cNvSpPr txBox="1">
-            <a:spLocks noChangeArrowheads="1"/>
-          </p:cNvSpPr>
-          <p:nvPr/>
-        </p:nvSpPr>
-        <p:spPr bwMode="auto">
-          <a:xfrm>
-            <a:off x="6318858" y="1129086"/>
-            <a:ext cx="3467571" cy="646331"/>
-          </a:xfrm>
-          <a:prstGeom prst="rect">
-            <a:avLst/>
-          </a:prstGeom>
-          <a:noFill/>
-          <a:ln>
-            <a:noFill/>
-          </a:ln>
-          <a:extLst>
-            <a:ext uri="{909E8E84-426E-40DD-AFC4-6F175D3DCCD1}">
-              <a14:hiddenFill xmlns:a14="http://schemas.microsoft.com/office/drawing/2010/main">
-                <a:solidFill>
-                  <a:srgbClr val="FFFFFF"/>
-                </a:solidFill>
-              </a14:hiddenFill>
-            </a:ext>
-            <a:ext uri="{91240B29-F687-4F45-9708-019B960494DF}">
-              <a14:hiddenLine xmlns:a14="http://schemas.microsoft.com/office/drawing/2010/main" w="9525">
-                <a:solidFill>
-                  <a:srgbClr val="000000"/>
-                </a:solidFill>
-                <a:miter lim="800000"/>
-                <a:headEnd/>
-                <a:tailEnd/>
-              </a14:hiddenLine>
-            </a:ext>
-          </a:extLst>
-        </p:spPr>
-        <p:txBody>
-          <a:bodyPr wrap="square">
-            <a:spAutoFit/>
-          </a:bodyPr>
-          <a:lstStyle>
-            <a:lvl1pPr>
-              <a:lnSpc>
-                <a:spcPct val="90000"/>
-              </a:lnSpc>
-              <a:spcBef>
-                <a:spcPts val="1000"/>
-              </a:spcBef>
-              <a:buFont typeface="Arial" panose="020B0604020202020204" pitchFamily="34" charset="0"/>
-              <a:buChar char="•"/>
-              <a:defRPr sz="2800">
-                <a:solidFill>
-                  <a:schemeClr val="tx1"/>
-                </a:solidFill>
-                <a:latin typeface="Calibri" panose="020F0502020204030204" pitchFamily="34" charset="0"/>
-                <a:ea typeface="宋体" panose="02010600030101010101" pitchFamily="2" charset="-122"/>
-              </a:defRPr>
-            </a:lvl1pPr>
-            <a:lvl2pPr marL="742950" indent="-285750">
-              <a:lnSpc>
-                <a:spcPct val="90000"/>
-              </a:lnSpc>
-              <a:spcBef>
-                <a:spcPts val="500"/>
-              </a:spcBef>
-              <a:buFont typeface="Arial" panose="020B0604020202020204" pitchFamily="34" charset="0"/>
-              <a:buChar char="•"/>
-              <a:defRPr sz="2400">
-                <a:solidFill>
-                  <a:schemeClr val="tx1"/>
-                </a:solidFill>
-                <a:latin typeface="Calibri" panose="020F0502020204030204" pitchFamily="34" charset="0"/>
-                <a:ea typeface="宋体" panose="02010600030101010101" pitchFamily="2" charset="-122"/>
-              </a:defRPr>
-            </a:lvl2pPr>
-            <a:lvl3pPr marL="1143000" indent="-228600">
-              <a:lnSpc>
-                <a:spcPct val="90000"/>
-              </a:lnSpc>
-              <a:spcBef>
-                <a:spcPts val="500"/>
-              </a:spcBef>
-              <a:buFont typeface="Arial" panose="020B0604020202020204" pitchFamily="34" charset="0"/>
-              <a:buChar char="•"/>
-              <a:defRPr sz="2000">
-                <a:solidFill>
-                  <a:schemeClr val="tx1"/>
-                </a:solidFill>
-                <a:latin typeface="Calibri" panose="020F0502020204030204" pitchFamily="34" charset="0"/>
-                <a:ea typeface="宋体" panose="02010600030101010101" pitchFamily="2" charset="-122"/>
-              </a:defRPr>
-            </a:lvl3pPr>
-            <a:lvl4pPr marL="1600200" indent="-228600">
-              <a:lnSpc>
-                <a:spcPct val="90000"/>
-              </a:lnSpc>
-              <a:spcBef>
-                <a:spcPts val="500"/>
-              </a:spcBef>
-              <a:buFont typeface="Arial" panose="020B0604020202020204" pitchFamily="34" charset="0"/>
-              <a:buChar char="•"/>
-              <a:defRPr>
-                <a:solidFill>
-                  <a:schemeClr val="tx1"/>
-                </a:solidFill>
-                <a:latin typeface="Calibri" panose="020F0502020204030204" pitchFamily="34" charset="0"/>
-                <a:ea typeface="宋体" panose="02010600030101010101" pitchFamily="2" charset="-122"/>
-              </a:defRPr>
-            </a:lvl4pPr>
-            <a:lvl5pPr marL="2057400" indent="-228600">
-              <a:lnSpc>
-                <a:spcPct val="90000"/>
-              </a:lnSpc>
-              <a:spcBef>
-                <a:spcPts val="500"/>
-              </a:spcBef>
-              <a:buFont typeface="Arial" panose="020B0604020202020204" pitchFamily="34" charset="0"/>
-              <a:buChar char="•"/>
-              <a:defRPr>
-                <a:solidFill>
-                  <a:schemeClr val="tx1"/>
-                </a:solidFill>
-                <a:latin typeface="Calibri" panose="020F0502020204030204" pitchFamily="34" charset="0"/>
-                <a:ea typeface="宋体" panose="02010600030101010101" pitchFamily="2" charset="-122"/>
-              </a:defRPr>
-            </a:lvl5pPr>
-            <a:lvl6pPr marL="2514600" indent="-228600" fontAlgn="base">
-              <a:lnSpc>
-                <a:spcPct val="90000"/>
-              </a:lnSpc>
-              <a:spcBef>
-                <a:spcPts val="500"/>
-              </a:spcBef>
-              <a:spcAft>
-                <a:spcPct val="0"/>
-              </a:spcAft>
-              <a:buFont typeface="Arial" panose="020B0604020202020204" pitchFamily="34" charset="0"/>
-              <a:buChar char="•"/>
-              <a:defRPr>
-                <a:solidFill>
-                  <a:schemeClr val="tx1"/>
-                </a:solidFill>
-                <a:latin typeface="Calibri" panose="020F0502020204030204" pitchFamily="34" charset="0"/>
-                <a:ea typeface="宋体" panose="02010600030101010101" pitchFamily="2" charset="-122"/>
-              </a:defRPr>
-            </a:lvl6pPr>
-            <a:lvl7pPr marL="2971800" indent="-228600" fontAlgn="base">
-              <a:lnSpc>
-                <a:spcPct val="90000"/>
-              </a:lnSpc>
-              <a:spcBef>
-                <a:spcPts val="500"/>
-              </a:spcBef>
-              <a:spcAft>
-                <a:spcPct val="0"/>
-              </a:spcAft>
-              <a:buFont typeface="Arial" panose="020B0604020202020204" pitchFamily="34" charset="0"/>
-              <a:buChar char="•"/>
-              <a:defRPr>
-                <a:solidFill>
-                  <a:schemeClr val="tx1"/>
-                </a:solidFill>
-                <a:latin typeface="Calibri" panose="020F0502020204030204" pitchFamily="34" charset="0"/>
-                <a:ea typeface="宋体" panose="02010600030101010101" pitchFamily="2" charset="-122"/>
-              </a:defRPr>
-            </a:lvl7pPr>
-            <a:lvl8pPr marL="3429000" indent="-228600" fontAlgn="base">
-              <a:lnSpc>
-                <a:spcPct val="90000"/>
-              </a:lnSpc>
-              <a:spcBef>
-                <a:spcPts val="500"/>
-              </a:spcBef>
-              <a:spcAft>
-                <a:spcPct val="0"/>
-              </a:spcAft>
-              <a:buFont typeface="Arial" panose="020B0604020202020204" pitchFamily="34" charset="0"/>
-              <a:buChar char="•"/>
-              <a:defRPr>
-                <a:solidFill>
-                  <a:schemeClr val="tx1"/>
-                </a:solidFill>
-                <a:latin typeface="Calibri" panose="020F0502020204030204" pitchFamily="34" charset="0"/>
-                <a:ea typeface="宋体" panose="02010600030101010101" pitchFamily="2" charset="-122"/>
-              </a:defRPr>
-            </a:lvl8pPr>
-            <a:lvl9pPr marL="3886200" indent="-228600" fontAlgn="base">
-              <a:lnSpc>
-                <a:spcPct val="90000"/>
-              </a:lnSpc>
-              <a:spcBef>
-                <a:spcPts val="500"/>
-              </a:spcBef>
-              <a:spcAft>
-                <a:spcPct val="0"/>
-              </a:spcAft>
-              <a:buFont typeface="Arial" panose="020B0604020202020204" pitchFamily="34" charset="0"/>
-              <a:buChar char="•"/>
-              <a:defRPr>
-                <a:solidFill>
-                  <a:schemeClr val="tx1"/>
-                </a:solidFill>
-                <a:latin typeface="Calibri" panose="020F0502020204030204" pitchFamily="34" charset="0"/>
-                <a:ea typeface="宋体" panose="02010600030101010101" pitchFamily="2" charset="-122"/>
-              </a:defRPr>
-            </a:lvl9pPr>
-          </a:lstStyle>
-          <a:p>
-            <a:pPr>
-              <a:lnSpc>
-                <a:spcPct val="100000"/>
-              </a:lnSpc>
-              <a:spcBef>
-                <a:spcPct val="0"/>
-              </a:spcBef>
-              <a:buNone/>
-            </a:pPr>
-            <a:r>
-              <a:rPr lang="zh-CN" altLang="en-US" sz="3600" b="1" dirty="0">
-                <a:solidFill>
-                  <a:schemeClr val="tx1">
-                    <a:lumMod val="65000"/>
-                    <a:lumOff val="35000"/>
-                  </a:schemeClr>
-                </a:solidFill>
-                <a:latin typeface="標楷體" panose="03000509000000000000" pitchFamily="65" charset="-120"/>
-                <a:ea typeface="標楷體" panose="03000509000000000000" pitchFamily="65" charset="-120"/>
-                <a:sym typeface="Century Gothic" panose="020B0502020202020204" pitchFamily="34" charset="0"/>
-              </a:rPr>
-              <a:t>背景與目的</a:t>
-            </a:r>
-          </a:p>
-        </p:txBody>
-      </p:sp>
-      <p:sp>
-        <p:nvSpPr>
-          <p:cNvPr id="40" name="文本框 18"/>
-          <p:cNvSpPr txBox="1">
-            <a:spLocks noChangeArrowheads="1"/>
-          </p:cNvSpPr>
-          <p:nvPr/>
-        </p:nvSpPr>
-        <p:spPr bwMode="auto">
-          <a:xfrm>
-            <a:off x="5318881" y="2727902"/>
-            <a:ext cx="838472" cy="584775"/>
-          </a:xfrm>
-          <a:prstGeom prst="rect">
-            <a:avLst/>
-          </a:prstGeom>
-          <a:noFill/>
-          <a:ln>
-            <a:noFill/>
-          </a:ln>
-          <a:extLst>
-            <a:ext uri="{909E8E84-426E-40DD-AFC4-6F175D3DCCD1}">
-              <a14:hiddenFill xmlns:a14="http://schemas.microsoft.com/office/drawing/2010/main">
-                <a:solidFill>
-                  <a:srgbClr val="FFFFFF"/>
-                </a:solidFill>
-              </a14:hiddenFill>
-            </a:ext>
-            <a:ext uri="{91240B29-F687-4F45-9708-019B960494DF}">
-              <a14:hiddenLine xmlns:a14="http://schemas.microsoft.com/office/drawing/2010/main" w="9525">
-                <a:solidFill>
-                  <a:srgbClr val="000000"/>
-                </a:solidFill>
-                <a:miter lim="800000"/>
-                <a:headEnd/>
-                <a:tailEnd/>
-              </a14:hiddenLine>
-            </a:ext>
-          </a:extLst>
-        </p:spPr>
-        <p:txBody>
-          <a:bodyPr wrap="square">
-            <a:spAutoFit/>
-          </a:bodyPr>
-          <a:lstStyle>
-            <a:lvl1pPr>
-              <a:lnSpc>
-                <a:spcPct val="90000"/>
-              </a:lnSpc>
-              <a:spcBef>
-                <a:spcPts val="1000"/>
-              </a:spcBef>
-              <a:buFont typeface="Arial" panose="020B0604020202020204" pitchFamily="34" charset="0"/>
-              <a:buChar char="•"/>
-              <a:defRPr sz="2800">
-                <a:solidFill>
-                  <a:schemeClr val="tx1"/>
-                </a:solidFill>
-                <a:latin typeface="Calibri" panose="020F0502020204030204" pitchFamily="34" charset="0"/>
-                <a:ea typeface="宋体" panose="02010600030101010101" pitchFamily="2" charset="-122"/>
-              </a:defRPr>
-            </a:lvl1pPr>
-            <a:lvl2pPr marL="742950" indent="-285750">
-              <a:lnSpc>
-                <a:spcPct val="90000"/>
-              </a:lnSpc>
-              <a:spcBef>
-                <a:spcPts val="500"/>
-              </a:spcBef>
-              <a:buFont typeface="Arial" panose="020B0604020202020204" pitchFamily="34" charset="0"/>
-              <a:buChar char="•"/>
-              <a:defRPr sz="2400">
-                <a:solidFill>
-                  <a:schemeClr val="tx1"/>
-                </a:solidFill>
-                <a:latin typeface="Calibri" panose="020F0502020204030204" pitchFamily="34" charset="0"/>
-                <a:ea typeface="宋体" panose="02010600030101010101" pitchFamily="2" charset="-122"/>
-              </a:defRPr>
-            </a:lvl2pPr>
-            <a:lvl3pPr marL="1143000" indent="-228600">
-              <a:lnSpc>
-                <a:spcPct val="90000"/>
-              </a:lnSpc>
-              <a:spcBef>
-                <a:spcPts val="500"/>
-              </a:spcBef>
-              <a:buFont typeface="Arial" panose="020B0604020202020204" pitchFamily="34" charset="0"/>
-              <a:buChar char="•"/>
-              <a:defRPr sz="2000">
-                <a:solidFill>
-                  <a:schemeClr val="tx1"/>
-                </a:solidFill>
-                <a:latin typeface="Calibri" panose="020F0502020204030204" pitchFamily="34" charset="0"/>
-                <a:ea typeface="宋体" panose="02010600030101010101" pitchFamily="2" charset="-122"/>
-              </a:defRPr>
-            </a:lvl3pPr>
-            <a:lvl4pPr marL="1600200" indent="-228600">
-              <a:lnSpc>
-                <a:spcPct val="90000"/>
-              </a:lnSpc>
-              <a:spcBef>
-                <a:spcPts val="500"/>
-              </a:spcBef>
-              <a:buFont typeface="Arial" panose="020B0604020202020204" pitchFamily="34" charset="0"/>
-              <a:buChar char="•"/>
-              <a:defRPr>
-                <a:solidFill>
-                  <a:schemeClr val="tx1"/>
-                </a:solidFill>
-                <a:latin typeface="Calibri" panose="020F0502020204030204" pitchFamily="34" charset="0"/>
-                <a:ea typeface="宋体" panose="02010600030101010101" pitchFamily="2" charset="-122"/>
-              </a:defRPr>
-            </a:lvl4pPr>
-            <a:lvl5pPr marL="2057400" indent="-228600">
-              <a:lnSpc>
-                <a:spcPct val="90000"/>
-              </a:lnSpc>
-              <a:spcBef>
-                <a:spcPts val="500"/>
-              </a:spcBef>
-              <a:buFont typeface="Arial" panose="020B0604020202020204" pitchFamily="34" charset="0"/>
-              <a:buChar char="•"/>
-              <a:defRPr>
-                <a:solidFill>
-                  <a:schemeClr val="tx1"/>
-                </a:solidFill>
-                <a:latin typeface="Calibri" panose="020F0502020204030204" pitchFamily="34" charset="0"/>
-                <a:ea typeface="宋体" panose="02010600030101010101" pitchFamily="2" charset="-122"/>
-              </a:defRPr>
-            </a:lvl5pPr>
-            <a:lvl6pPr marL="2514600" indent="-228600" fontAlgn="base">
-              <a:lnSpc>
-                <a:spcPct val="90000"/>
-              </a:lnSpc>
-              <a:spcBef>
-                <a:spcPts val="500"/>
-              </a:spcBef>
-              <a:spcAft>
-                <a:spcPct val="0"/>
-              </a:spcAft>
-              <a:buFont typeface="Arial" panose="020B0604020202020204" pitchFamily="34" charset="0"/>
-              <a:buChar char="•"/>
-              <a:defRPr>
-                <a:solidFill>
-                  <a:schemeClr val="tx1"/>
-                </a:solidFill>
-                <a:latin typeface="Calibri" panose="020F0502020204030204" pitchFamily="34" charset="0"/>
-                <a:ea typeface="宋体" panose="02010600030101010101" pitchFamily="2" charset="-122"/>
-              </a:defRPr>
-            </a:lvl6pPr>
-            <a:lvl7pPr marL="2971800" indent="-228600" fontAlgn="base">
-              <a:lnSpc>
-                <a:spcPct val="90000"/>
-              </a:lnSpc>
-              <a:spcBef>
-                <a:spcPts val="500"/>
-              </a:spcBef>
-              <a:spcAft>
-                <a:spcPct val="0"/>
-              </a:spcAft>
-              <a:buFont typeface="Arial" panose="020B0604020202020204" pitchFamily="34" charset="0"/>
-              <a:buChar char="•"/>
-              <a:defRPr>
-                <a:solidFill>
-                  <a:schemeClr val="tx1"/>
-                </a:solidFill>
-                <a:latin typeface="Calibri" panose="020F0502020204030204" pitchFamily="34" charset="0"/>
-                <a:ea typeface="宋体" panose="02010600030101010101" pitchFamily="2" charset="-122"/>
-              </a:defRPr>
-            </a:lvl7pPr>
-            <a:lvl8pPr marL="3429000" indent="-228600" fontAlgn="base">
-              <a:lnSpc>
-                <a:spcPct val="90000"/>
-              </a:lnSpc>
-              <a:spcBef>
-                <a:spcPts val="500"/>
-              </a:spcBef>
-              <a:spcAft>
-                <a:spcPct val="0"/>
-              </a:spcAft>
-              <a:buFont typeface="Arial" panose="020B0604020202020204" pitchFamily="34" charset="0"/>
-              <a:buChar char="•"/>
-              <a:defRPr>
-                <a:solidFill>
-                  <a:schemeClr val="tx1"/>
-                </a:solidFill>
-                <a:latin typeface="Calibri" panose="020F0502020204030204" pitchFamily="34" charset="0"/>
-                <a:ea typeface="宋体" panose="02010600030101010101" pitchFamily="2" charset="-122"/>
-              </a:defRPr>
-            </a:lvl8pPr>
-            <a:lvl9pPr marL="3886200" indent="-228600" fontAlgn="base">
-              <a:lnSpc>
-                <a:spcPct val="90000"/>
-              </a:lnSpc>
-              <a:spcBef>
-                <a:spcPts val="500"/>
-              </a:spcBef>
-              <a:spcAft>
-                <a:spcPct val="0"/>
-              </a:spcAft>
-              <a:buFont typeface="Arial" panose="020B0604020202020204" pitchFamily="34" charset="0"/>
-              <a:buChar char="•"/>
-              <a:defRPr>
-                <a:solidFill>
-                  <a:schemeClr val="tx1"/>
-                </a:solidFill>
-                <a:latin typeface="Calibri" panose="020F0502020204030204" pitchFamily="34" charset="0"/>
-                <a:ea typeface="宋体" panose="02010600030101010101" pitchFamily="2" charset="-122"/>
-              </a:defRPr>
-            </a:lvl9pPr>
-          </a:lstStyle>
-          <a:p>
-            <a:pPr algn="ctr" eaLnBrk="1" hangingPunct="1">
-              <a:lnSpc>
-                <a:spcPct val="100000"/>
-              </a:lnSpc>
-              <a:spcBef>
-                <a:spcPct val="0"/>
-              </a:spcBef>
-              <a:buFontTx/>
-              <a:buNone/>
-            </a:pPr>
-            <a:r>
-              <a:rPr lang="en-US" altLang="zh-CN" sz="3200" b="1" dirty="0">
-                <a:solidFill>
-                  <a:schemeClr val="tx1">
-                    <a:lumMod val="75000"/>
-                    <a:lumOff val="25000"/>
-                  </a:schemeClr>
-                </a:solidFill>
-                <a:latin typeface="標楷體" panose="03000509000000000000" pitchFamily="65" charset="-120"/>
-                <a:ea typeface="標楷體" panose="03000509000000000000" pitchFamily="65" charset="-120"/>
-                <a:sym typeface="Century Gothic" panose="020B0502020202020204" pitchFamily="34" charset="0"/>
-              </a:rPr>
-              <a:t>02</a:t>
-            </a:r>
-            <a:endParaRPr lang="zh-CN" altLang="en-US" sz="3200" b="1" dirty="0">
-              <a:solidFill>
-                <a:schemeClr val="tx1">
-                  <a:lumMod val="75000"/>
-                  <a:lumOff val="25000"/>
-                </a:schemeClr>
-              </a:solidFill>
-              <a:latin typeface="標楷體" panose="03000509000000000000" pitchFamily="65" charset="-120"/>
-              <a:ea typeface="標楷體" panose="03000509000000000000" pitchFamily="65" charset="-120"/>
-              <a:sym typeface="Century Gothic" panose="020B0502020202020204" pitchFamily="34" charset="0"/>
-            </a:endParaRPr>
-          </a:p>
-        </p:txBody>
-      </p:sp>
-      <p:sp>
-        <p:nvSpPr>
-          <p:cNvPr id="42" name="文本框 14"/>
-          <p:cNvSpPr txBox="1">
-            <a:spLocks noChangeArrowheads="1"/>
-          </p:cNvSpPr>
-          <p:nvPr/>
-        </p:nvSpPr>
-        <p:spPr bwMode="auto">
-          <a:xfrm>
-            <a:off x="5176231" y="1188144"/>
-            <a:ext cx="1123773" cy="584775"/>
-          </a:xfrm>
-          <a:prstGeom prst="rect">
-            <a:avLst/>
-          </a:prstGeom>
-          <a:noFill/>
-          <a:ln>
-            <a:noFill/>
-          </a:ln>
-          <a:extLst>
-            <a:ext uri="{909E8E84-426E-40DD-AFC4-6F175D3DCCD1}">
-              <a14:hiddenFill xmlns:a14="http://schemas.microsoft.com/office/drawing/2010/main">
-                <a:solidFill>
-                  <a:srgbClr val="FFFFFF"/>
-                </a:solidFill>
-              </a14:hiddenFill>
-            </a:ext>
-            <a:ext uri="{91240B29-F687-4F45-9708-019B960494DF}">
-              <a14:hiddenLine xmlns:a14="http://schemas.microsoft.com/office/drawing/2010/main" w="9525">
-                <a:solidFill>
-                  <a:srgbClr val="000000"/>
-                </a:solidFill>
-                <a:miter lim="800000"/>
-                <a:headEnd/>
-                <a:tailEnd/>
-              </a14:hiddenLine>
-            </a:ext>
-          </a:extLst>
-        </p:spPr>
-        <p:txBody>
-          <a:bodyPr>
-            <a:spAutoFit/>
-          </a:bodyPr>
-          <a:lstStyle>
-            <a:lvl1pPr>
-              <a:lnSpc>
-                <a:spcPct val="90000"/>
-              </a:lnSpc>
-              <a:spcBef>
-                <a:spcPts val="1000"/>
-              </a:spcBef>
-              <a:buFont typeface="Arial" panose="020B0604020202020204" pitchFamily="34" charset="0"/>
-              <a:buChar char="•"/>
-              <a:defRPr sz="2800">
-                <a:solidFill>
-                  <a:schemeClr val="tx1"/>
-                </a:solidFill>
-                <a:latin typeface="Calibri" panose="020F0502020204030204" pitchFamily="34" charset="0"/>
-                <a:ea typeface="宋体" panose="02010600030101010101" pitchFamily="2" charset="-122"/>
-              </a:defRPr>
-            </a:lvl1pPr>
-            <a:lvl2pPr marL="742950" indent="-285750">
-              <a:lnSpc>
-                <a:spcPct val="90000"/>
-              </a:lnSpc>
-              <a:spcBef>
-                <a:spcPts val="500"/>
-              </a:spcBef>
-              <a:buFont typeface="Arial" panose="020B0604020202020204" pitchFamily="34" charset="0"/>
-              <a:buChar char="•"/>
-              <a:defRPr sz="2400">
-                <a:solidFill>
-                  <a:schemeClr val="tx1"/>
-                </a:solidFill>
-                <a:latin typeface="Calibri" panose="020F0502020204030204" pitchFamily="34" charset="0"/>
-                <a:ea typeface="宋体" panose="02010600030101010101" pitchFamily="2" charset="-122"/>
-              </a:defRPr>
-            </a:lvl2pPr>
-            <a:lvl3pPr marL="1143000" indent="-228600">
-              <a:lnSpc>
-                <a:spcPct val="90000"/>
-              </a:lnSpc>
-              <a:spcBef>
-                <a:spcPts val="500"/>
-              </a:spcBef>
-              <a:buFont typeface="Arial" panose="020B0604020202020204" pitchFamily="34" charset="0"/>
-              <a:buChar char="•"/>
-              <a:defRPr sz="2000">
-                <a:solidFill>
-                  <a:schemeClr val="tx1"/>
-                </a:solidFill>
-                <a:latin typeface="Calibri" panose="020F0502020204030204" pitchFamily="34" charset="0"/>
-                <a:ea typeface="宋体" panose="02010600030101010101" pitchFamily="2" charset="-122"/>
-              </a:defRPr>
-            </a:lvl3pPr>
-            <a:lvl4pPr marL="1600200" indent="-228600">
-              <a:lnSpc>
-                <a:spcPct val="90000"/>
-              </a:lnSpc>
-              <a:spcBef>
-                <a:spcPts val="500"/>
-              </a:spcBef>
-              <a:buFont typeface="Arial" panose="020B0604020202020204" pitchFamily="34" charset="0"/>
-              <a:buChar char="•"/>
-              <a:defRPr>
-                <a:solidFill>
-                  <a:schemeClr val="tx1"/>
-                </a:solidFill>
-                <a:latin typeface="Calibri" panose="020F0502020204030204" pitchFamily="34" charset="0"/>
-                <a:ea typeface="宋体" panose="02010600030101010101" pitchFamily="2" charset="-122"/>
-              </a:defRPr>
-            </a:lvl4pPr>
-            <a:lvl5pPr marL="2057400" indent="-228600">
-              <a:lnSpc>
-                <a:spcPct val="90000"/>
-              </a:lnSpc>
-              <a:spcBef>
-                <a:spcPts val="500"/>
-              </a:spcBef>
-              <a:buFont typeface="Arial" panose="020B0604020202020204" pitchFamily="34" charset="0"/>
-              <a:buChar char="•"/>
-              <a:defRPr>
-                <a:solidFill>
-                  <a:schemeClr val="tx1"/>
-                </a:solidFill>
-                <a:latin typeface="Calibri" panose="020F0502020204030204" pitchFamily="34" charset="0"/>
-                <a:ea typeface="宋体" panose="02010600030101010101" pitchFamily="2" charset="-122"/>
-              </a:defRPr>
-            </a:lvl5pPr>
-            <a:lvl6pPr marL="2514600" indent="-228600" fontAlgn="base">
-              <a:lnSpc>
-                <a:spcPct val="90000"/>
-              </a:lnSpc>
-              <a:spcBef>
-                <a:spcPts val="500"/>
-              </a:spcBef>
-              <a:spcAft>
-                <a:spcPct val="0"/>
-              </a:spcAft>
-              <a:buFont typeface="Arial" panose="020B0604020202020204" pitchFamily="34" charset="0"/>
-              <a:buChar char="•"/>
-              <a:defRPr>
-                <a:solidFill>
-                  <a:schemeClr val="tx1"/>
-                </a:solidFill>
-                <a:latin typeface="Calibri" panose="020F0502020204030204" pitchFamily="34" charset="0"/>
-                <a:ea typeface="宋体" panose="02010600030101010101" pitchFamily="2" charset="-122"/>
-              </a:defRPr>
-            </a:lvl6pPr>
-            <a:lvl7pPr marL="2971800" indent="-228600" fontAlgn="base">
-              <a:lnSpc>
-                <a:spcPct val="90000"/>
-              </a:lnSpc>
-              <a:spcBef>
-                <a:spcPts val="500"/>
-              </a:spcBef>
-              <a:spcAft>
-                <a:spcPct val="0"/>
-              </a:spcAft>
-              <a:buFont typeface="Arial" panose="020B0604020202020204" pitchFamily="34" charset="0"/>
-              <a:buChar char="•"/>
-              <a:defRPr>
-                <a:solidFill>
-                  <a:schemeClr val="tx1"/>
-                </a:solidFill>
-                <a:latin typeface="Calibri" panose="020F0502020204030204" pitchFamily="34" charset="0"/>
-                <a:ea typeface="宋体" panose="02010600030101010101" pitchFamily="2" charset="-122"/>
-              </a:defRPr>
-            </a:lvl7pPr>
-            <a:lvl8pPr marL="3429000" indent="-228600" fontAlgn="base">
-              <a:lnSpc>
-                <a:spcPct val="90000"/>
-              </a:lnSpc>
-              <a:spcBef>
-                <a:spcPts val="500"/>
-              </a:spcBef>
-              <a:spcAft>
-                <a:spcPct val="0"/>
-              </a:spcAft>
-              <a:buFont typeface="Arial" panose="020B0604020202020204" pitchFamily="34" charset="0"/>
-              <a:buChar char="•"/>
-              <a:defRPr>
-                <a:solidFill>
-                  <a:schemeClr val="tx1"/>
-                </a:solidFill>
-                <a:latin typeface="Calibri" panose="020F0502020204030204" pitchFamily="34" charset="0"/>
-                <a:ea typeface="宋体" panose="02010600030101010101" pitchFamily="2" charset="-122"/>
-              </a:defRPr>
-            </a:lvl8pPr>
-            <a:lvl9pPr marL="3886200" indent="-228600" fontAlgn="base">
-              <a:lnSpc>
-                <a:spcPct val="90000"/>
-              </a:lnSpc>
-              <a:spcBef>
-                <a:spcPts val="500"/>
-              </a:spcBef>
-              <a:spcAft>
-                <a:spcPct val="0"/>
-              </a:spcAft>
-              <a:buFont typeface="Arial" panose="020B0604020202020204" pitchFamily="34" charset="0"/>
-              <a:buChar char="•"/>
-              <a:defRPr>
-                <a:solidFill>
-                  <a:schemeClr val="tx1"/>
-                </a:solidFill>
-                <a:latin typeface="Calibri" panose="020F0502020204030204" pitchFamily="34" charset="0"/>
-                <a:ea typeface="宋体" panose="02010600030101010101" pitchFamily="2" charset="-122"/>
-              </a:defRPr>
-            </a:lvl9pPr>
-          </a:lstStyle>
-          <a:p>
-            <a:pPr algn="ctr" eaLnBrk="1" hangingPunct="1">
-              <a:lnSpc>
-                <a:spcPct val="100000"/>
-              </a:lnSpc>
-              <a:spcBef>
-                <a:spcPct val="0"/>
-              </a:spcBef>
-              <a:buFontTx/>
-              <a:buNone/>
-            </a:pPr>
-            <a:r>
-              <a:rPr lang="en-US" altLang="zh-CN" sz="3200" b="1" dirty="0">
-                <a:solidFill>
-                  <a:schemeClr val="tx1">
-                    <a:lumMod val="75000"/>
-                    <a:lumOff val="25000"/>
-                  </a:schemeClr>
-                </a:solidFill>
-                <a:latin typeface="標楷體" panose="03000509000000000000" pitchFamily="65" charset="-120"/>
-                <a:ea typeface="標楷體" panose="03000509000000000000" pitchFamily="65" charset="-120"/>
-                <a:sym typeface="Century Gothic" panose="020B0502020202020204" pitchFamily="34" charset="0"/>
-              </a:rPr>
-              <a:t>01</a:t>
-            </a:r>
-            <a:endParaRPr lang="zh-CN" altLang="en-US" sz="3200" b="1" dirty="0">
-              <a:solidFill>
-                <a:schemeClr val="tx1">
-                  <a:lumMod val="75000"/>
-                  <a:lumOff val="25000"/>
-                </a:schemeClr>
-              </a:solidFill>
-              <a:latin typeface="標楷體" panose="03000509000000000000" pitchFamily="65" charset="-120"/>
-              <a:ea typeface="標楷體" panose="03000509000000000000" pitchFamily="65" charset="-120"/>
-              <a:sym typeface="Century Gothic" panose="020B0502020202020204" pitchFamily="34" charset="0"/>
-            </a:endParaRPr>
-          </a:p>
-        </p:txBody>
-      </p:sp>
-      <p:sp>
-        <p:nvSpPr>
-          <p:cNvPr id="19" name="文本框 15">
-            <a:extLst>
-              <a:ext uri="{FF2B5EF4-FFF2-40B4-BE49-F238E27FC236}">
-                <a16:creationId xmlns:a16="http://schemas.microsoft.com/office/drawing/2014/main" id="{90CDC7BB-53FE-4271-985A-8D7E494F5103}"/>
-              </a:ext>
-            </a:extLst>
-          </p:cNvPr>
-          <p:cNvSpPr txBox="1">
-            <a:spLocks noChangeArrowheads="1"/>
-          </p:cNvSpPr>
-          <p:nvPr/>
-        </p:nvSpPr>
-        <p:spPr bwMode="auto">
-          <a:xfrm>
-            <a:off x="6304014" y="2755218"/>
-            <a:ext cx="3731191" cy="590931"/>
-          </a:xfrm>
-          <a:prstGeom prst="rect">
-            <a:avLst/>
-          </a:prstGeom>
-          <a:noFill/>
-          <a:ln>
-            <a:noFill/>
-          </a:ln>
-          <a:extLst>
-            <a:ext uri="{909E8E84-426E-40DD-AFC4-6F175D3DCCD1}">
-              <a14:hiddenFill xmlns:a14="http://schemas.microsoft.com/office/drawing/2010/main">
-                <a:solidFill>
-                  <a:srgbClr val="FFFFFF"/>
-                </a:solidFill>
-              </a14:hiddenFill>
-            </a:ext>
-            <a:ext uri="{91240B29-F687-4F45-9708-019B960494DF}">
-              <a14:hiddenLine xmlns:a14="http://schemas.microsoft.com/office/drawing/2010/main" w="9525">
-                <a:solidFill>
-                  <a:srgbClr val="000000"/>
-                </a:solidFill>
-                <a:miter lim="800000"/>
-                <a:headEnd/>
-                <a:tailEnd/>
-              </a14:hiddenLine>
-            </a:ext>
-          </a:extLst>
-        </p:spPr>
-        <p:txBody>
-          <a:bodyPr wrap="square">
-            <a:spAutoFit/>
-          </a:bodyPr>
-          <a:lstStyle>
-            <a:lvl1pPr>
-              <a:lnSpc>
-                <a:spcPct val="90000"/>
-              </a:lnSpc>
-              <a:spcBef>
-                <a:spcPts val="1000"/>
-              </a:spcBef>
-              <a:buFont typeface="Arial" panose="020B0604020202020204" pitchFamily="34" charset="0"/>
-              <a:buChar char="•"/>
-              <a:defRPr sz="2800">
-                <a:solidFill>
-                  <a:schemeClr val="tx1"/>
-                </a:solidFill>
-                <a:latin typeface="Calibri" panose="020F0502020204030204" pitchFamily="34" charset="0"/>
-                <a:ea typeface="宋体" panose="02010600030101010101" pitchFamily="2" charset="-122"/>
-              </a:defRPr>
-            </a:lvl1pPr>
-            <a:lvl2pPr marL="742950" indent="-285750">
-              <a:lnSpc>
-                <a:spcPct val="90000"/>
-              </a:lnSpc>
-              <a:spcBef>
-                <a:spcPts val="500"/>
-              </a:spcBef>
-              <a:buFont typeface="Arial" panose="020B0604020202020204" pitchFamily="34" charset="0"/>
-              <a:buChar char="•"/>
-              <a:defRPr sz="2400">
-                <a:solidFill>
-                  <a:schemeClr val="tx1"/>
-                </a:solidFill>
-                <a:latin typeface="Calibri" panose="020F0502020204030204" pitchFamily="34" charset="0"/>
-                <a:ea typeface="宋体" panose="02010600030101010101" pitchFamily="2" charset="-122"/>
-              </a:defRPr>
-            </a:lvl2pPr>
-            <a:lvl3pPr marL="1143000" indent="-228600">
-              <a:lnSpc>
-                <a:spcPct val="90000"/>
-              </a:lnSpc>
-              <a:spcBef>
-                <a:spcPts val="500"/>
-              </a:spcBef>
-              <a:buFont typeface="Arial" panose="020B0604020202020204" pitchFamily="34" charset="0"/>
-              <a:buChar char="•"/>
-              <a:defRPr sz="2000">
-                <a:solidFill>
-                  <a:schemeClr val="tx1"/>
-                </a:solidFill>
-                <a:latin typeface="Calibri" panose="020F0502020204030204" pitchFamily="34" charset="0"/>
-                <a:ea typeface="宋体" panose="02010600030101010101" pitchFamily="2" charset="-122"/>
-              </a:defRPr>
-            </a:lvl3pPr>
-            <a:lvl4pPr marL="1600200" indent="-228600">
-              <a:lnSpc>
-                <a:spcPct val="90000"/>
-              </a:lnSpc>
-              <a:spcBef>
-                <a:spcPts val="500"/>
-              </a:spcBef>
-              <a:buFont typeface="Arial" panose="020B0604020202020204" pitchFamily="34" charset="0"/>
-              <a:buChar char="•"/>
-              <a:defRPr>
-                <a:solidFill>
-                  <a:schemeClr val="tx1"/>
-                </a:solidFill>
-                <a:latin typeface="Calibri" panose="020F0502020204030204" pitchFamily="34" charset="0"/>
-                <a:ea typeface="宋体" panose="02010600030101010101" pitchFamily="2" charset="-122"/>
-              </a:defRPr>
-            </a:lvl4pPr>
-            <a:lvl5pPr marL="2057400" indent="-228600">
-              <a:lnSpc>
-                <a:spcPct val="90000"/>
-              </a:lnSpc>
-              <a:spcBef>
-                <a:spcPts val="500"/>
-              </a:spcBef>
-              <a:buFont typeface="Arial" panose="020B0604020202020204" pitchFamily="34" charset="0"/>
-              <a:buChar char="•"/>
-              <a:defRPr>
-                <a:solidFill>
-                  <a:schemeClr val="tx1"/>
-                </a:solidFill>
-                <a:latin typeface="Calibri" panose="020F0502020204030204" pitchFamily="34" charset="0"/>
-                <a:ea typeface="宋体" panose="02010600030101010101" pitchFamily="2" charset="-122"/>
-              </a:defRPr>
-            </a:lvl5pPr>
-            <a:lvl6pPr marL="2514600" indent="-228600" fontAlgn="base">
-              <a:lnSpc>
-                <a:spcPct val="90000"/>
-              </a:lnSpc>
-              <a:spcBef>
-                <a:spcPts val="500"/>
-              </a:spcBef>
-              <a:spcAft>
-                <a:spcPct val="0"/>
-              </a:spcAft>
-              <a:buFont typeface="Arial" panose="020B0604020202020204" pitchFamily="34" charset="0"/>
-              <a:buChar char="•"/>
-              <a:defRPr>
-                <a:solidFill>
-                  <a:schemeClr val="tx1"/>
-                </a:solidFill>
-                <a:latin typeface="Calibri" panose="020F0502020204030204" pitchFamily="34" charset="0"/>
-                <a:ea typeface="宋体" panose="02010600030101010101" pitchFamily="2" charset="-122"/>
-              </a:defRPr>
-            </a:lvl6pPr>
-            <a:lvl7pPr marL="2971800" indent="-228600" fontAlgn="base">
-              <a:lnSpc>
-                <a:spcPct val="90000"/>
-              </a:lnSpc>
-              <a:spcBef>
-                <a:spcPts val="500"/>
-              </a:spcBef>
-              <a:spcAft>
-                <a:spcPct val="0"/>
-              </a:spcAft>
-              <a:buFont typeface="Arial" panose="020B0604020202020204" pitchFamily="34" charset="0"/>
-              <a:buChar char="•"/>
-              <a:defRPr>
-                <a:solidFill>
-                  <a:schemeClr val="tx1"/>
-                </a:solidFill>
-                <a:latin typeface="Calibri" panose="020F0502020204030204" pitchFamily="34" charset="0"/>
-                <a:ea typeface="宋体" panose="02010600030101010101" pitchFamily="2" charset="-122"/>
-              </a:defRPr>
-            </a:lvl7pPr>
-            <a:lvl8pPr marL="3429000" indent="-228600" fontAlgn="base">
-              <a:lnSpc>
-                <a:spcPct val="90000"/>
-              </a:lnSpc>
-              <a:spcBef>
-                <a:spcPts val="500"/>
-              </a:spcBef>
-              <a:spcAft>
-                <a:spcPct val="0"/>
-              </a:spcAft>
-              <a:buFont typeface="Arial" panose="020B0604020202020204" pitchFamily="34" charset="0"/>
-              <a:buChar char="•"/>
-              <a:defRPr>
-                <a:solidFill>
-                  <a:schemeClr val="tx1"/>
-                </a:solidFill>
-                <a:latin typeface="Calibri" panose="020F0502020204030204" pitchFamily="34" charset="0"/>
-                <a:ea typeface="宋体" panose="02010600030101010101" pitchFamily="2" charset="-122"/>
-              </a:defRPr>
-            </a:lvl8pPr>
-            <a:lvl9pPr marL="3886200" indent="-228600" fontAlgn="base">
-              <a:lnSpc>
-                <a:spcPct val="90000"/>
-              </a:lnSpc>
-              <a:spcBef>
-                <a:spcPts val="500"/>
-              </a:spcBef>
-              <a:spcAft>
-                <a:spcPct val="0"/>
-              </a:spcAft>
-              <a:buFont typeface="Arial" panose="020B0604020202020204" pitchFamily="34" charset="0"/>
-              <a:buChar char="•"/>
-              <a:defRPr>
-                <a:solidFill>
-                  <a:schemeClr val="tx1"/>
-                </a:solidFill>
-                <a:latin typeface="Calibri" panose="020F0502020204030204" pitchFamily="34" charset="0"/>
-                <a:ea typeface="宋体" panose="02010600030101010101" pitchFamily="2" charset="-122"/>
-              </a:defRPr>
-            </a:lvl9pPr>
-          </a:lstStyle>
-          <a:p>
-            <a:pPr lvl="0">
-              <a:buNone/>
-            </a:pPr>
-            <a:r>
-              <a:rPr lang="zh-TW" altLang="en-US" sz="3600" b="1" dirty="0">
-                <a:solidFill>
-                  <a:schemeClr val="tx1">
-                    <a:lumMod val="65000"/>
-                    <a:lumOff val="35000"/>
-                  </a:schemeClr>
-                </a:solidFill>
-                <a:latin typeface="標楷體" panose="03000509000000000000" pitchFamily="65" charset="-120"/>
-                <a:ea typeface="標楷體" panose="03000509000000000000" pitchFamily="65" charset="-120"/>
-              </a:rPr>
-              <a:t>系統或實驗設計</a:t>
-            </a:r>
-            <a:endParaRPr lang="zh-TW" altLang="zh-TW" sz="3600" dirty="0">
-              <a:solidFill>
-                <a:schemeClr val="tx1">
-                  <a:lumMod val="65000"/>
-                  <a:lumOff val="35000"/>
-                </a:schemeClr>
-              </a:solidFill>
-              <a:latin typeface="標楷體" panose="03000509000000000000" pitchFamily="65" charset="-120"/>
-              <a:ea typeface="標楷體" panose="03000509000000000000" pitchFamily="65" charset="-120"/>
-            </a:endParaRPr>
-          </a:p>
-        </p:txBody>
-      </p:sp>
-      <p:cxnSp>
-        <p:nvCxnSpPr>
-          <p:cNvPr id="22" name="直接连接符 36">
-            <a:extLst>
-              <a:ext uri="{FF2B5EF4-FFF2-40B4-BE49-F238E27FC236}">
-                <a16:creationId xmlns:a16="http://schemas.microsoft.com/office/drawing/2014/main" id="{AB6D3334-2954-8740-8C5E-5004BC4CDC3E}"/>
-              </a:ext>
-            </a:extLst>
-          </p:cNvPr>
-          <p:cNvCxnSpPr/>
-          <p:nvPr/>
-        </p:nvCxnSpPr>
-        <p:spPr>
-          <a:xfrm>
-            <a:off x="5501246" y="4823714"/>
-            <a:ext cx="457200" cy="0"/>
-          </a:xfrm>
-          <a:prstGeom prst="line">
-            <a:avLst/>
-          </a:prstGeom>
-          <a:ln w="76200">
-            <a:solidFill>
-              <a:srgbClr val="C2D2B5"/>
-            </a:solidFill>
-          </a:ln>
-        </p:spPr>
-        <p:style>
-          <a:lnRef idx="1">
-            <a:schemeClr val="accent1"/>
-          </a:lnRef>
-          <a:fillRef idx="0">
-            <a:schemeClr val="accent1"/>
-          </a:fillRef>
-          <a:effectRef idx="0">
-            <a:schemeClr val="accent1"/>
-          </a:effectRef>
-          <a:fontRef idx="minor">
-            <a:schemeClr val="tx1"/>
-          </a:fontRef>
-        </p:style>
-      </p:cxnSp>
-      <p:sp>
-        <p:nvSpPr>
-          <p:cNvPr id="27" name="文本框 20">
-            <a:extLst>
-              <a:ext uri="{FF2B5EF4-FFF2-40B4-BE49-F238E27FC236}">
-                <a16:creationId xmlns:a16="http://schemas.microsoft.com/office/drawing/2014/main" id="{047A3712-90D9-0C4B-888D-68B5A9219868}"/>
-              </a:ext>
-            </a:extLst>
-          </p:cNvPr>
-          <p:cNvSpPr txBox="1">
-            <a:spLocks noChangeArrowheads="1"/>
-          </p:cNvSpPr>
-          <p:nvPr/>
-        </p:nvSpPr>
-        <p:spPr bwMode="auto">
-          <a:xfrm>
-            <a:off x="5167254" y="4387506"/>
-            <a:ext cx="1123708" cy="584775"/>
-          </a:xfrm>
-          <a:prstGeom prst="rect">
-            <a:avLst/>
-          </a:prstGeom>
-          <a:noFill/>
-          <a:ln>
-            <a:noFill/>
-          </a:ln>
-          <a:extLst>
-            <a:ext uri="{909E8E84-426E-40DD-AFC4-6F175D3DCCD1}">
-              <a14:hiddenFill xmlns:a14="http://schemas.microsoft.com/office/drawing/2010/main">
-                <a:solidFill>
-                  <a:srgbClr val="FFFFFF"/>
-                </a:solidFill>
-              </a14:hiddenFill>
-            </a:ext>
-            <a:ext uri="{91240B29-F687-4F45-9708-019B960494DF}">
-              <a14:hiddenLine xmlns:a14="http://schemas.microsoft.com/office/drawing/2010/main" w="9525">
-                <a:solidFill>
-                  <a:srgbClr val="000000"/>
-                </a:solidFill>
-                <a:miter lim="800000"/>
-                <a:headEnd/>
-                <a:tailEnd/>
-              </a14:hiddenLine>
-            </a:ext>
-          </a:extLst>
-        </p:spPr>
-        <p:txBody>
-          <a:bodyPr>
-            <a:spAutoFit/>
-          </a:bodyPr>
-          <a:lstStyle>
-            <a:lvl1pPr>
-              <a:lnSpc>
-                <a:spcPct val="90000"/>
-              </a:lnSpc>
-              <a:spcBef>
-                <a:spcPts val="1000"/>
-              </a:spcBef>
-              <a:buFont typeface="Arial" panose="020B0604020202020204" pitchFamily="34" charset="0"/>
-              <a:buChar char="•"/>
-              <a:defRPr sz="2800">
-                <a:solidFill>
-                  <a:schemeClr val="tx1"/>
-                </a:solidFill>
-                <a:latin typeface="Calibri" panose="020F0502020204030204" pitchFamily="34" charset="0"/>
-                <a:ea typeface="宋体" panose="02010600030101010101" pitchFamily="2" charset="-122"/>
-              </a:defRPr>
-            </a:lvl1pPr>
-            <a:lvl2pPr marL="742950" indent="-285750">
-              <a:lnSpc>
-                <a:spcPct val="90000"/>
-              </a:lnSpc>
-              <a:spcBef>
-                <a:spcPts val="500"/>
-              </a:spcBef>
-              <a:buFont typeface="Arial" panose="020B0604020202020204" pitchFamily="34" charset="0"/>
-              <a:buChar char="•"/>
-              <a:defRPr sz="2400">
-                <a:solidFill>
-                  <a:schemeClr val="tx1"/>
-                </a:solidFill>
-                <a:latin typeface="Calibri" panose="020F0502020204030204" pitchFamily="34" charset="0"/>
-                <a:ea typeface="宋体" panose="02010600030101010101" pitchFamily="2" charset="-122"/>
-              </a:defRPr>
-            </a:lvl2pPr>
-            <a:lvl3pPr marL="1143000" indent="-228600">
-              <a:lnSpc>
-                <a:spcPct val="90000"/>
-              </a:lnSpc>
-              <a:spcBef>
-                <a:spcPts val="500"/>
-              </a:spcBef>
-              <a:buFont typeface="Arial" panose="020B0604020202020204" pitchFamily="34" charset="0"/>
-              <a:buChar char="•"/>
-              <a:defRPr sz="2000">
-                <a:solidFill>
-                  <a:schemeClr val="tx1"/>
-                </a:solidFill>
-                <a:latin typeface="Calibri" panose="020F0502020204030204" pitchFamily="34" charset="0"/>
-                <a:ea typeface="宋体" panose="02010600030101010101" pitchFamily="2" charset="-122"/>
-              </a:defRPr>
-            </a:lvl3pPr>
-            <a:lvl4pPr marL="1600200" indent="-228600">
-              <a:lnSpc>
-                <a:spcPct val="90000"/>
-              </a:lnSpc>
-              <a:spcBef>
-                <a:spcPts val="500"/>
-              </a:spcBef>
-              <a:buFont typeface="Arial" panose="020B0604020202020204" pitchFamily="34" charset="0"/>
-              <a:buChar char="•"/>
-              <a:defRPr>
-                <a:solidFill>
-                  <a:schemeClr val="tx1"/>
-                </a:solidFill>
-                <a:latin typeface="Calibri" panose="020F0502020204030204" pitchFamily="34" charset="0"/>
-                <a:ea typeface="宋体" panose="02010600030101010101" pitchFamily="2" charset="-122"/>
-              </a:defRPr>
-            </a:lvl4pPr>
-            <a:lvl5pPr marL="2057400" indent="-228600">
-              <a:lnSpc>
-                <a:spcPct val="90000"/>
-              </a:lnSpc>
-              <a:spcBef>
-                <a:spcPts val="500"/>
-              </a:spcBef>
-              <a:buFont typeface="Arial" panose="020B0604020202020204" pitchFamily="34" charset="0"/>
-              <a:buChar char="•"/>
-              <a:defRPr>
-                <a:solidFill>
-                  <a:schemeClr val="tx1"/>
-                </a:solidFill>
-                <a:latin typeface="Calibri" panose="020F0502020204030204" pitchFamily="34" charset="0"/>
-                <a:ea typeface="宋体" panose="02010600030101010101" pitchFamily="2" charset="-122"/>
-              </a:defRPr>
-            </a:lvl5pPr>
-            <a:lvl6pPr marL="2514600" indent="-228600" fontAlgn="base">
-              <a:lnSpc>
-                <a:spcPct val="90000"/>
-              </a:lnSpc>
-              <a:spcBef>
-                <a:spcPts val="500"/>
-              </a:spcBef>
-              <a:spcAft>
-                <a:spcPct val="0"/>
-              </a:spcAft>
-              <a:buFont typeface="Arial" panose="020B0604020202020204" pitchFamily="34" charset="0"/>
-              <a:buChar char="•"/>
-              <a:defRPr>
-                <a:solidFill>
-                  <a:schemeClr val="tx1"/>
-                </a:solidFill>
-                <a:latin typeface="Calibri" panose="020F0502020204030204" pitchFamily="34" charset="0"/>
-                <a:ea typeface="宋体" panose="02010600030101010101" pitchFamily="2" charset="-122"/>
-              </a:defRPr>
-            </a:lvl6pPr>
-            <a:lvl7pPr marL="2971800" indent="-228600" fontAlgn="base">
-              <a:lnSpc>
-                <a:spcPct val="90000"/>
-              </a:lnSpc>
-              <a:spcBef>
-                <a:spcPts val="500"/>
-              </a:spcBef>
-              <a:spcAft>
-                <a:spcPct val="0"/>
-              </a:spcAft>
-              <a:buFont typeface="Arial" panose="020B0604020202020204" pitchFamily="34" charset="0"/>
-              <a:buChar char="•"/>
-              <a:defRPr>
-                <a:solidFill>
-                  <a:schemeClr val="tx1"/>
-                </a:solidFill>
-                <a:latin typeface="Calibri" panose="020F0502020204030204" pitchFamily="34" charset="0"/>
-                <a:ea typeface="宋体" panose="02010600030101010101" pitchFamily="2" charset="-122"/>
-              </a:defRPr>
-            </a:lvl7pPr>
-            <a:lvl8pPr marL="3429000" indent="-228600" fontAlgn="base">
-              <a:lnSpc>
-                <a:spcPct val="90000"/>
-              </a:lnSpc>
-              <a:spcBef>
-                <a:spcPts val="500"/>
-              </a:spcBef>
-              <a:spcAft>
-                <a:spcPct val="0"/>
-              </a:spcAft>
-              <a:buFont typeface="Arial" panose="020B0604020202020204" pitchFamily="34" charset="0"/>
-              <a:buChar char="•"/>
-              <a:defRPr>
-                <a:solidFill>
-                  <a:schemeClr val="tx1"/>
-                </a:solidFill>
-                <a:latin typeface="Calibri" panose="020F0502020204030204" pitchFamily="34" charset="0"/>
-                <a:ea typeface="宋体" panose="02010600030101010101" pitchFamily="2" charset="-122"/>
-              </a:defRPr>
-            </a:lvl8pPr>
-            <a:lvl9pPr marL="3886200" indent="-228600" fontAlgn="base">
-              <a:lnSpc>
-                <a:spcPct val="90000"/>
-              </a:lnSpc>
-              <a:spcBef>
-                <a:spcPts val="500"/>
-              </a:spcBef>
-              <a:spcAft>
-                <a:spcPct val="0"/>
-              </a:spcAft>
-              <a:buFont typeface="Arial" panose="020B0604020202020204" pitchFamily="34" charset="0"/>
-              <a:buChar char="•"/>
-              <a:defRPr>
-                <a:solidFill>
-                  <a:schemeClr val="tx1"/>
-                </a:solidFill>
-                <a:latin typeface="Calibri" panose="020F0502020204030204" pitchFamily="34" charset="0"/>
-                <a:ea typeface="宋体" panose="02010600030101010101" pitchFamily="2" charset="-122"/>
-              </a:defRPr>
-            </a:lvl9pPr>
-          </a:lstStyle>
-          <a:p>
-            <a:pPr algn="ctr" eaLnBrk="1" hangingPunct="1">
-              <a:lnSpc>
-                <a:spcPct val="100000"/>
-              </a:lnSpc>
-              <a:spcBef>
-                <a:spcPct val="0"/>
-              </a:spcBef>
-              <a:buFontTx/>
-              <a:buNone/>
-            </a:pPr>
-            <a:r>
-              <a:rPr lang="en-US" altLang="zh-CN" sz="3200" b="1" dirty="0">
-                <a:solidFill>
-                  <a:schemeClr val="tx1">
-                    <a:lumMod val="75000"/>
-                    <a:lumOff val="25000"/>
-                  </a:schemeClr>
-                </a:solidFill>
-                <a:latin typeface="標楷體" panose="03000509000000000000" pitchFamily="65" charset="-120"/>
-                <a:ea typeface="標楷體" panose="03000509000000000000" pitchFamily="65" charset="-120"/>
-                <a:sym typeface="Century Gothic" panose="020B0502020202020204" pitchFamily="34" charset="0"/>
-              </a:rPr>
-              <a:t>03</a:t>
-            </a:r>
-            <a:endParaRPr lang="zh-CN" altLang="en-US" sz="3200" b="1" dirty="0">
-              <a:solidFill>
-                <a:schemeClr val="tx1">
-                  <a:lumMod val="75000"/>
-                  <a:lumOff val="25000"/>
-                </a:schemeClr>
-              </a:solidFill>
-              <a:latin typeface="標楷體" panose="03000509000000000000" pitchFamily="65" charset="-120"/>
-              <a:ea typeface="標楷體" panose="03000509000000000000" pitchFamily="65" charset="-120"/>
-              <a:sym typeface="Century Gothic" panose="020B0502020202020204" pitchFamily="34" charset="0"/>
-            </a:endParaRPr>
-          </a:p>
-        </p:txBody>
-      </p:sp>
-      <p:sp>
-        <p:nvSpPr>
-          <p:cNvPr id="29" name="文本框 15">
-            <a:extLst>
-              <a:ext uri="{FF2B5EF4-FFF2-40B4-BE49-F238E27FC236}">
-                <a16:creationId xmlns:a16="http://schemas.microsoft.com/office/drawing/2014/main" id="{3FA01595-3947-E148-BA2D-7808DDA1C3CB}"/>
-              </a:ext>
-            </a:extLst>
-          </p:cNvPr>
-          <p:cNvSpPr txBox="1">
-            <a:spLocks noChangeArrowheads="1"/>
-          </p:cNvSpPr>
-          <p:nvPr/>
-        </p:nvSpPr>
-        <p:spPr bwMode="auto">
-          <a:xfrm>
-            <a:off x="6318858" y="4325950"/>
-            <a:ext cx="4941709" cy="646331"/>
-          </a:xfrm>
-          <a:prstGeom prst="rect">
-            <a:avLst/>
-          </a:prstGeom>
-          <a:noFill/>
-          <a:ln>
-            <a:noFill/>
-          </a:ln>
-          <a:extLst>
-            <a:ext uri="{909E8E84-426E-40DD-AFC4-6F175D3DCCD1}">
-              <a14:hiddenFill xmlns:a14="http://schemas.microsoft.com/office/drawing/2010/main">
-                <a:solidFill>
-                  <a:srgbClr val="FFFFFF"/>
-                </a:solidFill>
-              </a14:hiddenFill>
-            </a:ext>
-            <a:ext uri="{91240B29-F687-4F45-9708-019B960494DF}">
-              <a14:hiddenLine xmlns:a14="http://schemas.microsoft.com/office/drawing/2010/main" w="9525">
-                <a:solidFill>
-                  <a:srgbClr val="000000"/>
-                </a:solidFill>
-                <a:miter lim="800000"/>
-                <a:headEnd/>
-                <a:tailEnd/>
-              </a14:hiddenLine>
-            </a:ext>
-          </a:extLst>
-        </p:spPr>
-        <p:txBody>
-          <a:bodyPr wrap="square">
-            <a:spAutoFit/>
-          </a:bodyPr>
-          <a:lstStyle>
-            <a:lvl1pPr>
-              <a:lnSpc>
-                <a:spcPct val="90000"/>
-              </a:lnSpc>
-              <a:spcBef>
-                <a:spcPts val="1000"/>
-              </a:spcBef>
-              <a:buFont typeface="Arial" panose="020B0604020202020204" pitchFamily="34" charset="0"/>
-              <a:buChar char="•"/>
-              <a:defRPr sz="2800">
-                <a:solidFill>
-                  <a:schemeClr val="tx1"/>
-                </a:solidFill>
-                <a:latin typeface="Calibri" panose="020F0502020204030204" pitchFamily="34" charset="0"/>
-                <a:ea typeface="宋体" panose="02010600030101010101" pitchFamily="2" charset="-122"/>
-              </a:defRPr>
-            </a:lvl1pPr>
-            <a:lvl2pPr marL="742950" indent="-285750">
-              <a:lnSpc>
-                <a:spcPct val="90000"/>
-              </a:lnSpc>
-              <a:spcBef>
-                <a:spcPts val="500"/>
-              </a:spcBef>
-              <a:buFont typeface="Arial" panose="020B0604020202020204" pitchFamily="34" charset="0"/>
-              <a:buChar char="•"/>
-              <a:defRPr sz="2400">
-                <a:solidFill>
-                  <a:schemeClr val="tx1"/>
-                </a:solidFill>
-                <a:latin typeface="Calibri" panose="020F0502020204030204" pitchFamily="34" charset="0"/>
-                <a:ea typeface="宋体" panose="02010600030101010101" pitchFamily="2" charset="-122"/>
-              </a:defRPr>
-            </a:lvl2pPr>
-            <a:lvl3pPr marL="1143000" indent="-228600">
-              <a:lnSpc>
-                <a:spcPct val="90000"/>
-              </a:lnSpc>
-              <a:spcBef>
-                <a:spcPts val="500"/>
-              </a:spcBef>
-              <a:buFont typeface="Arial" panose="020B0604020202020204" pitchFamily="34" charset="0"/>
-              <a:buChar char="•"/>
-              <a:defRPr sz="2000">
-                <a:solidFill>
-                  <a:schemeClr val="tx1"/>
-                </a:solidFill>
-                <a:latin typeface="Calibri" panose="020F0502020204030204" pitchFamily="34" charset="0"/>
-                <a:ea typeface="宋体" panose="02010600030101010101" pitchFamily="2" charset="-122"/>
-              </a:defRPr>
-            </a:lvl3pPr>
-            <a:lvl4pPr marL="1600200" indent="-228600">
-              <a:lnSpc>
-                <a:spcPct val="90000"/>
-              </a:lnSpc>
-              <a:spcBef>
-                <a:spcPts val="500"/>
-              </a:spcBef>
-              <a:buFont typeface="Arial" panose="020B0604020202020204" pitchFamily="34" charset="0"/>
-              <a:buChar char="•"/>
-              <a:defRPr>
-                <a:solidFill>
-                  <a:schemeClr val="tx1"/>
-                </a:solidFill>
-                <a:latin typeface="Calibri" panose="020F0502020204030204" pitchFamily="34" charset="0"/>
-                <a:ea typeface="宋体" panose="02010600030101010101" pitchFamily="2" charset="-122"/>
-              </a:defRPr>
-            </a:lvl4pPr>
-            <a:lvl5pPr marL="2057400" indent="-228600">
-              <a:lnSpc>
-                <a:spcPct val="90000"/>
-              </a:lnSpc>
-              <a:spcBef>
-                <a:spcPts val="500"/>
-              </a:spcBef>
-              <a:buFont typeface="Arial" panose="020B0604020202020204" pitchFamily="34" charset="0"/>
-              <a:buChar char="•"/>
-              <a:defRPr>
-                <a:solidFill>
-                  <a:schemeClr val="tx1"/>
-                </a:solidFill>
-                <a:latin typeface="Calibri" panose="020F0502020204030204" pitchFamily="34" charset="0"/>
-                <a:ea typeface="宋体" panose="02010600030101010101" pitchFamily="2" charset="-122"/>
-              </a:defRPr>
-            </a:lvl5pPr>
-            <a:lvl6pPr marL="2514600" indent="-228600" fontAlgn="base">
-              <a:lnSpc>
-                <a:spcPct val="90000"/>
-              </a:lnSpc>
-              <a:spcBef>
-                <a:spcPts val="500"/>
-              </a:spcBef>
-              <a:spcAft>
-                <a:spcPct val="0"/>
-              </a:spcAft>
-              <a:buFont typeface="Arial" panose="020B0604020202020204" pitchFamily="34" charset="0"/>
-              <a:buChar char="•"/>
-              <a:defRPr>
-                <a:solidFill>
-                  <a:schemeClr val="tx1"/>
-                </a:solidFill>
-                <a:latin typeface="Calibri" panose="020F0502020204030204" pitchFamily="34" charset="0"/>
-                <a:ea typeface="宋体" panose="02010600030101010101" pitchFamily="2" charset="-122"/>
-              </a:defRPr>
-            </a:lvl6pPr>
-            <a:lvl7pPr marL="2971800" indent="-228600" fontAlgn="base">
-              <a:lnSpc>
-                <a:spcPct val="90000"/>
-              </a:lnSpc>
-              <a:spcBef>
-                <a:spcPts val="500"/>
-              </a:spcBef>
-              <a:spcAft>
-                <a:spcPct val="0"/>
-              </a:spcAft>
-              <a:buFont typeface="Arial" panose="020B0604020202020204" pitchFamily="34" charset="0"/>
-              <a:buChar char="•"/>
-              <a:defRPr>
-                <a:solidFill>
-                  <a:schemeClr val="tx1"/>
-                </a:solidFill>
-                <a:latin typeface="Calibri" panose="020F0502020204030204" pitchFamily="34" charset="0"/>
-                <a:ea typeface="宋体" panose="02010600030101010101" pitchFamily="2" charset="-122"/>
-              </a:defRPr>
-            </a:lvl7pPr>
-            <a:lvl8pPr marL="3429000" indent="-228600" fontAlgn="base">
-              <a:lnSpc>
-                <a:spcPct val="90000"/>
-              </a:lnSpc>
-              <a:spcBef>
-                <a:spcPts val="500"/>
-              </a:spcBef>
-              <a:spcAft>
-                <a:spcPct val="0"/>
-              </a:spcAft>
-              <a:buFont typeface="Arial" panose="020B0604020202020204" pitchFamily="34" charset="0"/>
-              <a:buChar char="•"/>
-              <a:defRPr>
-                <a:solidFill>
-                  <a:schemeClr val="tx1"/>
-                </a:solidFill>
-                <a:latin typeface="Calibri" panose="020F0502020204030204" pitchFamily="34" charset="0"/>
-                <a:ea typeface="宋体" panose="02010600030101010101" pitchFamily="2" charset="-122"/>
-              </a:defRPr>
-            </a:lvl8pPr>
-            <a:lvl9pPr marL="3886200" indent="-228600" fontAlgn="base">
-              <a:lnSpc>
-                <a:spcPct val="90000"/>
-              </a:lnSpc>
-              <a:spcBef>
-                <a:spcPts val="500"/>
-              </a:spcBef>
-              <a:spcAft>
-                <a:spcPct val="0"/>
-              </a:spcAft>
-              <a:buFont typeface="Arial" panose="020B0604020202020204" pitchFamily="34" charset="0"/>
-              <a:buChar char="•"/>
-              <a:defRPr>
-                <a:solidFill>
-                  <a:schemeClr val="tx1"/>
-                </a:solidFill>
-                <a:latin typeface="Calibri" panose="020F0502020204030204" pitchFamily="34" charset="0"/>
-                <a:ea typeface="宋体" panose="02010600030101010101" pitchFamily="2" charset="-122"/>
-              </a:defRPr>
-            </a:lvl9pPr>
-          </a:lstStyle>
-          <a:p>
-            <a:pPr>
-              <a:lnSpc>
-                <a:spcPct val="100000"/>
-              </a:lnSpc>
-              <a:spcBef>
-                <a:spcPct val="0"/>
-              </a:spcBef>
-              <a:buNone/>
-            </a:pPr>
-            <a:r>
-              <a:rPr lang="zh-CN" altLang="en-US" sz="3600" b="1" dirty="0">
-                <a:solidFill>
-                  <a:schemeClr val="tx1">
-                    <a:lumMod val="65000"/>
-                    <a:lumOff val="35000"/>
-                  </a:schemeClr>
-                </a:solidFill>
-                <a:latin typeface="標楷體" panose="03000509000000000000" pitchFamily="65" charset="-120"/>
-                <a:ea typeface="標楷體" panose="03000509000000000000" pitchFamily="65" charset="-120"/>
-                <a:sym typeface="Century Gothic" panose="020B0502020202020204" pitchFamily="34" charset="0"/>
-              </a:rPr>
-              <a:t>實作成果</a:t>
-            </a:r>
-            <a:endParaRPr lang="zh-CN" altLang="en-US" sz="3600" dirty="0">
-              <a:solidFill>
-                <a:schemeClr val="tx1">
-                  <a:lumMod val="65000"/>
-                  <a:lumOff val="35000"/>
-                </a:schemeClr>
-              </a:solidFill>
-              <a:latin typeface="標楷體" panose="03000509000000000000" pitchFamily="65" charset="-120"/>
-              <a:ea typeface="標楷體" panose="03000509000000000000" pitchFamily="65" charset="-120"/>
-              <a:sym typeface="Century Gothic" panose="020B0502020202020204" pitchFamily="34" charset="0"/>
-            </a:endParaRPr>
-          </a:p>
-        </p:txBody>
-      </p:sp>
-    </p:spTree>
-    <p:extLst>
-      <p:ext uri="{BB962C8B-B14F-4D97-AF65-F5344CB8AC3E}">
-        <p14:creationId xmlns:p14="http://schemas.microsoft.com/office/powerpoint/2010/main" val="3771394359"/>
-      </p:ext>
-    </p:extLst>
-  </p:cSld>
-  <p:clrMapOvr>
-    <a:masterClrMapping/>
-  </p:clrMapOvr>
-  <p:transition spd="slow">
-    <p:randomBar dir="vert"/>
-  </p:transition>
-</p:sld>
-</file>
-
-<file path=ppt/slides/slide20.xml><?xml version="1.0" encoding="utf-8"?>
+<file path=ppt/slides/slide21.xml><?xml version="1.0" encoding="utf-8"?>
 <p:sld xmlns:a="http://schemas.openxmlformats.org/drawingml/2006/main" xmlns:r="http://schemas.openxmlformats.org/officeDocument/2006/relationships" xmlns:p="http://schemas.openxmlformats.org/presentationml/2006/main">
   <p:cSld>
     <p:spTree>
@@ -20990,7 +21657,7 @@
 </p:sld>
 </file>
 
-<file path=ppt/slides/slide21.xml><?xml version="1.0" encoding="utf-8"?>
+<file path=ppt/slides/slide22.xml><?xml version="1.0" encoding="utf-8"?>
 <p:sld xmlns:a="http://schemas.openxmlformats.org/drawingml/2006/main" xmlns:r="http://schemas.openxmlformats.org/officeDocument/2006/relationships" xmlns:p="http://schemas.openxmlformats.org/presentationml/2006/main">
   <p:cSld>
     <p:spTree>
@@ -23660,7 +24327,7 @@
 </p:sld>
 </file>
 
-<file path=ppt/slides/slide22.xml><?xml version="1.0" encoding="utf-8"?>
+<file path=ppt/slides/slide23.xml><?xml version="1.0" encoding="utf-8"?>
 <p:sld xmlns:a="http://schemas.openxmlformats.org/drawingml/2006/main" xmlns:r="http://schemas.openxmlformats.org/officeDocument/2006/relationships" xmlns:p="http://schemas.openxmlformats.org/presentationml/2006/main">
   <p:cSld>
     <p:spTree>
@@ -26392,7 +27059,7 @@
 </p:sld>
 </file>
 
-<file path=ppt/slides/slide23.xml><?xml version="1.0" encoding="utf-8"?>
+<file path=ppt/slides/slide24.xml><?xml version="1.0" encoding="utf-8"?>
 <p:sld xmlns:a="http://schemas.openxmlformats.org/drawingml/2006/main" xmlns:r="http://schemas.openxmlformats.org/officeDocument/2006/relationships" xmlns:p="http://schemas.openxmlformats.org/presentationml/2006/main">
   <p:cSld>
     <p:spTree>
@@ -29096,7 +29763,7 @@
 </p:sld>
 </file>
 
-<file path=ppt/slides/slide24.xml><?xml version="1.0" encoding="utf-8"?>
+<file path=ppt/slides/slide25.xml><?xml version="1.0" encoding="utf-8"?>
 <p:sld xmlns:a="http://schemas.openxmlformats.org/drawingml/2006/main" xmlns:r="http://schemas.openxmlformats.org/officeDocument/2006/relationships" xmlns:p="http://schemas.openxmlformats.org/presentationml/2006/main">
   <p:cSld>
     <p:spTree>
@@ -30063,7 +30730,7 @@
 </p:sld>
 </file>
 
-<file path=ppt/slides/slide25.xml><?xml version="1.0" encoding="utf-8"?>
+<file path=ppt/slides/slide26.xml><?xml version="1.0" encoding="utf-8"?>
 <p:sld xmlns:a="http://schemas.openxmlformats.org/drawingml/2006/main" xmlns:r="http://schemas.openxmlformats.org/officeDocument/2006/relationships" xmlns:p="http://schemas.openxmlformats.org/presentationml/2006/main">
   <p:cSld>
     <p:spTree>
@@ -32270,7 +32937,7 @@
 </p:sld>
 </file>
 
-<file path=ppt/slides/slide26.xml><?xml version="1.0" encoding="utf-8"?>
+<file path=ppt/slides/slide27.xml><?xml version="1.0" encoding="utf-8"?>
 <p:sld xmlns:a="http://schemas.openxmlformats.org/drawingml/2006/main" xmlns:r="http://schemas.openxmlformats.org/officeDocument/2006/relationships" xmlns:p="http://schemas.openxmlformats.org/presentationml/2006/main">
   <p:cSld>
     <p:spTree>
@@ -33237,7 +33904,7 @@
 </p:sld>
 </file>
 
-<file path=ppt/slides/slide27.xml><?xml version="1.0" encoding="utf-8"?>
+<file path=ppt/slides/slide28.xml><?xml version="1.0" encoding="utf-8"?>
 <p:sld xmlns:a="http://schemas.openxmlformats.org/drawingml/2006/main" xmlns:r="http://schemas.openxmlformats.org/officeDocument/2006/relationships" xmlns:p="http://schemas.openxmlformats.org/presentationml/2006/main">
   <p:cSld>
     <p:spTree>
@@ -35699,7 +36366,7 @@
 </p:sld>
 </file>
 
-<file path=ppt/slides/slide28.xml><?xml version="1.0" encoding="utf-8"?>
+<file path=ppt/slides/slide29.xml><?xml version="1.0" encoding="utf-8"?>
 <p:sld xmlns:a="http://schemas.openxmlformats.org/drawingml/2006/main" xmlns:r="http://schemas.openxmlformats.org/officeDocument/2006/relationships" xmlns:p="http://schemas.openxmlformats.org/presentationml/2006/main">
   <p:cSld>
     <p:spTree>
@@ -36688,7 +37355,688 @@
 </p:sld>
 </file>
 
-<file path=ppt/slides/slide29.xml><?xml version="1.0" encoding="utf-8"?>
+<file path=ppt/slides/slide3.xml><?xml version="1.0" encoding="utf-8"?>
+<p:sld xmlns:a="http://schemas.openxmlformats.org/drawingml/2006/main" xmlns:r="http://schemas.openxmlformats.org/officeDocument/2006/relationships" xmlns:p="http://schemas.openxmlformats.org/presentationml/2006/main">
+  <p:cSld>
+    <p:spTree>
+      <p:nvGrpSpPr>
+        <p:cNvPr id="1" name=""/>
+        <p:cNvGrpSpPr/>
+        <p:nvPr/>
+      </p:nvGrpSpPr>
+      <p:grpSpPr>
+        <a:xfrm>
+          <a:off x="0" y="0"/>
+          <a:ext cx="0" cy="0"/>
+          <a:chOff x="0" y="0"/>
+          <a:chExt cx="0" cy="0"/>
+        </a:xfrm>
+      </p:grpSpPr>
+      <p:sp>
+        <p:nvSpPr>
+          <p:cNvPr id="30" name="文本框 15"/>
+          <p:cNvSpPr txBox="1">
+            <a:spLocks noChangeArrowheads="1"/>
+          </p:cNvSpPr>
+          <p:nvPr/>
+        </p:nvSpPr>
+        <p:spPr bwMode="auto">
+          <a:xfrm>
+            <a:off x="1592407" y="3019646"/>
+            <a:ext cx="9007185" cy="1015663"/>
+          </a:xfrm>
+          <a:prstGeom prst="rect">
+            <a:avLst/>
+          </a:prstGeom>
+          <a:noFill/>
+          <a:ln>
+            <a:noFill/>
+          </a:ln>
+          <a:extLst>
+            <a:ext uri="{909E8E84-426E-40DD-AFC4-6F175D3DCCD1}">
+              <a14:hiddenFill xmlns:a14="http://schemas.microsoft.com/office/drawing/2010/main">
+                <a:solidFill>
+                  <a:srgbClr val="FFFFFF"/>
+                </a:solidFill>
+              </a14:hiddenFill>
+            </a:ext>
+            <a:ext uri="{91240B29-F687-4F45-9708-019B960494DF}">
+              <a14:hiddenLine xmlns:a14="http://schemas.microsoft.com/office/drawing/2010/main" w="9525">
+                <a:solidFill>
+                  <a:srgbClr val="000000"/>
+                </a:solidFill>
+                <a:miter lim="800000"/>
+                <a:headEnd/>
+                <a:tailEnd/>
+              </a14:hiddenLine>
+            </a:ext>
+          </a:extLst>
+        </p:spPr>
+        <p:txBody>
+          <a:bodyPr wrap="square">
+            <a:spAutoFit/>
+          </a:bodyPr>
+          <a:lstStyle>
+            <a:lvl1pPr>
+              <a:lnSpc>
+                <a:spcPct val="90000"/>
+              </a:lnSpc>
+              <a:spcBef>
+                <a:spcPts val="1000"/>
+              </a:spcBef>
+              <a:buFont typeface="Arial" panose="020B0604020202020204" pitchFamily="34" charset="0"/>
+              <a:buChar char="•"/>
+              <a:defRPr sz="2800">
+                <a:solidFill>
+                  <a:schemeClr val="tx1"/>
+                </a:solidFill>
+                <a:latin typeface="Calibri" panose="020F0502020204030204" pitchFamily="34" charset="0"/>
+                <a:ea typeface="宋体" panose="02010600030101010101" pitchFamily="2" charset="-122"/>
+              </a:defRPr>
+            </a:lvl1pPr>
+            <a:lvl2pPr marL="742950" indent="-285750">
+              <a:lnSpc>
+                <a:spcPct val="90000"/>
+              </a:lnSpc>
+              <a:spcBef>
+                <a:spcPts val="500"/>
+              </a:spcBef>
+              <a:buFont typeface="Arial" panose="020B0604020202020204" pitchFamily="34" charset="0"/>
+              <a:buChar char="•"/>
+              <a:defRPr sz="2400">
+                <a:solidFill>
+                  <a:schemeClr val="tx1"/>
+                </a:solidFill>
+                <a:latin typeface="Calibri" panose="020F0502020204030204" pitchFamily="34" charset="0"/>
+                <a:ea typeface="宋体" panose="02010600030101010101" pitchFamily="2" charset="-122"/>
+              </a:defRPr>
+            </a:lvl2pPr>
+            <a:lvl3pPr marL="1143000" indent="-228600">
+              <a:lnSpc>
+                <a:spcPct val="90000"/>
+              </a:lnSpc>
+              <a:spcBef>
+                <a:spcPts val="500"/>
+              </a:spcBef>
+              <a:buFont typeface="Arial" panose="020B0604020202020204" pitchFamily="34" charset="0"/>
+              <a:buChar char="•"/>
+              <a:defRPr sz="2000">
+                <a:solidFill>
+                  <a:schemeClr val="tx1"/>
+                </a:solidFill>
+                <a:latin typeface="Calibri" panose="020F0502020204030204" pitchFamily="34" charset="0"/>
+                <a:ea typeface="宋体" panose="02010600030101010101" pitchFamily="2" charset="-122"/>
+              </a:defRPr>
+            </a:lvl3pPr>
+            <a:lvl4pPr marL="1600200" indent="-228600">
+              <a:lnSpc>
+                <a:spcPct val="90000"/>
+              </a:lnSpc>
+              <a:spcBef>
+                <a:spcPts val="500"/>
+              </a:spcBef>
+              <a:buFont typeface="Arial" panose="020B0604020202020204" pitchFamily="34" charset="0"/>
+              <a:buChar char="•"/>
+              <a:defRPr>
+                <a:solidFill>
+                  <a:schemeClr val="tx1"/>
+                </a:solidFill>
+                <a:latin typeface="Calibri" panose="020F0502020204030204" pitchFamily="34" charset="0"/>
+                <a:ea typeface="宋体" panose="02010600030101010101" pitchFamily="2" charset="-122"/>
+              </a:defRPr>
+            </a:lvl4pPr>
+            <a:lvl5pPr marL="2057400" indent="-228600">
+              <a:lnSpc>
+                <a:spcPct val="90000"/>
+              </a:lnSpc>
+              <a:spcBef>
+                <a:spcPts val="500"/>
+              </a:spcBef>
+              <a:buFont typeface="Arial" panose="020B0604020202020204" pitchFamily="34" charset="0"/>
+              <a:buChar char="•"/>
+              <a:defRPr>
+                <a:solidFill>
+                  <a:schemeClr val="tx1"/>
+                </a:solidFill>
+                <a:latin typeface="Calibri" panose="020F0502020204030204" pitchFamily="34" charset="0"/>
+                <a:ea typeface="宋体" panose="02010600030101010101" pitchFamily="2" charset="-122"/>
+              </a:defRPr>
+            </a:lvl5pPr>
+            <a:lvl6pPr marL="2514600" indent="-228600" fontAlgn="base">
+              <a:lnSpc>
+                <a:spcPct val="90000"/>
+              </a:lnSpc>
+              <a:spcBef>
+                <a:spcPts val="500"/>
+              </a:spcBef>
+              <a:spcAft>
+                <a:spcPct val="0"/>
+              </a:spcAft>
+              <a:buFont typeface="Arial" panose="020B0604020202020204" pitchFamily="34" charset="0"/>
+              <a:buChar char="•"/>
+              <a:defRPr>
+                <a:solidFill>
+                  <a:schemeClr val="tx1"/>
+                </a:solidFill>
+                <a:latin typeface="Calibri" panose="020F0502020204030204" pitchFamily="34" charset="0"/>
+                <a:ea typeface="宋体" panose="02010600030101010101" pitchFamily="2" charset="-122"/>
+              </a:defRPr>
+            </a:lvl6pPr>
+            <a:lvl7pPr marL="2971800" indent="-228600" fontAlgn="base">
+              <a:lnSpc>
+                <a:spcPct val="90000"/>
+              </a:lnSpc>
+              <a:spcBef>
+                <a:spcPts val="500"/>
+              </a:spcBef>
+              <a:spcAft>
+                <a:spcPct val="0"/>
+              </a:spcAft>
+              <a:buFont typeface="Arial" panose="020B0604020202020204" pitchFamily="34" charset="0"/>
+              <a:buChar char="•"/>
+              <a:defRPr>
+                <a:solidFill>
+                  <a:schemeClr val="tx1"/>
+                </a:solidFill>
+                <a:latin typeface="Calibri" panose="020F0502020204030204" pitchFamily="34" charset="0"/>
+                <a:ea typeface="宋体" panose="02010600030101010101" pitchFamily="2" charset="-122"/>
+              </a:defRPr>
+            </a:lvl7pPr>
+            <a:lvl8pPr marL="3429000" indent="-228600" fontAlgn="base">
+              <a:lnSpc>
+                <a:spcPct val="90000"/>
+              </a:lnSpc>
+              <a:spcBef>
+                <a:spcPts val="500"/>
+              </a:spcBef>
+              <a:spcAft>
+                <a:spcPct val="0"/>
+              </a:spcAft>
+              <a:buFont typeface="Arial" panose="020B0604020202020204" pitchFamily="34" charset="0"/>
+              <a:buChar char="•"/>
+              <a:defRPr>
+                <a:solidFill>
+                  <a:schemeClr val="tx1"/>
+                </a:solidFill>
+                <a:latin typeface="Calibri" panose="020F0502020204030204" pitchFamily="34" charset="0"/>
+                <a:ea typeface="宋体" panose="02010600030101010101" pitchFamily="2" charset="-122"/>
+              </a:defRPr>
+            </a:lvl8pPr>
+            <a:lvl9pPr marL="3886200" indent="-228600" fontAlgn="base">
+              <a:lnSpc>
+                <a:spcPct val="90000"/>
+              </a:lnSpc>
+              <a:spcBef>
+                <a:spcPts val="500"/>
+              </a:spcBef>
+              <a:spcAft>
+                <a:spcPct val="0"/>
+              </a:spcAft>
+              <a:buFont typeface="Arial" panose="020B0604020202020204" pitchFamily="34" charset="0"/>
+              <a:buChar char="•"/>
+              <a:defRPr>
+                <a:solidFill>
+                  <a:schemeClr val="tx1"/>
+                </a:solidFill>
+                <a:latin typeface="Calibri" panose="020F0502020204030204" pitchFamily="34" charset="0"/>
+                <a:ea typeface="宋体" panose="02010600030101010101" pitchFamily="2" charset="-122"/>
+              </a:defRPr>
+            </a:lvl9pPr>
+          </a:lstStyle>
+          <a:p>
+            <a:pPr algn="ctr">
+              <a:lnSpc>
+                <a:spcPct val="100000"/>
+              </a:lnSpc>
+              <a:spcBef>
+                <a:spcPct val="0"/>
+              </a:spcBef>
+              <a:buNone/>
+            </a:pPr>
+            <a:r>
+              <a:rPr lang="zh-CN" altLang="en-US" sz="6000" b="1" dirty="0">
+                <a:solidFill>
+                  <a:schemeClr val="tx1">
+                    <a:lumMod val="65000"/>
+                    <a:lumOff val="35000"/>
+                  </a:schemeClr>
+                </a:solidFill>
+                <a:latin typeface="標楷體" panose="03000509000000000000" pitchFamily="65" charset="-120"/>
+                <a:ea typeface="標楷體" panose="03000509000000000000" pitchFamily="65" charset="-120"/>
+                <a:sym typeface="Century Gothic" panose="020B0502020202020204" pitchFamily="34" charset="0"/>
+              </a:rPr>
+              <a:t>背景與目的</a:t>
+            </a:r>
+          </a:p>
+        </p:txBody>
+      </p:sp>
+      <p:sp>
+        <p:nvSpPr>
+          <p:cNvPr id="19" name="椭圆 18"/>
+          <p:cNvSpPr/>
+          <p:nvPr/>
+        </p:nvSpPr>
+        <p:spPr>
+          <a:xfrm>
+            <a:off x="3055807" y="1387989"/>
+            <a:ext cx="1634836" cy="1634836"/>
+          </a:xfrm>
+          <a:prstGeom prst="ellipse">
+            <a:avLst/>
+          </a:prstGeom>
+          <a:solidFill>
+            <a:srgbClr val="BBD5F3"/>
+          </a:solidFill>
+          <a:ln>
+            <a:noFill/>
+          </a:ln>
+        </p:spPr>
+        <p:style>
+          <a:lnRef idx="2">
+            <a:schemeClr val="accent1">
+              <a:shade val="50000"/>
+            </a:schemeClr>
+          </a:lnRef>
+          <a:fillRef idx="1">
+            <a:schemeClr val="accent1"/>
+          </a:fillRef>
+          <a:effectRef idx="0">
+            <a:schemeClr val="accent1"/>
+          </a:effectRef>
+          <a:fontRef idx="minor">
+            <a:schemeClr val="lt1"/>
+          </a:fontRef>
+        </p:style>
+        <p:txBody>
+          <a:bodyPr rtlCol="0" anchor="ctr"/>
+          <a:lstStyle/>
+          <a:p>
+            <a:pPr algn="ctr"/>
+            <a:endParaRPr lang="zh-CN" altLang="en-US">
+              <a:solidFill>
+                <a:srgbClr val="51B5AC"/>
+              </a:solidFill>
+              <a:latin typeface="Century Gothic" panose="020B0502020202020204" pitchFamily="34" charset="0"/>
+              <a:ea typeface="思源黑体 CN Normal" panose="020B0400000000000000" pitchFamily="34" charset="-122"/>
+              <a:sym typeface="Century Gothic" panose="020B0502020202020204" pitchFamily="34" charset="0"/>
+            </a:endParaRPr>
+          </a:p>
+        </p:txBody>
+      </p:sp>
+      <p:sp>
+        <p:nvSpPr>
+          <p:cNvPr id="31" name="文本框 14"/>
+          <p:cNvSpPr txBox="1">
+            <a:spLocks noChangeArrowheads="1"/>
+          </p:cNvSpPr>
+          <p:nvPr/>
+        </p:nvSpPr>
+        <p:spPr bwMode="auto">
+          <a:xfrm>
+            <a:off x="3772950" y="2205407"/>
+            <a:ext cx="2437079" cy="584775"/>
+          </a:xfrm>
+          <a:prstGeom prst="rect">
+            <a:avLst/>
+          </a:prstGeom>
+          <a:noFill/>
+          <a:ln>
+            <a:noFill/>
+          </a:ln>
+          <a:extLst>
+            <a:ext uri="{909E8E84-426E-40DD-AFC4-6F175D3DCCD1}">
+              <a14:hiddenFill xmlns:a14="http://schemas.microsoft.com/office/drawing/2010/main">
+                <a:solidFill>
+                  <a:srgbClr val="FFFFFF"/>
+                </a:solidFill>
+              </a14:hiddenFill>
+            </a:ext>
+            <a:ext uri="{91240B29-F687-4F45-9708-019B960494DF}">
+              <a14:hiddenLine xmlns:a14="http://schemas.microsoft.com/office/drawing/2010/main" w="9525">
+                <a:solidFill>
+                  <a:srgbClr val="000000"/>
+                </a:solidFill>
+                <a:miter lim="800000"/>
+                <a:headEnd/>
+                <a:tailEnd/>
+              </a14:hiddenLine>
+            </a:ext>
+          </a:extLst>
+        </p:spPr>
+        <p:txBody>
+          <a:bodyPr wrap="square">
+            <a:spAutoFit/>
+          </a:bodyPr>
+          <a:lstStyle>
+            <a:lvl1pPr>
+              <a:lnSpc>
+                <a:spcPct val="90000"/>
+              </a:lnSpc>
+              <a:spcBef>
+                <a:spcPts val="1000"/>
+              </a:spcBef>
+              <a:buFont typeface="Arial" panose="020B0604020202020204" pitchFamily="34" charset="0"/>
+              <a:buChar char="•"/>
+              <a:defRPr sz="2800">
+                <a:solidFill>
+                  <a:schemeClr val="tx1"/>
+                </a:solidFill>
+                <a:latin typeface="Calibri" panose="020F0502020204030204" pitchFamily="34" charset="0"/>
+                <a:ea typeface="宋体" panose="02010600030101010101" pitchFamily="2" charset="-122"/>
+              </a:defRPr>
+            </a:lvl1pPr>
+            <a:lvl2pPr marL="742950" indent="-285750">
+              <a:lnSpc>
+                <a:spcPct val="90000"/>
+              </a:lnSpc>
+              <a:spcBef>
+                <a:spcPts val="500"/>
+              </a:spcBef>
+              <a:buFont typeface="Arial" panose="020B0604020202020204" pitchFamily="34" charset="0"/>
+              <a:buChar char="•"/>
+              <a:defRPr sz="2400">
+                <a:solidFill>
+                  <a:schemeClr val="tx1"/>
+                </a:solidFill>
+                <a:latin typeface="Calibri" panose="020F0502020204030204" pitchFamily="34" charset="0"/>
+                <a:ea typeface="宋体" panose="02010600030101010101" pitchFamily="2" charset="-122"/>
+              </a:defRPr>
+            </a:lvl2pPr>
+            <a:lvl3pPr marL="1143000" indent="-228600">
+              <a:lnSpc>
+                <a:spcPct val="90000"/>
+              </a:lnSpc>
+              <a:spcBef>
+                <a:spcPts val="500"/>
+              </a:spcBef>
+              <a:buFont typeface="Arial" panose="020B0604020202020204" pitchFamily="34" charset="0"/>
+              <a:buChar char="•"/>
+              <a:defRPr sz="2000">
+                <a:solidFill>
+                  <a:schemeClr val="tx1"/>
+                </a:solidFill>
+                <a:latin typeface="Calibri" panose="020F0502020204030204" pitchFamily="34" charset="0"/>
+                <a:ea typeface="宋体" panose="02010600030101010101" pitchFamily="2" charset="-122"/>
+              </a:defRPr>
+            </a:lvl3pPr>
+            <a:lvl4pPr marL="1600200" indent="-228600">
+              <a:lnSpc>
+                <a:spcPct val="90000"/>
+              </a:lnSpc>
+              <a:spcBef>
+                <a:spcPts val="500"/>
+              </a:spcBef>
+              <a:buFont typeface="Arial" panose="020B0604020202020204" pitchFamily="34" charset="0"/>
+              <a:buChar char="•"/>
+              <a:defRPr>
+                <a:solidFill>
+                  <a:schemeClr val="tx1"/>
+                </a:solidFill>
+                <a:latin typeface="Calibri" panose="020F0502020204030204" pitchFamily="34" charset="0"/>
+                <a:ea typeface="宋体" panose="02010600030101010101" pitchFamily="2" charset="-122"/>
+              </a:defRPr>
+            </a:lvl4pPr>
+            <a:lvl5pPr marL="2057400" indent="-228600">
+              <a:lnSpc>
+                <a:spcPct val="90000"/>
+              </a:lnSpc>
+              <a:spcBef>
+                <a:spcPts val="500"/>
+              </a:spcBef>
+              <a:buFont typeface="Arial" panose="020B0604020202020204" pitchFamily="34" charset="0"/>
+              <a:buChar char="•"/>
+              <a:defRPr>
+                <a:solidFill>
+                  <a:schemeClr val="tx1"/>
+                </a:solidFill>
+                <a:latin typeface="Calibri" panose="020F0502020204030204" pitchFamily="34" charset="0"/>
+                <a:ea typeface="宋体" panose="02010600030101010101" pitchFamily="2" charset="-122"/>
+              </a:defRPr>
+            </a:lvl5pPr>
+            <a:lvl6pPr marL="2514600" indent="-228600" fontAlgn="base">
+              <a:lnSpc>
+                <a:spcPct val="90000"/>
+              </a:lnSpc>
+              <a:spcBef>
+                <a:spcPts val="500"/>
+              </a:spcBef>
+              <a:spcAft>
+                <a:spcPct val="0"/>
+              </a:spcAft>
+              <a:buFont typeface="Arial" panose="020B0604020202020204" pitchFamily="34" charset="0"/>
+              <a:buChar char="•"/>
+              <a:defRPr>
+                <a:solidFill>
+                  <a:schemeClr val="tx1"/>
+                </a:solidFill>
+                <a:latin typeface="Calibri" panose="020F0502020204030204" pitchFamily="34" charset="0"/>
+                <a:ea typeface="宋体" panose="02010600030101010101" pitchFamily="2" charset="-122"/>
+              </a:defRPr>
+            </a:lvl6pPr>
+            <a:lvl7pPr marL="2971800" indent="-228600" fontAlgn="base">
+              <a:lnSpc>
+                <a:spcPct val="90000"/>
+              </a:lnSpc>
+              <a:spcBef>
+                <a:spcPts val="500"/>
+              </a:spcBef>
+              <a:spcAft>
+                <a:spcPct val="0"/>
+              </a:spcAft>
+              <a:buFont typeface="Arial" panose="020B0604020202020204" pitchFamily="34" charset="0"/>
+              <a:buChar char="•"/>
+              <a:defRPr>
+                <a:solidFill>
+                  <a:schemeClr val="tx1"/>
+                </a:solidFill>
+                <a:latin typeface="Calibri" panose="020F0502020204030204" pitchFamily="34" charset="0"/>
+                <a:ea typeface="宋体" panose="02010600030101010101" pitchFamily="2" charset="-122"/>
+              </a:defRPr>
+            </a:lvl7pPr>
+            <a:lvl8pPr marL="3429000" indent="-228600" fontAlgn="base">
+              <a:lnSpc>
+                <a:spcPct val="90000"/>
+              </a:lnSpc>
+              <a:spcBef>
+                <a:spcPts val="500"/>
+              </a:spcBef>
+              <a:spcAft>
+                <a:spcPct val="0"/>
+              </a:spcAft>
+              <a:buFont typeface="Arial" panose="020B0604020202020204" pitchFamily="34" charset="0"/>
+              <a:buChar char="•"/>
+              <a:defRPr>
+                <a:solidFill>
+                  <a:schemeClr val="tx1"/>
+                </a:solidFill>
+                <a:latin typeface="Calibri" panose="020F0502020204030204" pitchFamily="34" charset="0"/>
+                <a:ea typeface="宋体" panose="02010600030101010101" pitchFamily="2" charset="-122"/>
+              </a:defRPr>
+            </a:lvl8pPr>
+            <a:lvl9pPr marL="3886200" indent="-228600" fontAlgn="base">
+              <a:lnSpc>
+                <a:spcPct val="90000"/>
+              </a:lnSpc>
+              <a:spcBef>
+                <a:spcPts val="500"/>
+              </a:spcBef>
+              <a:spcAft>
+                <a:spcPct val="0"/>
+              </a:spcAft>
+              <a:buFont typeface="Arial" panose="020B0604020202020204" pitchFamily="34" charset="0"/>
+              <a:buChar char="•"/>
+              <a:defRPr>
+                <a:solidFill>
+                  <a:schemeClr val="tx1"/>
+                </a:solidFill>
+                <a:latin typeface="Calibri" panose="020F0502020204030204" pitchFamily="34" charset="0"/>
+                <a:ea typeface="宋体" panose="02010600030101010101" pitchFamily="2" charset="-122"/>
+              </a:defRPr>
+            </a:lvl9pPr>
+          </a:lstStyle>
+          <a:p>
+            <a:pPr eaLnBrk="1" hangingPunct="1">
+              <a:lnSpc>
+                <a:spcPct val="100000"/>
+              </a:lnSpc>
+              <a:spcBef>
+                <a:spcPct val="0"/>
+              </a:spcBef>
+              <a:buFontTx/>
+              <a:buNone/>
+            </a:pPr>
+            <a:r>
+              <a:rPr lang="en-US" altLang="zh-CN" sz="3200" dirty="0">
+                <a:solidFill>
+                  <a:schemeClr val="tx1">
+                    <a:lumMod val="75000"/>
+                    <a:lumOff val="25000"/>
+                  </a:schemeClr>
+                </a:solidFill>
+                <a:latin typeface="HanziPen SC" panose="03000300000000000000" pitchFamily="66" charset="-122"/>
+                <a:ea typeface="HanziPen SC" panose="03000300000000000000" pitchFamily="66" charset="-122"/>
+                <a:sym typeface="Century Gothic" panose="020B0502020202020204" pitchFamily="34" charset="0"/>
+              </a:rPr>
+              <a:t>PART  01</a:t>
+            </a:r>
+            <a:endParaRPr lang="zh-CN" altLang="en-US" sz="3200" dirty="0">
+              <a:solidFill>
+                <a:schemeClr val="tx1">
+                  <a:lumMod val="75000"/>
+                  <a:lumOff val="25000"/>
+                </a:schemeClr>
+              </a:solidFill>
+              <a:latin typeface="HanziPen SC" panose="03000300000000000000" pitchFamily="66" charset="-122"/>
+              <a:ea typeface="HanziPen SC" panose="03000300000000000000" pitchFamily="66" charset="-122"/>
+              <a:sym typeface="Century Gothic" panose="020B0502020202020204" pitchFamily="34" charset="0"/>
+            </a:endParaRPr>
+          </a:p>
+        </p:txBody>
+      </p:sp>
+      <p:cxnSp>
+        <p:nvCxnSpPr>
+          <p:cNvPr id="20" name="直接连接符 19"/>
+          <p:cNvCxnSpPr/>
+          <p:nvPr/>
+        </p:nvCxnSpPr>
+        <p:spPr>
+          <a:xfrm flipH="1">
+            <a:off x="2774837" y="1013916"/>
+            <a:ext cx="1884218" cy="2008909"/>
+          </a:xfrm>
+          <a:prstGeom prst="line">
+            <a:avLst/>
+          </a:prstGeom>
+          <a:ln>
+            <a:solidFill>
+              <a:srgbClr val="B1CC71"/>
+            </a:solidFill>
+          </a:ln>
+        </p:spPr>
+        <p:style>
+          <a:lnRef idx="1">
+            <a:schemeClr val="accent1"/>
+          </a:lnRef>
+          <a:fillRef idx="0">
+            <a:schemeClr val="accent1"/>
+          </a:fillRef>
+          <a:effectRef idx="0">
+            <a:schemeClr val="accent1"/>
+          </a:effectRef>
+          <a:fontRef idx="minor">
+            <a:schemeClr val="tx1"/>
+          </a:fontRef>
+        </p:style>
+      </p:cxnSp>
+      <p:pic>
+        <p:nvPicPr>
+          <p:cNvPr id="9" name="图片 8">
+            <a:extLst>
+              <a:ext uri="{FF2B5EF4-FFF2-40B4-BE49-F238E27FC236}">
+                <a16:creationId xmlns:a16="http://schemas.microsoft.com/office/drawing/2014/main" id="{F826EE88-CCC7-4783-9AD5-001269A33EF9}"/>
+              </a:ext>
+            </a:extLst>
+          </p:cNvPr>
+          <p:cNvPicPr>
+            <a:picLocks noChangeAspect="1"/>
+          </p:cNvPicPr>
+          <p:nvPr/>
+        </p:nvPicPr>
+        <p:blipFill>
+          <a:blip r:embed="rId3" cstate="print">
+            <a:extLst>
+              <a:ext uri="{28A0092B-C50C-407E-A947-70E740481C1C}">
+                <a14:useLocalDpi xmlns:a14="http://schemas.microsoft.com/office/drawing/2010/main" val="0"/>
+              </a:ext>
+            </a:extLst>
+          </a:blip>
+          <a:stretch>
+            <a:fillRect/>
+          </a:stretch>
+        </p:blipFill>
+        <p:spPr>
+          <a:xfrm>
+            <a:off x="7261025" y="0"/>
+            <a:ext cx="4930975" cy="6872483"/>
+          </a:xfrm>
+          <a:prstGeom prst="rect">
+            <a:avLst/>
+          </a:prstGeom>
+        </p:spPr>
+      </p:pic>
+      <p:pic>
+        <p:nvPicPr>
+          <p:cNvPr id="3" name="图片 2">
+            <a:extLst>
+              <a:ext uri="{FF2B5EF4-FFF2-40B4-BE49-F238E27FC236}">
+                <a16:creationId xmlns:a16="http://schemas.microsoft.com/office/drawing/2014/main" id="{09B74118-6CB5-49A9-9C2E-38B4B15D3755}"/>
+              </a:ext>
+            </a:extLst>
+          </p:cNvPr>
+          <p:cNvPicPr>
+            <a:picLocks noChangeAspect="1"/>
+          </p:cNvPicPr>
+          <p:nvPr/>
+        </p:nvPicPr>
+        <p:blipFill>
+          <a:blip r:embed="rId4" cstate="print">
+            <a:extLst>
+              <a:ext uri="{28A0092B-C50C-407E-A947-70E740481C1C}">
+                <a14:useLocalDpi xmlns:a14="http://schemas.microsoft.com/office/drawing/2010/main" val="0"/>
+              </a:ext>
+            </a:extLst>
+          </a:blip>
+          <a:stretch>
+            <a:fillRect/>
+          </a:stretch>
+        </p:blipFill>
+        <p:spPr>
+          <a:xfrm rot="7247445">
+            <a:off x="397731" y="4391802"/>
+            <a:ext cx="2130345" cy="2386550"/>
+          </a:xfrm>
+          <a:prstGeom prst="rect">
+            <a:avLst/>
+          </a:prstGeom>
+        </p:spPr>
+      </p:pic>
+    </p:spTree>
+    <p:extLst>
+      <p:ext uri="{BB962C8B-B14F-4D97-AF65-F5344CB8AC3E}">
+        <p14:creationId xmlns:p14="http://schemas.microsoft.com/office/powerpoint/2010/main" val="1810127575"/>
+      </p:ext>
+    </p:extLst>
+  </p:cSld>
+  <p:clrMapOvr>
+    <a:masterClrMapping/>
+  </p:clrMapOvr>
+  <p:transition spd="slow">
+    <p:randomBar dir="vert"/>
+  </p:transition>
+</p:sld>
+</file>
+
+<file path=ppt/slides/slide30.xml><?xml version="1.0" encoding="utf-8"?>
 <p:sld xmlns:a="http://schemas.openxmlformats.org/drawingml/2006/main" xmlns:r="http://schemas.openxmlformats.org/officeDocument/2006/relationships" xmlns:p="http://schemas.openxmlformats.org/presentationml/2006/main">
   <p:cSld>
     <p:spTree>
@@ -37837,688 +39185,7 @@
 </p:sld>
 </file>
 
-<file path=ppt/slides/slide3.xml><?xml version="1.0" encoding="utf-8"?>
-<p:sld xmlns:a="http://schemas.openxmlformats.org/drawingml/2006/main" xmlns:r="http://schemas.openxmlformats.org/officeDocument/2006/relationships" xmlns:p="http://schemas.openxmlformats.org/presentationml/2006/main">
-  <p:cSld>
-    <p:spTree>
-      <p:nvGrpSpPr>
-        <p:cNvPr id="1" name=""/>
-        <p:cNvGrpSpPr/>
-        <p:nvPr/>
-      </p:nvGrpSpPr>
-      <p:grpSpPr>
-        <a:xfrm>
-          <a:off x="0" y="0"/>
-          <a:ext cx="0" cy="0"/>
-          <a:chOff x="0" y="0"/>
-          <a:chExt cx="0" cy="0"/>
-        </a:xfrm>
-      </p:grpSpPr>
-      <p:sp>
-        <p:nvSpPr>
-          <p:cNvPr id="30" name="文本框 15"/>
-          <p:cNvSpPr txBox="1">
-            <a:spLocks noChangeArrowheads="1"/>
-          </p:cNvSpPr>
-          <p:nvPr/>
-        </p:nvSpPr>
-        <p:spPr bwMode="auto">
-          <a:xfrm>
-            <a:off x="1592407" y="3019646"/>
-            <a:ext cx="9007185" cy="1015663"/>
-          </a:xfrm>
-          <a:prstGeom prst="rect">
-            <a:avLst/>
-          </a:prstGeom>
-          <a:noFill/>
-          <a:ln>
-            <a:noFill/>
-          </a:ln>
-          <a:extLst>
-            <a:ext uri="{909E8E84-426E-40DD-AFC4-6F175D3DCCD1}">
-              <a14:hiddenFill xmlns:a14="http://schemas.microsoft.com/office/drawing/2010/main">
-                <a:solidFill>
-                  <a:srgbClr val="FFFFFF"/>
-                </a:solidFill>
-              </a14:hiddenFill>
-            </a:ext>
-            <a:ext uri="{91240B29-F687-4F45-9708-019B960494DF}">
-              <a14:hiddenLine xmlns:a14="http://schemas.microsoft.com/office/drawing/2010/main" w="9525">
-                <a:solidFill>
-                  <a:srgbClr val="000000"/>
-                </a:solidFill>
-                <a:miter lim="800000"/>
-                <a:headEnd/>
-                <a:tailEnd/>
-              </a14:hiddenLine>
-            </a:ext>
-          </a:extLst>
-        </p:spPr>
-        <p:txBody>
-          <a:bodyPr wrap="square">
-            <a:spAutoFit/>
-          </a:bodyPr>
-          <a:lstStyle>
-            <a:lvl1pPr>
-              <a:lnSpc>
-                <a:spcPct val="90000"/>
-              </a:lnSpc>
-              <a:spcBef>
-                <a:spcPts val="1000"/>
-              </a:spcBef>
-              <a:buFont typeface="Arial" panose="020B0604020202020204" pitchFamily="34" charset="0"/>
-              <a:buChar char="•"/>
-              <a:defRPr sz="2800">
-                <a:solidFill>
-                  <a:schemeClr val="tx1"/>
-                </a:solidFill>
-                <a:latin typeface="Calibri" panose="020F0502020204030204" pitchFamily="34" charset="0"/>
-                <a:ea typeface="宋体" panose="02010600030101010101" pitchFamily="2" charset="-122"/>
-              </a:defRPr>
-            </a:lvl1pPr>
-            <a:lvl2pPr marL="742950" indent="-285750">
-              <a:lnSpc>
-                <a:spcPct val="90000"/>
-              </a:lnSpc>
-              <a:spcBef>
-                <a:spcPts val="500"/>
-              </a:spcBef>
-              <a:buFont typeface="Arial" panose="020B0604020202020204" pitchFamily="34" charset="0"/>
-              <a:buChar char="•"/>
-              <a:defRPr sz="2400">
-                <a:solidFill>
-                  <a:schemeClr val="tx1"/>
-                </a:solidFill>
-                <a:latin typeface="Calibri" panose="020F0502020204030204" pitchFamily="34" charset="0"/>
-                <a:ea typeface="宋体" panose="02010600030101010101" pitchFamily="2" charset="-122"/>
-              </a:defRPr>
-            </a:lvl2pPr>
-            <a:lvl3pPr marL="1143000" indent="-228600">
-              <a:lnSpc>
-                <a:spcPct val="90000"/>
-              </a:lnSpc>
-              <a:spcBef>
-                <a:spcPts val="500"/>
-              </a:spcBef>
-              <a:buFont typeface="Arial" panose="020B0604020202020204" pitchFamily="34" charset="0"/>
-              <a:buChar char="•"/>
-              <a:defRPr sz="2000">
-                <a:solidFill>
-                  <a:schemeClr val="tx1"/>
-                </a:solidFill>
-                <a:latin typeface="Calibri" panose="020F0502020204030204" pitchFamily="34" charset="0"/>
-                <a:ea typeface="宋体" panose="02010600030101010101" pitchFamily="2" charset="-122"/>
-              </a:defRPr>
-            </a:lvl3pPr>
-            <a:lvl4pPr marL="1600200" indent="-228600">
-              <a:lnSpc>
-                <a:spcPct val="90000"/>
-              </a:lnSpc>
-              <a:spcBef>
-                <a:spcPts val="500"/>
-              </a:spcBef>
-              <a:buFont typeface="Arial" panose="020B0604020202020204" pitchFamily="34" charset="0"/>
-              <a:buChar char="•"/>
-              <a:defRPr>
-                <a:solidFill>
-                  <a:schemeClr val="tx1"/>
-                </a:solidFill>
-                <a:latin typeface="Calibri" panose="020F0502020204030204" pitchFamily="34" charset="0"/>
-                <a:ea typeface="宋体" panose="02010600030101010101" pitchFamily="2" charset="-122"/>
-              </a:defRPr>
-            </a:lvl4pPr>
-            <a:lvl5pPr marL="2057400" indent="-228600">
-              <a:lnSpc>
-                <a:spcPct val="90000"/>
-              </a:lnSpc>
-              <a:spcBef>
-                <a:spcPts val="500"/>
-              </a:spcBef>
-              <a:buFont typeface="Arial" panose="020B0604020202020204" pitchFamily="34" charset="0"/>
-              <a:buChar char="•"/>
-              <a:defRPr>
-                <a:solidFill>
-                  <a:schemeClr val="tx1"/>
-                </a:solidFill>
-                <a:latin typeface="Calibri" panose="020F0502020204030204" pitchFamily="34" charset="0"/>
-                <a:ea typeface="宋体" panose="02010600030101010101" pitchFamily="2" charset="-122"/>
-              </a:defRPr>
-            </a:lvl5pPr>
-            <a:lvl6pPr marL="2514600" indent="-228600" fontAlgn="base">
-              <a:lnSpc>
-                <a:spcPct val="90000"/>
-              </a:lnSpc>
-              <a:spcBef>
-                <a:spcPts val="500"/>
-              </a:spcBef>
-              <a:spcAft>
-                <a:spcPct val="0"/>
-              </a:spcAft>
-              <a:buFont typeface="Arial" panose="020B0604020202020204" pitchFamily="34" charset="0"/>
-              <a:buChar char="•"/>
-              <a:defRPr>
-                <a:solidFill>
-                  <a:schemeClr val="tx1"/>
-                </a:solidFill>
-                <a:latin typeface="Calibri" panose="020F0502020204030204" pitchFamily="34" charset="0"/>
-                <a:ea typeface="宋体" panose="02010600030101010101" pitchFamily="2" charset="-122"/>
-              </a:defRPr>
-            </a:lvl6pPr>
-            <a:lvl7pPr marL="2971800" indent="-228600" fontAlgn="base">
-              <a:lnSpc>
-                <a:spcPct val="90000"/>
-              </a:lnSpc>
-              <a:spcBef>
-                <a:spcPts val="500"/>
-              </a:spcBef>
-              <a:spcAft>
-                <a:spcPct val="0"/>
-              </a:spcAft>
-              <a:buFont typeface="Arial" panose="020B0604020202020204" pitchFamily="34" charset="0"/>
-              <a:buChar char="•"/>
-              <a:defRPr>
-                <a:solidFill>
-                  <a:schemeClr val="tx1"/>
-                </a:solidFill>
-                <a:latin typeface="Calibri" panose="020F0502020204030204" pitchFamily="34" charset="0"/>
-                <a:ea typeface="宋体" panose="02010600030101010101" pitchFamily="2" charset="-122"/>
-              </a:defRPr>
-            </a:lvl7pPr>
-            <a:lvl8pPr marL="3429000" indent="-228600" fontAlgn="base">
-              <a:lnSpc>
-                <a:spcPct val="90000"/>
-              </a:lnSpc>
-              <a:spcBef>
-                <a:spcPts val="500"/>
-              </a:spcBef>
-              <a:spcAft>
-                <a:spcPct val="0"/>
-              </a:spcAft>
-              <a:buFont typeface="Arial" panose="020B0604020202020204" pitchFamily="34" charset="0"/>
-              <a:buChar char="•"/>
-              <a:defRPr>
-                <a:solidFill>
-                  <a:schemeClr val="tx1"/>
-                </a:solidFill>
-                <a:latin typeface="Calibri" panose="020F0502020204030204" pitchFamily="34" charset="0"/>
-                <a:ea typeface="宋体" panose="02010600030101010101" pitchFamily="2" charset="-122"/>
-              </a:defRPr>
-            </a:lvl8pPr>
-            <a:lvl9pPr marL="3886200" indent="-228600" fontAlgn="base">
-              <a:lnSpc>
-                <a:spcPct val="90000"/>
-              </a:lnSpc>
-              <a:spcBef>
-                <a:spcPts val="500"/>
-              </a:spcBef>
-              <a:spcAft>
-                <a:spcPct val="0"/>
-              </a:spcAft>
-              <a:buFont typeface="Arial" panose="020B0604020202020204" pitchFamily="34" charset="0"/>
-              <a:buChar char="•"/>
-              <a:defRPr>
-                <a:solidFill>
-                  <a:schemeClr val="tx1"/>
-                </a:solidFill>
-                <a:latin typeface="Calibri" panose="020F0502020204030204" pitchFamily="34" charset="0"/>
-                <a:ea typeface="宋体" panose="02010600030101010101" pitchFamily="2" charset="-122"/>
-              </a:defRPr>
-            </a:lvl9pPr>
-          </a:lstStyle>
-          <a:p>
-            <a:pPr algn="ctr">
-              <a:lnSpc>
-                <a:spcPct val="100000"/>
-              </a:lnSpc>
-              <a:spcBef>
-                <a:spcPct val="0"/>
-              </a:spcBef>
-              <a:buNone/>
-            </a:pPr>
-            <a:r>
-              <a:rPr lang="zh-CN" altLang="en-US" sz="6000" b="1" dirty="0">
-                <a:solidFill>
-                  <a:schemeClr val="tx1">
-                    <a:lumMod val="65000"/>
-                    <a:lumOff val="35000"/>
-                  </a:schemeClr>
-                </a:solidFill>
-                <a:latin typeface="標楷體" panose="03000509000000000000" pitchFamily="65" charset="-120"/>
-                <a:ea typeface="標楷體" panose="03000509000000000000" pitchFamily="65" charset="-120"/>
-                <a:sym typeface="Century Gothic" panose="020B0502020202020204" pitchFamily="34" charset="0"/>
-              </a:rPr>
-              <a:t>背景與目的</a:t>
-            </a:r>
-          </a:p>
-        </p:txBody>
-      </p:sp>
-      <p:sp>
-        <p:nvSpPr>
-          <p:cNvPr id="19" name="椭圆 18"/>
-          <p:cNvSpPr/>
-          <p:nvPr/>
-        </p:nvSpPr>
-        <p:spPr>
-          <a:xfrm>
-            <a:off x="3055807" y="1387989"/>
-            <a:ext cx="1634836" cy="1634836"/>
-          </a:xfrm>
-          <a:prstGeom prst="ellipse">
-            <a:avLst/>
-          </a:prstGeom>
-          <a:solidFill>
-            <a:srgbClr val="BBD5F3"/>
-          </a:solidFill>
-          <a:ln>
-            <a:noFill/>
-          </a:ln>
-        </p:spPr>
-        <p:style>
-          <a:lnRef idx="2">
-            <a:schemeClr val="accent1">
-              <a:shade val="50000"/>
-            </a:schemeClr>
-          </a:lnRef>
-          <a:fillRef idx="1">
-            <a:schemeClr val="accent1"/>
-          </a:fillRef>
-          <a:effectRef idx="0">
-            <a:schemeClr val="accent1"/>
-          </a:effectRef>
-          <a:fontRef idx="minor">
-            <a:schemeClr val="lt1"/>
-          </a:fontRef>
-        </p:style>
-        <p:txBody>
-          <a:bodyPr rtlCol="0" anchor="ctr"/>
-          <a:lstStyle/>
-          <a:p>
-            <a:pPr algn="ctr"/>
-            <a:endParaRPr lang="zh-CN" altLang="en-US">
-              <a:solidFill>
-                <a:srgbClr val="51B5AC"/>
-              </a:solidFill>
-              <a:latin typeface="Century Gothic" panose="020B0502020202020204" pitchFamily="34" charset="0"/>
-              <a:ea typeface="思源黑体 CN Normal" panose="020B0400000000000000" pitchFamily="34" charset="-122"/>
-              <a:sym typeface="Century Gothic" panose="020B0502020202020204" pitchFamily="34" charset="0"/>
-            </a:endParaRPr>
-          </a:p>
-        </p:txBody>
-      </p:sp>
-      <p:sp>
-        <p:nvSpPr>
-          <p:cNvPr id="31" name="文本框 14"/>
-          <p:cNvSpPr txBox="1">
-            <a:spLocks noChangeArrowheads="1"/>
-          </p:cNvSpPr>
-          <p:nvPr/>
-        </p:nvSpPr>
-        <p:spPr bwMode="auto">
-          <a:xfrm>
-            <a:off x="3772950" y="2205407"/>
-            <a:ext cx="2437079" cy="584775"/>
-          </a:xfrm>
-          <a:prstGeom prst="rect">
-            <a:avLst/>
-          </a:prstGeom>
-          <a:noFill/>
-          <a:ln>
-            <a:noFill/>
-          </a:ln>
-          <a:extLst>
-            <a:ext uri="{909E8E84-426E-40DD-AFC4-6F175D3DCCD1}">
-              <a14:hiddenFill xmlns:a14="http://schemas.microsoft.com/office/drawing/2010/main">
-                <a:solidFill>
-                  <a:srgbClr val="FFFFFF"/>
-                </a:solidFill>
-              </a14:hiddenFill>
-            </a:ext>
-            <a:ext uri="{91240B29-F687-4F45-9708-019B960494DF}">
-              <a14:hiddenLine xmlns:a14="http://schemas.microsoft.com/office/drawing/2010/main" w="9525">
-                <a:solidFill>
-                  <a:srgbClr val="000000"/>
-                </a:solidFill>
-                <a:miter lim="800000"/>
-                <a:headEnd/>
-                <a:tailEnd/>
-              </a14:hiddenLine>
-            </a:ext>
-          </a:extLst>
-        </p:spPr>
-        <p:txBody>
-          <a:bodyPr wrap="square">
-            <a:spAutoFit/>
-          </a:bodyPr>
-          <a:lstStyle>
-            <a:lvl1pPr>
-              <a:lnSpc>
-                <a:spcPct val="90000"/>
-              </a:lnSpc>
-              <a:spcBef>
-                <a:spcPts val="1000"/>
-              </a:spcBef>
-              <a:buFont typeface="Arial" panose="020B0604020202020204" pitchFamily="34" charset="0"/>
-              <a:buChar char="•"/>
-              <a:defRPr sz="2800">
-                <a:solidFill>
-                  <a:schemeClr val="tx1"/>
-                </a:solidFill>
-                <a:latin typeface="Calibri" panose="020F0502020204030204" pitchFamily="34" charset="0"/>
-                <a:ea typeface="宋体" panose="02010600030101010101" pitchFamily="2" charset="-122"/>
-              </a:defRPr>
-            </a:lvl1pPr>
-            <a:lvl2pPr marL="742950" indent="-285750">
-              <a:lnSpc>
-                <a:spcPct val="90000"/>
-              </a:lnSpc>
-              <a:spcBef>
-                <a:spcPts val="500"/>
-              </a:spcBef>
-              <a:buFont typeface="Arial" panose="020B0604020202020204" pitchFamily="34" charset="0"/>
-              <a:buChar char="•"/>
-              <a:defRPr sz="2400">
-                <a:solidFill>
-                  <a:schemeClr val="tx1"/>
-                </a:solidFill>
-                <a:latin typeface="Calibri" panose="020F0502020204030204" pitchFamily="34" charset="0"/>
-                <a:ea typeface="宋体" panose="02010600030101010101" pitchFamily="2" charset="-122"/>
-              </a:defRPr>
-            </a:lvl2pPr>
-            <a:lvl3pPr marL="1143000" indent="-228600">
-              <a:lnSpc>
-                <a:spcPct val="90000"/>
-              </a:lnSpc>
-              <a:spcBef>
-                <a:spcPts val="500"/>
-              </a:spcBef>
-              <a:buFont typeface="Arial" panose="020B0604020202020204" pitchFamily="34" charset="0"/>
-              <a:buChar char="•"/>
-              <a:defRPr sz="2000">
-                <a:solidFill>
-                  <a:schemeClr val="tx1"/>
-                </a:solidFill>
-                <a:latin typeface="Calibri" panose="020F0502020204030204" pitchFamily="34" charset="0"/>
-                <a:ea typeface="宋体" panose="02010600030101010101" pitchFamily="2" charset="-122"/>
-              </a:defRPr>
-            </a:lvl3pPr>
-            <a:lvl4pPr marL="1600200" indent="-228600">
-              <a:lnSpc>
-                <a:spcPct val="90000"/>
-              </a:lnSpc>
-              <a:spcBef>
-                <a:spcPts val="500"/>
-              </a:spcBef>
-              <a:buFont typeface="Arial" panose="020B0604020202020204" pitchFamily="34" charset="0"/>
-              <a:buChar char="•"/>
-              <a:defRPr>
-                <a:solidFill>
-                  <a:schemeClr val="tx1"/>
-                </a:solidFill>
-                <a:latin typeface="Calibri" panose="020F0502020204030204" pitchFamily="34" charset="0"/>
-                <a:ea typeface="宋体" panose="02010600030101010101" pitchFamily="2" charset="-122"/>
-              </a:defRPr>
-            </a:lvl4pPr>
-            <a:lvl5pPr marL="2057400" indent="-228600">
-              <a:lnSpc>
-                <a:spcPct val="90000"/>
-              </a:lnSpc>
-              <a:spcBef>
-                <a:spcPts val="500"/>
-              </a:spcBef>
-              <a:buFont typeface="Arial" panose="020B0604020202020204" pitchFamily="34" charset="0"/>
-              <a:buChar char="•"/>
-              <a:defRPr>
-                <a:solidFill>
-                  <a:schemeClr val="tx1"/>
-                </a:solidFill>
-                <a:latin typeface="Calibri" panose="020F0502020204030204" pitchFamily="34" charset="0"/>
-                <a:ea typeface="宋体" panose="02010600030101010101" pitchFamily="2" charset="-122"/>
-              </a:defRPr>
-            </a:lvl5pPr>
-            <a:lvl6pPr marL="2514600" indent="-228600" fontAlgn="base">
-              <a:lnSpc>
-                <a:spcPct val="90000"/>
-              </a:lnSpc>
-              <a:spcBef>
-                <a:spcPts val="500"/>
-              </a:spcBef>
-              <a:spcAft>
-                <a:spcPct val="0"/>
-              </a:spcAft>
-              <a:buFont typeface="Arial" panose="020B0604020202020204" pitchFamily="34" charset="0"/>
-              <a:buChar char="•"/>
-              <a:defRPr>
-                <a:solidFill>
-                  <a:schemeClr val="tx1"/>
-                </a:solidFill>
-                <a:latin typeface="Calibri" panose="020F0502020204030204" pitchFamily="34" charset="0"/>
-                <a:ea typeface="宋体" panose="02010600030101010101" pitchFamily="2" charset="-122"/>
-              </a:defRPr>
-            </a:lvl6pPr>
-            <a:lvl7pPr marL="2971800" indent="-228600" fontAlgn="base">
-              <a:lnSpc>
-                <a:spcPct val="90000"/>
-              </a:lnSpc>
-              <a:spcBef>
-                <a:spcPts val="500"/>
-              </a:spcBef>
-              <a:spcAft>
-                <a:spcPct val="0"/>
-              </a:spcAft>
-              <a:buFont typeface="Arial" panose="020B0604020202020204" pitchFamily="34" charset="0"/>
-              <a:buChar char="•"/>
-              <a:defRPr>
-                <a:solidFill>
-                  <a:schemeClr val="tx1"/>
-                </a:solidFill>
-                <a:latin typeface="Calibri" panose="020F0502020204030204" pitchFamily="34" charset="0"/>
-                <a:ea typeface="宋体" panose="02010600030101010101" pitchFamily="2" charset="-122"/>
-              </a:defRPr>
-            </a:lvl7pPr>
-            <a:lvl8pPr marL="3429000" indent="-228600" fontAlgn="base">
-              <a:lnSpc>
-                <a:spcPct val="90000"/>
-              </a:lnSpc>
-              <a:spcBef>
-                <a:spcPts val="500"/>
-              </a:spcBef>
-              <a:spcAft>
-                <a:spcPct val="0"/>
-              </a:spcAft>
-              <a:buFont typeface="Arial" panose="020B0604020202020204" pitchFamily="34" charset="0"/>
-              <a:buChar char="•"/>
-              <a:defRPr>
-                <a:solidFill>
-                  <a:schemeClr val="tx1"/>
-                </a:solidFill>
-                <a:latin typeface="Calibri" panose="020F0502020204030204" pitchFamily="34" charset="0"/>
-                <a:ea typeface="宋体" panose="02010600030101010101" pitchFamily="2" charset="-122"/>
-              </a:defRPr>
-            </a:lvl8pPr>
-            <a:lvl9pPr marL="3886200" indent="-228600" fontAlgn="base">
-              <a:lnSpc>
-                <a:spcPct val="90000"/>
-              </a:lnSpc>
-              <a:spcBef>
-                <a:spcPts val="500"/>
-              </a:spcBef>
-              <a:spcAft>
-                <a:spcPct val="0"/>
-              </a:spcAft>
-              <a:buFont typeface="Arial" panose="020B0604020202020204" pitchFamily="34" charset="0"/>
-              <a:buChar char="•"/>
-              <a:defRPr>
-                <a:solidFill>
-                  <a:schemeClr val="tx1"/>
-                </a:solidFill>
-                <a:latin typeface="Calibri" panose="020F0502020204030204" pitchFamily="34" charset="0"/>
-                <a:ea typeface="宋体" panose="02010600030101010101" pitchFamily="2" charset="-122"/>
-              </a:defRPr>
-            </a:lvl9pPr>
-          </a:lstStyle>
-          <a:p>
-            <a:pPr eaLnBrk="1" hangingPunct="1">
-              <a:lnSpc>
-                <a:spcPct val="100000"/>
-              </a:lnSpc>
-              <a:spcBef>
-                <a:spcPct val="0"/>
-              </a:spcBef>
-              <a:buFontTx/>
-              <a:buNone/>
-            </a:pPr>
-            <a:r>
-              <a:rPr lang="en-US" altLang="zh-CN" sz="3200" dirty="0">
-                <a:solidFill>
-                  <a:schemeClr val="tx1">
-                    <a:lumMod val="75000"/>
-                    <a:lumOff val="25000"/>
-                  </a:schemeClr>
-                </a:solidFill>
-                <a:latin typeface="HanziPen SC" panose="03000300000000000000" pitchFamily="66" charset="-122"/>
-                <a:ea typeface="HanziPen SC" panose="03000300000000000000" pitchFamily="66" charset="-122"/>
-                <a:sym typeface="Century Gothic" panose="020B0502020202020204" pitchFamily="34" charset="0"/>
-              </a:rPr>
-              <a:t>PART  01</a:t>
-            </a:r>
-            <a:endParaRPr lang="zh-CN" altLang="en-US" sz="3200" dirty="0">
-              <a:solidFill>
-                <a:schemeClr val="tx1">
-                  <a:lumMod val="75000"/>
-                  <a:lumOff val="25000"/>
-                </a:schemeClr>
-              </a:solidFill>
-              <a:latin typeface="HanziPen SC" panose="03000300000000000000" pitchFamily="66" charset="-122"/>
-              <a:ea typeface="HanziPen SC" panose="03000300000000000000" pitchFamily="66" charset="-122"/>
-              <a:sym typeface="Century Gothic" panose="020B0502020202020204" pitchFamily="34" charset="0"/>
-            </a:endParaRPr>
-          </a:p>
-        </p:txBody>
-      </p:sp>
-      <p:cxnSp>
-        <p:nvCxnSpPr>
-          <p:cNvPr id="20" name="直接连接符 19"/>
-          <p:cNvCxnSpPr/>
-          <p:nvPr/>
-        </p:nvCxnSpPr>
-        <p:spPr>
-          <a:xfrm flipH="1">
-            <a:off x="2774837" y="1013916"/>
-            <a:ext cx="1884218" cy="2008909"/>
-          </a:xfrm>
-          <a:prstGeom prst="line">
-            <a:avLst/>
-          </a:prstGeom>
-          <a:ln>
-            <a:solidFill>
-              <a:srgbClr val="B1CC71"/>
-            </a:solidFill>
-          </a:ln>
-        </p:spPr>
-        <p:style>
-          <a:lnRef idx="1">
-            <a:schemeClr val="accent1"/>
-          </a:lnRef>
-          <a:fillRef idx="0">
-            <a:schemeClr val="accent1"/>
-          </a:fillRef>
-          <a:effectRef idx="0">
-            <a:schemeClr val="accent1"/>
-          </a:effectRef>
-          <a:fontRef idx="minor">
-            <a:schemeClr val="tx1"/>
-          </a:fontRef>
-        </p:style>
-      </p:cxnSp>
-      <p:pic>
-        <p:nvPicPr>
-          <p:cNvPr id="9" name="图片 8">
-            <a:extLst>
-              <a:ext uri="{FF2B5EF4-FFF2-40B4-BE49-F238E27FC236}">
-                <a16:creationId xmlns:a16="http://schemas.microsoft.com/office/drawing/2014/main" id="{F826EE88-CCC7-4783-9AD5-001269A33EF9}"/>
-              </a:ext>
-            </a:extLst>
-          </p:cNvPr>
-          <p:cNvPicPr>
-            <a:picLocks noChangeAspect="1"/>
-          </p:cNvPicPr>
-          <p:nvPr/>
-        </p:nvPicPr>
-        <p:blipFill>
-          <a:blip r:embed="rId3" cstate="print">
-            <a:extLst>
-              <a:ext uri="{28A0092B-C50C-407E-A947-70E740481C1C}">
-                <a14:useLocalDpi xmlns:a14="http://schemas.microsoft.com/office/drawing/2010/main" val="0"/>
-              </a:ext>
-            </a:extLst>
-          </a:blip>
-          <a:stretch>
-            <a:fillRect/>
-          </a:stretch>
-        </p:blipFill>
-        <p:spPr>
-          <a:xfrm>
-            <a:off x="7261025" y="0"/>
-            <a:ext cx="4930975" cy="6872483"/>
-          </a:xfrm>
-          <a:prstGeom prst="rect">
-            <a:avLst/>
-          </a:prstGeom>
-        </p:spPr>
-      </p:pic>
-      <p:pic>
-        <p:nvPicPr>
-          <p:cNvPr id="3" name="图片 2">
-            <a:extLst>
-              <a:ext uri="{FF2B5EF4-FFF2-40B4-BE49-F238E27FC236}">
-                <a16:creationId xmlns:a16="http://schemas.microsoft.com/office/drawing/2014/main" id="{09B74118-6CB5-49A9-9C2E-38B4B15D3755}"/>
-              </a:ext>
-            </a:extLst>
-          </p:cNvPr>
-          <p:cNvPicPr>
-            <a:picLocks noChangeAspect="1"/>
-          </p:cNvPicPr>
-          <p:nvPr/>
-        </p:nvPicPr>
-        <p:blipFill>
-          <a:blip r:embed="rId4" cstate="print">
-            <a:extLst>
-              <a:ext uri="{28A0092B-C50C-407E-A947-70E740481C1C}">
-                <a14:useLocalDpi xmlns:a14="http://schemas.microsoft.com/office/drawing/2010/main" val="0"/>
-              </a:ext>
-            </a:extLst>
-          </a:blip>
-          <a:stretch>
-            <a:fillRect/>
-          </a:stretch>
-        </p:blipFill>
-        <p:spPr>
-          <a:xfrm rot="7247445">
-            <a:off x="397731" y="4391802"/>
-            <a:ext cx="2130345" cy="2386550"/>
-          </a:xfrm>
-          <a:prstGeom prst="rect">
-            <a:avLst/>
-          </a:prstGeom>
-        </p:spPr>
-      </p:pic>
-    </p:spTree>
-    <p:extLst>
-      <p:ext uri="{BB962C8B-B14F-4D97-AF65-F5344CB8AC3E}">
-        <p14:creationId xmlns:p14="http://schemas.microsoft.com/office/powerpoint/2010/main" val="1810127575"/>
-      </p:ext>
-    </p:extLst>
-  </p:cSld>
-  <p:clrMapOvr>
-    <a:masterClrMapping/>
-  </p:clrMapOvr>
-  <p:transition spd="slow">
-    <p:randomBar dir="vert"/>
-  </p:transition>
-</p:sld>
-</file>
-
-<file path=ppt/slides/slide30.xml><?xml version="1.0" encoding="utf-8"?>
+<file path=ppt/slides/slide31.xml><?xml version="1.0" encoding="utf-8"?>
 <p:sld xmlns:a="http://schemas.openxmlformats.org/drawingml/2006/main" xmlns:r="http://schemas.openxmlformats.org/officeDocument/2006/relationships" xmlns:p="http://schemas.openxmlformats.org/presentationml/2006/main">
   <p:cSld>
     <p:spTree>
